--- a/资料/课件/IPhone开发教程6-表视图&集合视图&标签&导航控制器.pptx
+++ b/资料/课件/IPhone开发教程6-表视图&集合视图&标签&导航控制器.pptx
@@ -5,38 +5,41 @@
     <p:sldMasterId id="2147488748" r:id="rId1"/>
   </p:sldMasterIdLst>
   <p:notesMasterIdLst>
-    <p:notesMasterId r:id="rId23"/>
+    <p:notesMasterId r:id="rId26"/>
   </p:notesMasterIdLst>
   <p:handoutMasterIdLst>
-    <p:handoutMasterId r:id="rId24"/>
+    <p:handoutMasterId r:id="rId27"/>
   </p:handoutMasterIdLst>
   <p:sldIdLst>
     <p:sldId id="1551" r:id="rId2"/>
     <p:sldId id="1552" r:id="rId3"/>
-    <p:sldId id="1553" r:id="rId4"/>
-    <p:sldId id="1554" r:id="rId5"/>
-    <p:sldId id="1555" r:id="rId6"/>
-    <p:sldId id="1556" r:id="rId7"/>
-    <p:sldId id="1557" r:id="rId8"/>
-    <p:sldId id="1558" r:id="rId9"/>
-    <p:sldId id="1559" r:id="rId10"/>
-    <p:sldId id="1560" r:id="rId11"/>
-    <p:sldId id="1561" r:id="rId12"/>
-    <p:sldId id="1562" r:id="rId13"/>
-    <p:sldId id="1563" r:id="rId14"/>
-    <p:sldId id="1564" r:id="rId15"/>
-    <p:sldId id="1565" r:id="rId16"/>
-    <p:sldId id="1566" r:id="rId17"/>
-    <p:sldId id="1567" r:id="rId18"/>
-    <p:sldId id="1568" r:id="rId19"/>
-    <p:sldId id="1569" r:id="rId20"/>
-    <p:sldId id="1570" r:id="rId21"/>
-    <p:sldId id="1571" r:id="rId22"/>
+    <p:sldId id="1554" r:id="rId4"/>
+    <p:sldId id="1557" r:id="rId5"/>
+    <p:sldId id="1558" r:id="rId6"/>
+    <p:sldId id="1559" r:id="rId7"/>
+    <p:sldId id="1560" r:id="rId8"/>
+    <p:sldId id="1561" r:id="rId9"/>
+    <p:sldId id="1573" r:id="rId10"/>
+    <p:sldId id="1574" r:id="rId11"/>
+    <p:sldId id="1575" r:id="rId12"/>
+    <p:sldId id="1576" r:id="rId13"/>
+    <p:sldId id="1577" r:id="rId14"/>
+    <p:sldId id="1572" r:id="rId15"/>
+    <p:sldId id="1562" r:id="rId16"/>
+    <p:sldId id="1563" r:id="rId17"/>
+    <p:sldId id="1564" r:id="rId18"/>
+    <p:sldId id="1565" r:id="rId19"/>
+    <p:sldId id="1566" r:id="rId20"/>
+    <p:sldId id="1567" r:id="rId21"/>
+    <p:sldId id="1568" r:id="rId22"/>
+    <p:sldId id="1569" r:id="rId23"/>
+    <p:sldId id="1570" r:id="rId24"/>
+    <p:sldId id="1571" r:id="rId25"/>
   </p:sldIdLst>
   <p:sldSz cx="9144000" cy="6858000" type="screen4x3"/>
   <p:notesSz cx="6797675" cy="9874250"/>
   <p:custDataLst>
-    <p:tags r:id="rId26"/>
+    <p:tags r:id="rId29"/>
   </p:custDataLst>
   <p:defaultTextStyle>
     <a:defPPr>
@@ -170,15 +173,18 @@
           <p14:sldIdLst>
             <p14:sldId id="1551"/>
             <p14:sldId id="1552"/>
-            <p14:sldId id="1553"/>
             <p14:sldId id="1554"/>
-            <p14:sldId id="1555"/>
-            <p14:sldId id="1556"/>
             <p14:sldId id="1557"/>
             <p14:sldId id="1558"/>
             <p14:sldId id="1559"/>
             <p14:sldId id="1560"/>
             <p14:sldId id="1561"/>
+            <p14:sldId id="1573"/>
+            <p14:sldId id="1574"/>
+            <p14:sldId id="1575"/>
+            <p14:sldId id="1576"/>
+            <p14:sldId id="1577"/>
+            <p14:sldId id="1572"/>
             <p14:sldId id="1562"/>
             <p14:sldId id="1563"/>
             <p14:sldId id="1564"/>
@@ -194,7 +200,7 @@
       </p14:sectionLst>
     </p:ext>
     <p:ext uri="{EFAFB233-063F-42B5-8137-9DF3F51BA10A}">
-      <p15:sldGuideLst xmlns="" xmlns:p15="http://schemas.microsoft.com/office/powerpoint/2012/main">
+      <p15:sldGuideLst xmlns:p15="http://schemas.microsoft.com/office/powerpoint/2012/main" xmlns="">
         <p15:guide id="1" orient="horz">
           <p15:clr>
             <a:srgbClr val="A4A3A4"/>
@@ -208,7 +214,7 @@
       </p15:sldGuideLst>
     </p:ext>
     <p:ext uri="{2D200454-40CA-4A62-9FC3-DE9A4176ACB9}">
-      <p15:notesGuideLst xmlns="" xmlns:p15="http://schemas.microsoft.com/office/powerpoint/2012/main">
+      <p15:notesGuideLst xmlns:p15="http://schemas.microsoft.com/office/powerpoint/2012/main" xmlns="">
         <p15:guide id="1" orient="horz" pos="3109">
           <p15:clr>
             <a:srgbClr val="A4A3A4"/>
@@ -8479,11 +8485,7 @@
             </a:pPr>
             <a:r>
               <a:rPr lang="zh-CN" altLang="en-US" sz="2400" dirty="0" smtClean="0"/>
-              <a:t>表视图</a:t>
-            </a:r>
-            <a:r>
-              <a:rPr lang="zh-CN" altLang="en-US" sz="2400" dirty="0" smtClean="0"/>
-              <a:t>控制器</a:t>
+              <a:t>表视图控制器</a:t>
             </a:r>
             <a:endParaRPr lang="en-US" altLang="zh-CN" sz="2400" dirty="0" smtClean="0"/>
           </a:p>
@@ -8499,18 +8501,10 @@
               <a:buChar char="Ø"/>
             </a:pPr>
             <a:r>
-              <a:rPr lang="zh-CN" altLang="en-US" sz="2400" dirty="0" smtClean="0">
-                <a:solidFill>
-                  <a:srgbClr val="FF0000"/>
-                </a:solidFill>
-              </a:rPr>
+              <a:rPr lang="zh-CN" altLang="en-US" sz="2400" dirty="0" smtClean="0"/>
               <a:t>集合视图控制器</a:t>
             </a:r>
-            <a:endParaRPr lang="zh-CN" altLang="en-US" sz="2400" dirty="0">
-              <a:solidFill>
-                <a:srgbClr val="FF0000"/>
-              </a:solidFill>
-            </a:endParaRPr>
+            <a:endParaRPr lang="zh-CN" altLang="en-US" sz="2400" dirty="0"/>
           </a:p>
           <a:p>
             <a:pPr marL="342900" indent="-342900">
@@ -8604,26 +8598,19 @@
         </p:nvSpPr>
         <p:spPr/>
         <p:txBody>
-          <a:bodyPr/>
+          <a:bodyPr anchor="ctr"/>
           <a:lstStyle/>
           <a:p>
-            <a:r>
-              <a:rPr lang="zh-CN" altLang="en-US" b="0" dirty="0"/>
-              <a:t>表视图控制器案例</a:t>
-            </a:r>
-            <a:r>
-              <a:rPr lang="en-US" altLang="zh-CN" b="0" dirty="0"/>
-              <a:t>(</a:t>
-            </a:r>
-            <a:r>
-              <a:rPr lang="zh-CN" altLang="en-US" b="0" dirty="0"/>
-              <a:t>再续</a:t>
-            </a:r>
-            <a:r>
-              <a:rPr lang="en-US" altLang="zh-CN" b="0" dirty="0"/>
-              <a:t>)</a:t>
-            </a:r>
-            <a:endParaRPr kumimoji="1" lang="zh-CN" altLang="en-US" dirty="0"/>
+            <a:pPr marL="342900" indent="-342900">
+              <a:lnSpc>
+                <a:spcPct val="150000"/>
+              </a:lnSpc>
+            </a:pPr>
+            <a:r>
+              <a:rPr lang="zh-CN" altLang="en-US" dirty="0"/>
+              <a:t>集合视图控制器</a:t>
+            </a:r>
+            <a:endParaRPr lang="zh-CN" altLang="en-US" dirty="0"/>
           </a:p>
         </p:txBody>
       </p:sp>
@@ -8653,14 +8640,14 @@
       </p:sp>
       <p:sp>
         <p:nvSpPr>
-          <p:cNvPr id="4" name="文本框 3"/>
+          <p:cNvPr id="10" name="文本框 9"/>
           <p:cNvSpPr txBox="1"/>
           <p:nvPr/>
         </p:nvSpPr>
         <p:spPr>
           <a:xfrm>
-            <a:off x="179512" y="1340768"/>
-            <a:ext cx="8712968" cy="5159875"/>
+            <a:off x="179512" y="1412776"/>
+            <a:ext cx="8856984" cy="4493537"/>
           </a:xfrm>
           <a:prstGeom prst="rect">
             <a:avLst/>
@@ -8675,7 +8662,7 @@
           <a:p>
             <a:pPr marL="342900" indent="-342900">
               <a:lnSpc>
-                <a:spcPct val="130000"/>
+                <a:spcPct val="150000"/>
               </a:lnSpc>
               <a:buClr>
                 <a:srgbClr val="00FFFF"/>
@@ -8684,26 +8671,31 @@
               <a:buChar char="Ø"/>
             </a:pPr>
             <a:r>
-              <a:rPr lang="en-US" altLang="zh-CN" sz="2000" dirty="0" smtClean="0"/>
-              <a:t>/</a:t>
-            </a:r>
-            <a:r>
-              <a:rPr lang="en-US" altLang="zh-CN" sz="2000" dirty="0"/>
-              <a:t>/</a:t>
-            </a:r>
-            <a:r>
-              <a:rPr lang="zh-CN" altLang="en-US" sz="2000" dirty="0"/>
-              <a:t>返回指定块</a:t>
-            </a:r>
-            <a:r>
-              <a:rPr lang="zh-CN" altLang="en-US" dirty="0"/>
-              <a:t>和行的表单元</a:t>
-            </a:r>
-          </a:p>
-          <a:p>
-            <a:pPr marL="285750" indent="-285750">
+              <a:rPr kumimoji="1" lang="zh-CN" altLang="en-US" sz="2400" dirty="0" smtClean="0"/>
+              <a:t>重用</a:t>
+            </a:r>
+            <a:r>
+              <a:rPr kumimoji="1" lang="en-US" altLang="zh-CN" sz="2400" dirty="0" smtClean="0"/>
+              <a:t>,</a:t>
+            </a:r>
+            <a:r>
+              <a:rPr kumimoji="1" lang="zh-CN" altLang="en-US" sz="2400" dirty="0"/>
+              <a:t>使用以下方法进行注册：</a:t>
+            </a:r>
+            <a:endParaRPr kumimoji="1" lang="en-US" altLang="zh-CN" sz="2400" dirty="0" smtClean="0"/>
+          </a:p>
+          <a:p>
+            <a:pPr>
               <a:lnSpc>
-                <a:spcPct val="130000"/>
+                <a:spcPct val="150000"/>
+              </a:lnSpc>
+            </a:pPr>
+            <a:endParaRPr kumimoji="1" lang="en-US" altLang="zh-CN" sz="2400" dirty="0"/>
+          </a:p>
+          <a:p>
+            <a:pPr marL="800100" lvl="1" indent="-342900">
+              <a:lnSpc>
+                <a:spcPct val="150000"/>
               </a:lnSpc>
               <a:buClr>
                 <a:srgbClr val="00FFFF"/>
@@ -8712,340 +8704,89 @@
               <a:buChar char="Ø"/>
             </a:pPr>
             <a:r>
-              <a:rPr lang="pl-PL" altLang="zh-CN" dirty="0" smtClean="0"/>
-              <a:t>- </a:t>
-            </a:r>
-            <a:r>
-              <a:rPr lang="pl-PL" altLang="zh-CN" dirty="0"/>
-              <a:t>(</a:t>
-            </a:r>
-            <a:r>
-              <a:rPr lang="pl-PL" altLang="zh-CN" dirty="0" err="1"/>
-              <a:t>UITableViewCell</a:t>
-            </a:r>
-            <a:r>
-              <a:rPr lang="pl-PL" altLang="zh-CN" dirty="0"/>
-              <a:t> *)</a:t>
-            </a:r>
-            <a:r>
-              <a:rPr lang="pl-PL" altLang="zh-CN" dirty="0" err="1"/>
-              <a:t>tableView</a:t>
-            </a:r>
-            <a:r>
-              <a:rPr lang="pl-PL" altLang="zh-CN" dirty="0"/>
-              <a:t>:(</a:t>
-            </a:r>
-            <a:r>
-              <a:rPr lang="pl-PL" altLang="zh-CN" dirty="0" err="1"/>
-              <a:t>UITableView</a:t>
-            </a:r>
-            <a:r>
-              <a:rPr lang="pl-PL" altLang="zh-CN" dirty="0"/>
-              <a:t> *)</a:t>
-            </a:r>
-            <a:r>
-              <a:rPr lang="pl-PL" altLang="zh-CN" dirty="0" err="1"/>
-              <a:t>tableView</a:t>
-            </a:r>
-            <a:endParaRPr lang="pl-PL" altLang="zh-CN" dirty="0"/>
-          </a:p>
-          <a:p>
-            <a:pPr>
+              <a:rPr kumimoji="1" lang="en-US" altLang="zh-CN" sz="2400" dirty="0"/>
+              <a:t>-</a:t>
+            </a:r>
+            <a:r>
+              <a:rPr kumimoji="1" lang="en-US" altLang="zh-CN" sz="2400" dirty="0" err="1"/>
+              <a:t>registerClass:forCellWithReuseIdentifier</a:t>
+            </a:r>
+            <a:r>
+              <a:rPr kumimoji="1" lang="en-US" altLang="zh-CN" sz="2400" dirty="0"/>
+              <a:t>:</a:t>
+            </a:r>
+          </a:p>
+          <a:p>
+            <a:pPr marL="800100" lvl="1" indent="-342900">
               <a:lnSpc>
-                <a:spcPct val="130000"/>
+                <a:spcPct val="150000"/>
               </a:lnSpc>
+              <a:buClr>
+                <a:srgbClr val="00FFFF"/>
+              </a:buClr>
+              <a:buFont typeface="Wingdings" charset="2"/>
+              <a:buChar char="Ø"/>
             </a:pPr>
             <a:r>
-              <a:rPr lang="pl-PL" altLang="zh-CN" dirty="0" err="1"/>
-              <a:t>cellForRowAtIndexPath</a:t>
-            </a:r>
-            <a:r>
-              <a:rPr lang="pl-PL" altLang="zh-CN" dirty="0"/>
-              <a:t>:(</a:t>
-            </a:r>
-            <a:r>
-              <a:rPr lang="pl-PL" altLang="zh-CN" dirty="0" err="1"/>
-              <a:t>NSIndexPath</a:t>
-            </a:r>
-            <a:r>
-              <a:rPr lang="pl-PL" altLang="zh-CN" dirty="0"/>
-              <a:t> *)</a:t>
-            </a:r>
-            <a:r>
-              <a:rPr lang="pl-PL" altLang="zh-CN" dirty="0" err="1"/>
-              <a:t>indexPath</a:t>
-            </a:r>
-            <a:r>
-              <a:rPr lang="pl-PL" altLang="zh-CN" dirty="0"/>
-              <a:t>{</a:t>
-            </a:r>
-          </a:p>
-          <a:p>
-            <a:pPr lvl="1">
+              <a:rPr kumimoji="1" lang="en-US" altLang="zh-CN" sz="2400" dirty="0" err="1" smtClean="0"/>
+              <a:t>registerClass:forSupplementaryViewOfKind:withReuseIdentifier</a:t>
+            </a:r>
+            <a:r>
+              <a:rPr kumimoji="1" lang="en-US" altLang="zh-CN" sz="2400" dirty="0"/>
+              <a:t>:</a:t>
+            </a:r>
+          </a:p>
+          <a:p>
+            <a:pPr marL="800100" lvl="1" indent="-342900">
               <a:lnSpc>
-                <a:spcPct val="130000"/>
+                <a:spcPct val="150000"/>
               </a:lnSpc>
+              <a:buClr>
+                <a:srgbClr val="00FFFF"/>
+              </a:buClr>
+              <a:buFont typeface="Wingdings" charset="2"/>
+              <a:buChar char="Ø"/>
             </a:pPr>
             <a:r>
-              <a:rPr lang="pl-PL" altLang="zh-CN" dirty="0" err="1"/>
-              <a:t>static</a:t>
-            </a:r>
-            <a:r>
-              <a:rPr lang="pl-PL" altLang="zh-CN" dirty="0"/>
-              <a:t> </a:t>
-            </a:r>
-            <a:r>
-              <a:rPr lang="pl-PL" altLang="zh-CN" dirty="0" err="1"/>
-              <a:t>NSString</a:t>
-            </a:r>
-            <a:r>
-              <a:rPr lang="pl-PL" altLang="zh-CN" dirty="0"/>
-              <a:t> *</a:t>
-            </a:r>
-            <a:r>
-              <a:rPr lang="pl-PL" altLang="zh-CN" dirty="0" err="1"/>
-              <a:t>CellIdentifier</a:t>
-            </a:r>
-            <a:r>
-              <a:rPr lang="pl-PL" altLang="zh-CN" dirty="0"/>
-              <a:t> = @"Cell";</a:t>
-            </a:r>
-          </a:p>
-          <a:p>
-            <a:pPr lvl="1">
+              <a:rPr kumimoji="1" lang="en-US" altLang="zh-CN" sz="2400" dirty="0"/>
+              <a:t>-</a:t>
+            </a:r>
+            <a:r>
+              <a:rPr kumimoji="1" lang="en-US" altLang="zh-CN" sz="2400" dirty="0" err="1"/>
+              <a:t>registerNib:forCellWithReuseIdentifier</a:t>
+            </a:r>
+            <a:r>
+              <a:rPr kumimoji="1" lang="en-US" altLang="zh-CN" sz="2400" dirty="0"/>
+              <a:t>:</a:t>
+            </a:r>
+          </a:p>
+          <a:p>
+            <a:pPr marL="800100" lvl="1" indent="-342900">
               <a:lnSpc>
-                <a:spcPct val="130000"/>
+                <a:spcPct val="150000"/>
               </a:lnSpc>
+              <a:buClr>
+                <a:srgbClr val="00FFFF"/>
+              </a:buClr>
+              <a:buFont typeface="Wingdings" charset="2"/>
+              <a:buChar char="Ø"/>
             </a:pPr>
             <a:r>
-              <a:rPr lang="pl-PL" altLang="zh-CN" dirty="0" err="1">
-                <a:solidFill>
-                  <a:srgbClr val="FFFF00"/>
-                </a:solidFill>
-              </a:rPr>
-              <a:t>UITableViewCell</a:t>
-            </a:r>
-            <a:r>
-              <a:rPr lang="pl-PL" altLang="zh-CN" dirty="0">
-                <a:solidFill>
-                  <a:srgbClr val="FFFF00"/>
-                </a:solidFill>
-              </a:rPr>
-              <a:t> *</a:t>
-            </a:r>
-            <a:r>
-              <a:rPr lang="pl-PL" altLang="zh-CN" dirty="0" err="1">
-                <a:solidFill>
-                  <a:srgbClr val="FFFF00"/>
-                </a:solidFill>
-              </a:rPr>
-              <a:t>cell</a:t>
-            </a:r>
-            <a:r>
-              <a:rPr lang="pl-PL" altLang="zh-CN" dirty="0">
-                <a:solidFill>
-                  <a:srgbClr val="FFFF00"/>
-                </a:solidFill>
-              </a:rPr>
-              <a:t> = [</a:t>
-            </a:r>
-            <a:r>
-              <a:rPr lang="pl-PL" altLang="zh-CN" dirty="0" err="1">
-                <a:solidFill>
-                  <a:srgbClr val="FFFF00"/>
-                </a:solidFill>
-              </a:rPr>
-              <a:t>tableView</a:t>
-            </a:r>
-            <a:endParaRPr lang="pl-PL" altLang="zh-CN" dirty="0">
-              <a:solidFill>
-                <a:srgbClr val="FFFF00"/>
-              </a:solidFill>
-            </a:endParaRPr>
-          </a:p>
-          <a:p>
-            <a:pPr lvl="1">
-              <a:lnSpc>
-                <a:spcPct val="130000"/>
-              </a:lnSpc>
-            </a:pPr>
-            <a:r>
-              <a:rPr lang="pl-PL" altLang="zh-CN" dirty="0" err="1">
-                <a:solidFill>
-                  <a:srgbClr val="FFFF00"/>
-                </a:solidFill>
-              </a:rPr>
-              <a:t>dequeueReusableCellWithIdentifier:CellIdentifier</a:t>
-            </a:r>
-            <a:r>
-              <a:rPr lang="pl-PL" altLang="zh-CN" dirty="0">
-                <a:solidFill>
-                  <a:srgbClr val="FFFF00"/>
-                </a:solidFill>
-              </a:rPr>
-              <a:t>];</a:t>
-            </a:r>
-          </a:p>
-          <a:p>
-            <a:pPr lvl="1">
-              <a:lnSpc>
-                <a:spcPct val="130000"/>
-              </a:lnSpc>
-            </a:pPr>
-            <a:r>
-              <a:rPr lang="sv-SE" altLang="zh-CN" dirty="0" err="1"/>
-              <a:t>if</a:t>
-            </a:r>
-            <a:r>
-              <a:rPr lang="sv-SE" altLang="zh-CN" dirty="0"/>
-              <a:t> (cell == </a:t>
-            </a:r>
-            <a:r>
-              <a:rPr lang="sv-SE" altLang="zh-CN" dirty="0" err="1"/>
-              <a:t>nil</a:t>
-            </a:r>
-            <a:r>
-              <a:rPr lang="sv-SE" altLang="zh-CN" dirty="0"/>
-              <a:t>) {</a:t>
-            </a:r>
-          </a:p>
-          <a:p>
-            <a:pPr lvl="2">
-              <a:lnSpc>
-                <a:spcPct val="130000"/>
-              </a:lnSpc>
-            </a:pPr>
-            <a:r>
-              <a:rPr lang="sv-SE" altLang="zh-CN" dirty="0"/>
-              <a:t>cell = [[[</a:t>
-            </a:r>
-            <a:r>
-              <a:rPr lang="sv-SE" altLang="zh-CN" dirty="0" err="1"/>
-              <a:t>UITableViewCell</a:t>
-            </a:r>
-            <a:r>
-              <a:rPr lang="sv-SE" altLang="zh-CN" dirty="0"/>
-              <a:t> </a:t>
-            </a:r>
-            <a:r>
-              <a:rPr lang="sv-SE" altLang="zh-CN" dirty="0" err="1"/>
-              <a:t>alloc</a:t>
-            </a:r>
-            <a:r>
-              <a:rPr lang="sv-SE" altLang="zh-CN" dirty="0"/>
-              <a:t>] </a:t>
-            </a:r>
-            <a:r>
-              <a:rPr lang="sv-SE" altLang="zh-CN" dirty="0" err="1"/>
-              <a:t>initWithStyle:UITableViewCellStyleDefault</a:t>
-            </a:r>
-            <a:endParaRPr lang="sv-SE" altLang="zh-CN" dirty="0"/>
-          </a:p>
-          <a:p>
-            <a:pPr lvl="2">
-              <a:lnSpc>
-                <a:spcPct val="130000"/>
-              </a:lnSpc>
-            </a:pPr>
-            <a:r>
-              <a:rPr lang="sv-SE" altLang="zh-CN" dirty="0" err="1"/>
-              <a:t>reuseIdentifier:CellIdentifier</a:t>
-            </a:r>
-            <a:r>
-              <a:rPr lang="sv-SE" altLang="zh-CN" dirty="0"/>
-              <a:t>] autorelease];</a:t>
-            </a:r>
-          </a:p>
-          <a:p>
-            <a:pPr lvl="1">
-              <a:lnSpc>
-                <a:spcPct val="130000"/>
-              </a:lnSpc>
-            </a:pPr>
-            <a:r>
-              <a:rPr lang="sv-SE" altLang="zh-CN" dirty="0"/>
-              <a:t>}</a:t>
-            </a:r>
-          </a:p>
-          <a:p>
-            <a:pPr lvl="1">
-              <a:lnSpc>
-                <a:spcPct val="130000"/>
-              </a:lnSpc>
-            </a:pPr>
-            <a:r>
-              <a:rPr lang="sv-SE" altLang="zh-CN" dirty="0" err="1"/>
-              <a:t>cell.textLabel.text</a:t>
-            </a:r>
-            <a:r>
-              <a:rPr lang="sv-SE" altLang="zh-CN" dirty="0"/>
-              <a:t>=[city </a:t>
-            </a:r>
-            <a:r>
-              <a:rPr lang="sv-SE" altLang="zh-CN" dirty="0" err="1"/>
-              <a:t>objectAtIndex:indexPath.row</a:t>
-            </a:r>
-            <a:r>
-              <a:rPr lang="sv-SE" altLang="zh-CN" dirty="0"/>
-              <a:t>];</a:t>
-            </a:r>
-          </a:p>
-          <a:p>
-            <a:pPr lvl="1">
-              <a:lnSpc>
-                <a:spcPct val="130000"/>
-              </a:lnSpc>
-            </a:pPr>
-            <a:r>
-              <a:rPr lang="sv-SE" altLang="zh-CN" dirty="0" err="1"/>
-              <a:t>cell.detailTextLabel.text</a:t>
-            </a:r>
-            <a:r>
-              <a:rPr lang="sv-SE" altLang="zh-CN" dirty="0"/>
-              <a:t>=@"</a:t>
-            </a:r>
-            <a:r>
-              <a:rPr lang="zh-CN" altLang="sv-SE" dirty="0"/>
-              <a:t>详细信息</a:t>
-            </a:r>
-            <a:r>
-              <a:rPr lang="sv-SE" altLang="zh-CN" dirty="0"/>
-              <a:t>";</a:t>
-            </a:r>
-          </a:p>
-          <a:p>
-            <a:pPr lvl="1">
-              <a:lnSpc>
-                <a:spcPct val="130000"/>
-              </a:lnSpc>
-            </a:pPr>
-            <a:r>
-              <a:rPr lang="sv-SE" altLang="zh-CN" dirty="0" err="1"/>
-              <a:t>return</a:t>
-            </a:r>
-            <a:r>
-              <a:rPr lang="sv-SE" altLang="zh-CN" dirty="0"/>
-              <a:t> cell;</a:t>
-            </a:r>
-          </a:p>
-          <a:p>
-            <a:pPr>
-              <a:lnSpc>
-                <a:spcPct val="130000"/>
-              </a:lnSpc>
-            </a:pPr>
-            <a:r>
-              <a:rPr lang="sv-SE" altLang="zh-CN" dirty="0"/>
-              <a:t>}</a:t>
-            </a:r>
-            <a:endParaRPr kumimoji="1" lang="zh-CN" altLang="en-US" dirty="0"/>
+              <a:rPr kumimoji="1" lang="en-US" altLang="zh-CN" sz="2400" dirty="0" err="1" smtClean="0"/>
+              <a:t>registerNib:forSupplementaryViewOfKind:withReuseIdentifier</a:t>
+            </a:r>
+            <a:r>
+              <a:rPr kumimoji="1" lang="en-US" altLang="zh-CN" sz="2400" dirty="0"/>
+              <a:t>:</a:t>
+            </a:r>
+            <a:endParaRPr kumimoji="1" lang="zh-CN" altLang="en-US" sz="2400" dirty="0"/>
           </a:p>
         </p:txBody>
       </p:sp>
     </p:spTree>
     <p:extLst>
       <p:ext uri="{BB962C8B-B14F-4D97-AF65-F5344CB8AC3E}">
-        <p14:creationId xmlns:p14="http://schemas.microsoft.com/office/powerpoint/2010/main" val="209642116"/>
+        <p14:creationId xmlns:p14="http://schemas.microsoft.com/office/powerpoint/2010/main" val="2086249420"/>
       </p:ext>
     </p:extLst>
   </p:cSld>
@@ -9091,14 +8832,19 @@
         </p:nvSpPr>
         <p:spPr/>
         <p:txBody>
-          <a:bodyPr/>
+          <a:bodyPr anchor="ctr"/>
           <a:lstStyle/>
           <a:p>
-            <a:r>
-              <a:rPr lang="zh-CN" altLang="en-US" b="0" dirty="0"/>
-              <a:t>导航控制器</a:t>
-            </a:r>
-            <a:endParaRPr kumimoji="1" lang="zh-CN" altLang="en-US" dirty="0"/>
+            <a:pPr marL="342900" indent="-342900">
+              <a:lnSpc>
+                <a:spcPct val="150000"/>
+              </a:lnSpc>
+            </a:pPr>
+            <a:r>
+              <a:rPr lang="zh-CN" altLang="en-US" dirty="0"/>
+              <a:t>集合视图控制器</a:t>
+            </a:r>
+            <a:endParaRPr lang="zh-CN" altLang="en-US" dirty="0"/>
           </a:p>
         </p:txBody>
       </p:sp>
@@ -9126,34 +8872,295 @@
           </a:p>
         </p:txBody>
       </p:sp>
-      <p:pic>
-        <p:nvPicPr>
-          <p:cNvPr id="5" name="图片 4"/>
-          <p:cNvPicPr>
-            <a:picLocks noChangeAspect="1"/>
-          </p:cNvPicPr>
+      <p:sp>
+        <p:nvSpPr>
+          <p:cNvPr id="10" name="文本框 9"/>
+          <p:cNvSpPr txBox="1"/>
           <p:nvPr/>
-        </p:nvPicPr>
-        <p:blipFill>
-          <a:blip r:embed="rId2"/>
-          <a:stretch>
-            <a:fillRect/>
-          </a:stretch>
-        </p:blipFill>
+        </p:nvSpPr>
         <p:spPr>
           <a:xfrm>
-            <a:off x="971600" y="1268760"/>
-            <a:ext cx="7344816" cy="5465237"/>
+            <a:off x="107504" y="1196752"/>
+            <a:ext cx="8856984" cy="5503046"/>
           </a:xfrm>
           <a:prstGeom prst="rect">
             <a:avLst/>
           </a:prstGeom>
+          <a:noFill/>
         </p:spPr>
-      </p:pic>
+        <p:txBody>
+          <a:bodyPr wrap="square" rtlCol="0">
+            <a:spAutoFit/>
+          </a:bodyPr>
+          <a:lstStyle/>
+          <a:p>
+            <a:pPr marL="342900" indent="-342900">
+              <a:lnSpc>
+                <a:spcPct val="140000"/>
+              </a:lnSpc>
+              <a:buClr>
+                <a:srgbClr val="00FFFF"/>
+              </a:buClr>
+              <a:buFont typeface="Wingdings" charset="2"/>
+              <a:buChar char="Ø"/>
+            </a:pPr>
+            <a:r>
+              <a:rPr kumimoji="1" lang="zh-TW" altLang="en-US" dirty="0"/>
+              <a:t>￼</a:t>
+            </a:r>
+            <a:r>
+              <a:rPr kumimoji="1" lang="en-US" altLang="zh-TW" dirty="0" err="1"/>
+              <a:t>UICollectionViewLayout</a:t>
+            </a:r>
+            <a:endParaRPr kumimoji="1" lang="en-US" altLang="zh-TW" dirty="0"/>
+          </a:p>
+          <a:p>
+            <a:pPr marL="342900" indent="-342900">
+              <a:lnSpc>
+                <a:spcPct val="140000"/>
+              </a:lnSpc>
+              <a:buClr>
+                <a:srgbClr val="00FFFF"/>
+              </a:buClr>
+              <a:buFont typeface="Wingdings" charset="2"/>
+              <a:buChar char="Ø"/>
+            </a:pPr>
+            <a:endParaRPr kumimoji="1" lang="en-US" altLang="zh-TW" dirty="0"/>
+          </a:p>
+          <a:p>
+            <a:pPr marL="342900" indent="-342900">
+              <a:lnSpc>
+                <a:spcPct val="140000"/>
+              </a:lnSpc>
+              <a:buClr>
+                <a:srgbClr val="00FFFF"/>
+              </a:buClr>
+              <a:buFont typeface="Wingdings" charset="2"/>
+              <a:buChar char="Ø"/>
+            </a:pPr>
+            <a:r>
+              <a:rPr kumimoji="1" lang="en-US" altLang="zh-TW" dirty="0" err="1" smtClean="0"/>
+              <a:t>UICollectionView</a:t>
+            </a:r>
+            <a:r>
+              <a:rPr kumimoji="1" lang="zh-TW" altLang="en-US" dirty="0" smtClean="0"/>
+              <a:t>的精髓</a:t>
+            </a:r>
+            <a:r>
+              <a:rPr kumimoji="1" lang="en-US" altLang="zh-CN" dirty="0" smtClean="0"/>
+              <a:t>,</a:t>
+            </a:r>
+            <a:r>
+              <a:rPr kumimoji="1" lang="zh-TW" altLang="en-US" dirty="0" smtClean="0"/>
+              <a:t>这也</a:t>
+            </a:r>
+            <a:r>
+              <a:rPr kumimoji="1" lang="zh-TW" altLang="en-US" dirty="0"/>
+              <a:t>是</a:t>
+            </a:r>
+            <a:r>
+              <a:rPr kumimoji="1" lang="en-US" altLang="zh-TW" dirty="0" err="1"/>
+              <a:t>UICollectionView</a:t>
+            </a:r>
+            <a:r>
+              <a:rPr kumimoji="1" lang="zh-TW" altLang="en-US" dirty="0"/>
+              <a:t>和</a:t>
+            </a:r>
+            <a:r>
+              <a:rPr kumimoji="1" lang="en-US" altLang="zh-TW" dirty="0" err="1"/>
+              <a:t>UITableView</a:t>
+            </a:r>
+            <a:r>
+              <a:rPr kumimoji="1" lang="zh-TW" altLang="en-US" dirty="0"/>
+              <a:t>最大的不同。</a:t>
+            </a:r>
+            <a:r>
+              <a:rPr kumimoji="1" lang="en-US" altLang="zh-TW" dirty="0" err="1"/>
+              <a:t>UICollectionViewLayout</a:t>
+            </a:r>
+            <a:r>
+              <a:rPr kumimoji="1" lang="zh-TW" altLang="en-US" dirty="0"/>
+              <a:t>可以说是</a:t>
+            </a:r>
+            <a:r>
+              <a:rPr kumimoji="1" lang="en-US" altLang="zh-TW" dirty="0" err="1"/>
+              <a:t>UICollectionView</a:t>
+            </a:r>
+            <a:r>
+              <a:rPr kumimoji="1" lang="zh-TW" altLang="en-US" dirty="0"/>
+              <a:t>的大脑和中枢，它负责了将各个</a:t>
+            </a:r>
+            <a:r>
+              <a:rPr kumimoji="1" lang="en-US" altLang="zh-TW" dirty="0"/>
+              <a:t>cell</a:t>
+            </a:r>
+            <a:r>
+              <a:rPr kumimoji="1" lang="zh-TW" altLang="en-US" dirty="0"/>
+              <a:t>、</a:t>
+            </a:r>
+            <a:r>
+              <a:rPr kumimoji="1" lang="en-US" altLang="zh-TW" dirty="0"/>
+              <a:t>Supplementary View</a:t>
+            </a:r>
+            <a:r>
+              <a:rPr kumimoji="1" lang="zh-TW" altLang="en-US" dirty="0"/>
+              <a:t>和</a:t>
+            </a:r>
+            <a:r>
+              <a:rPr kumimoji="1" lang="en-US" altLang="zh-TW" dirty="0"/>
+              <a:t>Decoration Views</a:t>
+            </a:r>
+            <a:r>
+              <a:rPr kumimoji="1" lang="zh-TW" altLang="en-US" dirty="0"/>
+              <a:t>进行组织，为它们设定各自的属性，包括但不限于</a:t>
+            </a:r>
+            <a:r>
+              <a:rPr kumimoji="1" lang="zh-TW" altLang="en-US" dirty="0" smtClean="0"/>
+              <a:t>：</a:t>
+            </a:r>
+            <a:endParaRPr kumimoji="1" lang="zh-TW" altLang="en-US" dirty="0"/>
+          </a:p>
+          <a:p>
+            <a:pPr marL="800100" lvl="1" indent="-342900">
+              <a:lnSpc>
+                <a:spcPct val="140000"/>
+              </a:lnSpc>
+              <a:buClr>
+                <a:srgbClr val="00FFFF"/>
+              </a:buClr>
+              <a:buFont typeface="Wingdings" charset="2"/>
+              <a:buChar char="Ø"/>
+            </a:pPr>
+            <a:r>
+              <a:rPr kumimoji="1" lang="zh-TW" altLang="en-US" dirty="0"/>
+              <a:t>位置</a:t>
+            </a:r>
+          </a:p>
+          <a:p>
+            <a:pPr marL="800100" lvl="1" indent="-342900">
+              <a:lnSpc>
+                <a:spcPct val="140000"/>
+              </a:lnSpc>
+              <a:buClr>
+                <a:srgbClr val="00FFFF"/>
+              </a:buClr>
+              <a:buFont typeface="Wingdings" charset="2"/>
+              <a:buChar char="Ø"/>
+            </a:pPr>
+            <a:r>
+              <a:rPr kumimoji="1" lang="zh-TW" altLang="en-US" dirty="0"/>
+              <a:t>尺寸</a:t>
+            </a:r>
+          </a:p>
+          <a:p>
+            <a:pPr marL="800100" lvl="1" indent="-342900">
+              <a:lnSpc>
+                <a:spcPct val="140000"/>
+              </a:lnSpc>
+              <a:buClr>
+                <a:srgbClr val="00FFFF"/>
+              </a:buClr>
+              <a:buFont typeface="Wingdings" charset="2"/>
+              <a:buChar char="Ø"/>
+            </a:pPr>
+            <a:r>
+              <a:rPr kumimoji="1" lang="zh-TW" altLang="en-US" dirty="0"/>
+              <a:t>透明度</a:t>
+            </a:r>
+          </a:p>
+          <a:p>
+            <a:pPr marL="800100" lvl="1" indent="-342900">
+              <a:lnSpc>
+                <a:spcPct val="140000"/>
+              </a:lnSpc>
+              <a:buClr>
+                <a:srgbClr val="00FFFF"/>
+              </a:buClr>
+              <a:buFont typeface="Wingdings" charset="2"/>
+              <a:buChar char="Ø"/>
+            </a:pPr>
+            <a:r>
+              <a:rPr kumimoji="1" lang="zh-TW" altLang="en-US" dirty="0"/>
+              <a:t>层级关系</a:t>
+            </a:r>
+          </a:p>
+          <a:p>
+            <a:pPr marL="800100" lvl="1" indent="-342900">
+              <a:lnSpc>
+                <a:spcPct val="140000"/>
+              </a:lnSpc>
+              <a:buClr>
+                <a:srgbClr val="00FFFF"/>
+              </a:buClr>
+              <a:buFont typeface="Wingdings" charset="2"/>
+              <a:buChar char="Ø"/>
+            </a:pPr>
+            <a:r>
+              <a:rPr kumimoji="1" lang="zh-TW" altLang="en-US" dirty="0"/>
+              <a:t>形状</a:t>
+            </a:r>
+          </a:p>
+          <a:p>
+            <a:pPr>
+              <a:lnSpc>
+                <a:spcPct val="140000"/>
+              </a:lnSpc>
+              <a:buClr>
+                <a:srgbClr val="00FFFF"/>
+              </a:buClr>
+            </a:pPr>
+            <a:r>
+              <a:rPr kumimoji="1" lang="en-US" altLang="zh-TW" dirty="0" smtClean="0"/>
+              <a:t>Layout</a:t>
+            </a:r>
+            <a:r>
+              <a:rPr kumimoji="1" lang="zh-TW" altLang="en-US" dirty="0"/>
+              <a:t>决定了</a:t>
+            </a:r>
+            <a:r>
+              <a:rPr kumimoji="1" lang="en-US" altLang="zh-TW" dirty="0" err="1"/>
+              <a:t>UICollectionView</a:t>
+            </a:r>
+            <a:r>
+              <a:rPr kumimoji="1" lang="zh-TW" altLang="en-US" dirty="0"/>
+              <a:t>是如何显示在界面上的。在展示之前，一般需要生成合适的</a:t>
+            </a:r>
+            <a:r>
+              <a:rPr kumimoji="1" lang="en-US" altLang="zh-TW" dirty="0" err="1"/>
+              <a:t>UICollectionViewLayout</a:t>
+            </a:r>
+            <a:r>
+              <a:rPr kumimoji="1" lang="zh-TW" altLang="en-US" dirty="0"/>
+              <a:t>子类对象，并将其赋予</a:t>
+            </a:r>
+            <a:r>
+              <a:rPr kumimoji="1" lang="en-US" altLang="zh-TW" dirty="0" err="1" smtClean="0"/>
+              <a:t>CollectionView</a:t>
+            </a:r>
+            <a:r>
+              <a:rPr kumimoji="1" lang="zh-TW" altLang="en-US" dirty="0" smtClean="0"/>
+              <a:t>的</a:t>
+            </a:r>
+            <a:r>
+              <a:rPr kumimoji="1" lang="en-US" altLang="zh-TW" dirty="0" err="1" smtClean="0"/>
+              <a:t>collectionViewLayout</a:t>
+            </a:r>
+            <a:r>
+              <a:rPr kumimoji="1" lang="zh-TW" altLang="en-US" dirty="0"/>
+              <a:t>属性</a:t>
+            </a:r>
+            <a:r>
+              <a:rPr kumimoji="1" lang="zh-TW" altLang="en-US" dirty="0" smtClean="0"/>
+              <a:t>。</a:t>
+            </a:r>
+            <a:endParaRPr kumimoji="1" lang="zh-CN" altLang="en-US" dirty="0"/>
+          </a:p>
+        </p:txBody>
+      </p:sp>
     </p:spTree>
     <p:extLst>
       <p:ext uri="{BB962C8B-B14F-4D97-AF65-F5344CB8AC3E}">
-        <p14:creationId xmlns:p14="http://schemas.microsoft.com/office/powerpoint/2010/main" val="895125341"/>
+        <p14:creationId xmlns:p14="http://schemas.microsoft.com/office/powerpoint/2010/main" val="3778111365"/>
       </p:ext>
     </p:extLst>
   </p:cSld>
@@ -9199,18 +9206,19 @@
         </p:nvSpPr>
         <p:spPr/>
         <p:txBody>
-          <a:bodyPr/>
+          <a:bodyPr anchor="ctr"/>
           <a:lstStyle/>
           <a:p>
-            <a:r>
-              <a:rPr lang="en-US" altLang="zh-CHT" b="0" dirty="0" err="1"/>
-              <a:t>NavigationController</a:t>
-            </a:r>
-            <a:r>
-              <a:rPr lang="zh-CHT" altLang="en-US" b="0" dirty="0"/>
-              <a:t>案例之一</a:t>
-            </a:r>
-            <a:endParaRPr kumimoji="1" lang="zh-CN" altLang="en-US" dirty="0"/>
+            <a:pPr marL="342900" indent="-342900">
+              <a:lnSpc>
+                <a:spcPct val="150000"/>
+              </a:lnSpc>
+            </a:pPr>
+            <a:r>
+              <a:rPr lang="zh-CN" altLang="en-US" dirty="0"/>
+              <a:t>集合视图控制器</a:t>
+            </a:r>
+            <a:endParaRPr lang="zh-CN" altLang="en-US" dirty="0"/>
           </a:p>
         </p:txBody>
       </p:sp>
@@ -9240,14 +9248,14 @@
       </p:sp>
       <p:sp>
         <p:nvSpPr>
-          <p:cNvPr id="5" name="文本框 4"/>
+          <p:cNvPr id="10" name="文本框 9"/>
           <p:cNvSpPr txBox="1"/>
           <p:nvPr/>
         </p:nvSpPr>
         <p:spPr>
           <a:xfrm>
-            <a:off x="179512" y="1484784"/>
-            <a:ext cx="8568952" cy="3939539"/>
+            <a:off x="107504" y="1196752"/>
+            <a:ext cx="8856984" cy="1625060"/>
           </a:xfrm>
           <a:prstGeom prst="rect">
             <a:avLst/>
@@ -9262,7 +9270,7 @@
           <a:p>
             <a:pPr marL="342900" indent="-342900">
               <a:lnSpc>
-                <a:spcPct val="150000"/>
+                <a:spcPct val="140000"/>
               </a:lnSpc>
               <a:buClr>
                 <a:srgbClr val="00FFFF"/>
@@ -9271,23 +9279,98 @@
               <a:buChar char="Ø"/>
             </a:pPr>
             <a:r>
-              <a:rPr lang="zh-CN" altLang="en-US" sz="2400" dirty="0" smtClean="0"/>
-              <a:t>新建</a:t>
-            </a:r>
-            <a:r>
-              <a:rPr lang="en-US" altLang="zh-CN" sz="2400" dirty="0"/>
-              <a:t>Window-based Application</a:t>
-            </a:r>
-            <a:r>
-              <a:rPr lang="zh-CN" altLang="en-US" sz="2400" dirty="0"/>
-              <a:t>项目</a:t>
-            </a:r>
-          </a:p>
-          <a:p>
-            <a:pPr marL="342900" indent="-342900">
+              <a:rPr kumimoji="1" lang="zh-CN" altLang="en-US" dirty="0"/>
+              <a:t>几个自定义的</a:t>
+            </a:r>
+            <a:r>
+              <a:rPr kumimoji="1" lang="en-US" altLang="zh-CN" dirty="0"/>
+              <a:t>Layout</a:t>
+            </a:r>
+          </a:p>
+          <a:p>
+            <a:pPr lvl="1">
               <a:lnSpc>
-                <a:spcPct val="150000"/>
+                <a:spcPct val="140000"/>
               </a:lnSpc>
+              <a:buClr>
+                <a:srgbClr val="00FFFF"/>
+              </a:buClr>
+            </a:pPr>
+            <a:r>
+              <a:rPr kumimoji="1" lang="zh-CN" altLang="en-US" dirty="0" smtClean="0"/>
+              <a:t>但</a:t>
+            </a:r>
+            <a:r>
+              <a:rPr kumimoji="1" lang="zh-CN" altLang="en-US" dirty="0"/>
+              <a:t>是光是</a:t>
+            </a:r>
+            <a:r>
+              <a:rPr kumimoji="1" lang="en-US" altLang="zh-CN" dirty="0" err="1"/>
+              <a:t>UICollectionViewFlowLayout</a:t>
+            </a:r>
+            <a:r>
+              <a:rPr kumimoji="1" lang="zh-CN" altLang="en-US" dirty="0"/>
+              <a:t>的话，显然是不够用的，而且如果单单是这样的话，就和现有的开源各类</a:t>
+            </a:r>
+            <a:r>
+              <a:rPr kumimoji="1" lang="en-US" altLang="zh-CN" dirty="0"/>
+              <a:t>Grid View</a:t>
+            </a:r>
+            <a:r>
+              <a:rPr kumimoji="1" lang="zh-CN" altLang="en-US" dirty="0" smtClean="0"/>
+              <a:t>没有区别</a:t>
+            </a:r>
+            <a:r>
+              <a:rPr kumimoji="1" lang="zh-CN" altLang="en-US" dirty="0" smtClean="0"/>
+              <a:t>了，</a:t>
+            </a:r>
+            <a:r>
+              <a:rPr kumimoji="1" lang="en-US" altLang="zh-CN" dirty="0" err="1" smtClean="0"/>
+              <a:t>UICollectionView</a:t>
+            </a:r>
+            <a:r>
+              <a:rPr kumimoji="1" lang="zh-CN" altLang="en-US" dirty="0"/>
+              <a:t>的强大之处，就在于各种</a:t>
+            </a:r>
+            <a:r>
+              <a:rPr kumimoji="1" lang="en-US" altLang="zh-CN" dirty="0"/>
+              <a:t>layout</a:t>
+            </a:r>
+            <a:r>
+              <a:rPr kumimoji="1" lang="zh-CN" altLang="en-US" dirty="0"/>
+              <a:t>的自定义实现，以及它们之间的切换</a:t>
+            </a:r>
+            <a:r>
+              <a:rPr kumimoji="1" lang="zh-CN" altLang="en-US" dirty="0" smtClean="0"/>
+              <a:t>。</a:t>
+            </a:r>
+            <a:endParaRPr kumimoji="1" lang="zh-CN" altLang="en-US" dirty="0"/>
+          </a:p>
+        </p:txBody>
+      </p:sp>
+      <p:sp>
+        <p:nvSpPr>
+          <p:cNvPr id="4" name="文本框 3"/>
+          <p:cNvSpPr txBox="1"/>
+          <p:nvPr/>
+        </p:nvSpPr>
+        <p:spPr>
+          <a:xfrm>
+            <a:off x="323528" y="2924944"/>
+            <a:ext cx="5832648" cy="369332"/>
+          </a:xfrm>
+          <a:prstGeom prst="rect">
+            <a:avLst/>
+          </a:prstGeom>
+          <a:noFill/>
+        </p:spPr>
+        <p:txBody>
+          <a:bodyPr wrap="square" rtlCol="0">
+            <a:spAutoFit/>
+          </a:bodyPr>
+          <a:lstStyle/>
+          <a:p>
+            <a:pPr marL="285750" indent="-285750">
               <a:buClr>
                 <a:srgbClr val="00FFFF"/>
               </a:buClr>
@@ -9295,193 +9378,40 @@
               <a:buChar char="Ø"/>
             </a:pPr>
             <a:r>
-              <a:rPr lang="pl-PL" altLang="zh-CN" sz="2400" dirty="0" smtClean="0"/>
-              <a:t>File</a:t>
-            </a:r>
-            <a:r>
-              <a:rPr lang="pl-PL" altLang="zh-CN" sz="2400" dirty="0"/>
-              <a:t>-&gt;New File-&gt;</a:t>
-            </a:r>
-            <a:r>
-              <a:rPr lang="pl-PL" altLang="zh-CN" sz="2400" dirty="0" err="1"/>
-              <a:t>UIViewController</a:t>
-            </a:r>
-            <a:r>
-              <a:rPr lang="pl-PL" altLang="zh-CN" sz="2400" dirty="0"/>
-              <a:t> </a:t>
-            </a:r>
-            <a:r>
-              <a:rPr lang="pl-PL" altLang="zh-CN" sz="2400" dirty="0" err="1"/>
-              <a:t>subclass</a:t>
-            </a:r>
-            <a:endParaRPr lang="pl-PL" altLang="zh-CN" sz="2400" dirty="0"/>
-          </a:p>
-          <a:p>
-            <a:pPr marL="800100" lvl="1" indent="-342900">
-              <a:lnSpc>
-                <a:spcPct val="150000"/>
-              </a:lnSpc>
-              <a:buClr>
-                <a:srgbClr val="00FFFF"/>
-              </a:buClr>
-              <a:buFont typeface="Wingdings" charset="2"/>
-              <a:buChar char="Ø"/>
-            </a:pPr>
-            <a:r>
-              <a:rPr lang="pl-PL" altLang="zh-CN" sz="2400" dirty="0" err="1" smtClean="0"/>
-              <a:t>CityViewController.h</a:t>
-            </a:r>
-            <a:r>
-              <a:rPr lang="pl-PL" altLang="zh-CN" sz="2400" dirty="0" smtClean="0"/>
-              <a:t> </a:t>
-            </a:r>
-            <a:r>
-              <a:rPr lang="pl-PL" altLang="zh-CN" sz="2400" dirty="0"/>
-              <a:t>.m .</a:t>
-            </a:r>
-            <a:r>
-              <a:rPr lang="pl-PL" altLang="zh-CN" sz="2400" dirty="0" err="1"/>
-              <a:t>xib</a:t>
-            </a:r>
-            <a:endParaRPr lang="pl-PL" altLang="zh-CN" sz="2400" dirty="0"/>
-          </a:p>
-          <a:p>
-            <a:pPr marL="800100" lvl="1" indent="-342900">
-              <a:lnSpc>
-                <a:spcPct val="150000"/>
-              </a:lnSpc>
-              <a:buClr>
-                <a:srgbClr val="00FFFF"/>
-              </a:buClr>
-              <a:buFont typeface="Wingdings" charset="2"/>
-              <a:buChar char="Ø"/>
-            </a:pPr>
-            <a:r>
-              <a:rPr lang="pl-PL" altLang="zh-CN" sz="2400" dirty="0" err="1" smtClean="0"/>
-              <a:t>CityDetailViewController.h</a:t>
-            </a:r>
-            <a:r>
-              <a:rPr lang="pl-PL" altLang="zh-CN" sz="2400" dirty="0" smtClean="0"/>
-              <a:t> </a:t>
-            </a:r>
-            <a:r>
-              <a:rPr lang="pl-PL" altLang="zh-CN" sz="2400" dirty="0"/>
-              <a:t>.m .</a:t>
-            </a:r>
-            <a:r>
-              <a:rPr lang="pl-PL" altLang="zh-CN" sz="2400" dirty="0" err="1"/>
-              <a:t>xib</a:t>
-            </a:r>
-            <a:endParaRPr lang="pl-PL" altLang="zh-CN" sz="2400" dirty="0"/>
-          </a:p>
-          <a:p>
-            <a:pPr marL="342900" indent="-342900">
-              <a:lnSpc>
-                <a:spcPct val="150000"/>
-              </a:lnSpc>
-              <a:buClr>
-                <a:srgbClr val="00FFFF"/>
-              </a:buClr>
-              <a:buFont typeface="Wingdings" charset="2"/>
-              <a:buChar char="Ø"/>
-            </a:pPr>
-            <a:r>
-              <a:rPr lang="zh-CN" altLang="pl-PL" sz="2400" dirty="0" smtClean="0"/>
-              <a:t>打开</a:t>
-            </a:r>
-            <a:r>
-              <a:rPr lang="pl-PL" altLang="zh-CN" sz="2400" dirty="0" err="1"/>
-              <a:t>CityViewController.xib</a:t>
-            </a:r>
-            <a:r>
-              <a:rPr lang="zh-CN" altLang="pl-PL" sz="2400" dirty="0"/>
-              <a:t>文件，</a:t>
-            </a:r>
-            <a:r>
-              <a:rPr lang="zh-CN" altLang="pl-PL" sz="2400" dirty="0" smtClean="0"/>
-              <a:t>添加</a:t>
-            </a:r>
-            <a:r>
-              <a:rPr lang="pl-PL" altLang="zh-CN" sz="2400" dirty="0" smtClean="0"/>
-              <a:t>“</a:t>
-            </a:r>
-            <a:r>
-              <a:rPr lang="zh-CN" altLang="pl-PL" sz="2400" dirty="0" smtClean="0"/>
-              <a:t>深圳</a:t>
-            </a:r>
-            <a:r>
-              <a:rPr lang="pl-PL" altLang="zh-CN" sz="2400" dirty="0" smtClean="0"/>
-              <a:t>”</a:t>
-            </a:r>
-            <a:r>
-              <a:rPr lang="zh-CN" altLang="pl-PL" sz="2400" dirty="0" smtClean="0"/>
-              <a:t>按钮</a:t>
-            </a:r>
-            <a:endParaRPr lang="zh-CN" altLang="pl-PL" sz="2400" dirty="0"/>
-          </a:p>
-          <a:p>
-            <a:pPr marL="342900" indent="-342900">
-              <a:lnSpc>
-                <a:spcPct val="150000"/>
-              </a:lnSpc>
-              <a:buClr>
-                <a:srgbClr val="00FFFF"/>
-              </a:buClr>
-              <a:buFont typeface="Wingdings" charset="2"/>
-              <a:buChar char="Ø"/>
-            </a:pPr>
-            <a:r>
-              <a:rPr lang="zh-CN" altLang="en-US" sz="2400" dirty="0" smtClean="0"/>
-              <a:t>添加</a:t>
-            </a:r>
-            <a:r>
-              <a:rPr lang="zh-CN" altLang="en-US" sz="2400" dirty="0"/>
-              <a:t>方法</a:t>
-            </a:r>
-            <a:r>
-              <a:rPr lang="en-US" altLang="zh-CN" sz="2400" dirty="0" err="1"/>
-              <a:t>selectCity</a:t>
-            </a:r>
-            <a:r>
-              <a:rPr lang="en-US" altLang="zh-CN" sz="2400" dirty="0"/>
-              <a:t>,</a:t>
-            </a:r>
-            <a:r>
-              <a:rPr lang="zh-CN" altLang="en-US" sz="2400" dirty="0"/>
-              <a:t>简历按钮与方法的连接</a:t>
-            </a:r>
-          </a:p>
-          <a:p>
-            <a:pPr marL="342900" indent="-342900">
-              <a:lnSpc>
-                <a:spcPct val="150000"/>
-              </a:lnSpc>
-              <a:buClr>
-                <a:srgbClr val="00FFFF"/>
-              </a:buClr>
-              <a:buFont typeface="Wingdings" charset="2"/>
-              <a:buChar char="Ø"/>
-            </a:pPr>
-            <a:r>
-              <a:rPr lang="zh-TW" altLang="en-US" sz="2400" dirty="0" smtClean="0"/>
-              <a:t>打开</a:t>
-            </a:r>
-            <a:r>
-              <a:rPr lang="en-US" altLang="zh-TW" sz="2400" dirty="0" err="1"/>
-              <a:t>CityDetailViewController.xib</a:t>
-            </a:r>
-            <a:r>
-              <a:rPr lang="zh-TW" altLang="en-US" sz="2400" dirty="0"/>
-              <a:t>文件，添加标签</a:t>
-            </a:r>
-            <a:endParaRPr kumimoji="1" lang="zh-CN" altLang="en-US" sz="2400" dirty="0"/>
-          </a:p>
-        </p:txBody>
-      </p:sp>
+              <a:rPr kumimoji="1" lang="zh-CN" altLang="en-US" dirty="0"/>
+              <a:t>堆叠布局：</a:t>
+            </a:r>
+          </a:p>
+        </p:txBody>
+      </p:sp>
+      <p:pic>
+        <p:nvPicPr>
+          <p:cNvPr id="5" name="图片 4"/>
+          <p:cNvPicPr>
+            <a:picLocks noChangeAspect="1"/>
+          </p:cNvPicPr>
+          <p:nvPr/>
+        </p:nvPicPr>
+        <p:blipFill>
+          <a:blip r:embed="rId2"/>
+          <a:stretch>
+            <a:fillRect/>
+          </a:stretch>
+        </p:blipFill>
+        <p:spPr>
+          <a:xfrm>
+            <a:off x="611560" y="3645024"/>
+            <a:ext cx="7874000" cy="2146300"/>
+          </a:xfrm>
+          <a:prstGeom prst="rect">
+            <a:avLst/>
+          </a:prstGeom>
+        </p:spPr>
+      </p:pic>
     </p:spTree>
     <p:extLst>
       <p:ext uri="{BB962C8B-B14F-4D97-AF65-F5344CB8AC3E}">
-        <p14:creationId xmlns:p14="http://schemas.microsoft.com/office/powerpoint/2010/main" val="1336078422"/>
+        <p14:creationId xmlns:p14="http://schemas.microsoft.com/office/powerpoint/2010/main" val="1896398148"/>
       </p:ext>
     </p:extLst>
   </p:cSld>
@@ -9527,18 +9457,19 @@
         </p:nvSpPr>
         <p:spPr/>
         <p:txBody>
-          <a:bodyPr/>
+          <a:bodyPr anchor="ctr"/>
           <a:lstStyle/>
           <a:p>
-            <a:r>
-              <a:rPr lang="en-US" altLang="zh-CHT" b="0" dirty="0" err="1"/>
-              <a:t>NavigationController</a:t>
-            </a:r>
-            <a:r>
-              <a:rPr lang="zh-CHT" altLang="en-US" b="0" dirty="0"/>
-              <a:t>案例之二</a:t>
-            </a:r>
-            <a:endParaRPr kumimoji="1" lang="zh-CN" altLang="en-US" dirty="0"/>
+            <a:pPr marL="342900" indent="-342900">
+              <a:lnSpc>
+                <a:spcPct val="150000"/>
+              </a:lnSpc>
+            </a:pPr>
+            <a:r>
+              <a:rPr lang="zh-CN" altLang="en-US" dirty="0"/>
+              <a:t>集合视图控制器</a:t>
+            </a:r>
+            <a:endParaRPr lang="zh-CN" altLang="en-US" dirty="0"/>
           </a:p>
         </p:txBody>
       </p:sp>
@@ -9574,8 +9505,8 @@
         </p:nvSpPr>
         <p:spPr>
           <a:xfrm>
-            <a:off x="107504" y="1162204"/>
-            <a:ext cx="8712968" cy="5673348"/>
+            <a:off x="179512" y="1340768"/>
+            <a:ext cx="5832648" cy="369332"/>
           </a:xfrm>
           <a:prstGeom prst="rect">
             <a:avLst/>
@@ -9588,10 +9519,7 @@
           </a:bodyPr>
           <a:lstStyle/>
           <a:p>
-            <a:pPr marL="342900" indent="-342900">
-              <a:lnSpc>
-                <a:spcPct val="140000"/>
-              </a:lnSpc>
+            <a:pPr marL="285750" indent="-285750">
               <a:buClr>
                 <a:srgbClr val="00FFFF"/>
               </a:buClr>
@@ -9599,296 +9527,59 @@
               <a:buChar char="Ø"/>
             </a:pPr>
             <a:r>
-              <a:rPr lang="fr-FR" altLang="zh-CN" sz="2000" dirty="0" smtClean="0"/>
-              <a:t>- </a:t>
-            </a:r>
-            <a:r>
-              <a:rPr lang="fr-FR" altLang="zh-CN" sz="2000" dirty="0"/>
-              <a:t>(BOOL)application:(</a:t>
-            </a:r>
-            <a:r>
-              <a:rPr lang="fr-FR" altLang="zh-CN" sz="2000" dirty="0" err="1"/>
-              <a:t>UIApplication</a:t>
-            </a:r>
-            <a:r>
-              <a:rPr lang="fr-FR" altLang="zh-CN" sz="2000" dirty="0"/>
-              <a:t> *)application</a:t>
-            </a:r>
-          </a:p>
-          <a:p>
-            <a:pPr>
-              <a:lnSpc>
-                <a:spcPct val="140000"/>
-              </a:lnSpc>
-            </a:pPr>
-            <a:r>
-              <a:rPr lang="fr-FR" altLang="zh-CN" sz="2000" dirty="0" err="1"/>
-              <a:t>didFinishLaunchingWithOptions</a:t>
-            </a:r>
-            <a:r>
-              <a:rPr lang="fr-FR" altLang="zh-CN" sz="2000" dirty="0"/>
-              <a:t>:(</a:t>
-            </a:r>
-            <a:r>
-              <a:rPr lang="fr-FR" altLang="zh-CN" sz="2000" dirty="0" err="1"/>
-              <a:t>NSDictionary</a:t>
-            </a:r>
-            <a:r>
-              <a:rPr lang="fr-FR" altLang="zh-CN" sz="2000" dirty="0"/>
-              <a:t> *)</a:t>
-            </a:r>
-            <a:r>
-              <a:rPr lang="fr-FR" altLang="zh-CN" sz="2000" dirty="0" err="1"/>
-              <a:t>launchOptions</a:t>
-            </a:r>
-            <a:r>
-              <a:rPr lang="fr-FR" altLang="zh-CN" sz="2000" dirty="0"/>
-              <a:t>{</a:t>
-            </a:r>
-          </a:p>
-          <a:p>
-            <a:pPr lvl="1">
-              <a:lnSpc>
-                <a:spcPct val="140000"/>
-              </a:lnSpc>
-            </a:pPr>
-            <a:r>
-              <a:rPr lang="fr-FR" altLang="zh-CN" sz="2000" dirty="0" err="1"/>
-              <a:t>navController</a:t>
-            </a:r>
-            <a:r>
-              <a:rPr lang="fr-FR" altLang="zh-CN" sz="2000" dirty="0"/>
-              <a:t>=[[</a:t>
-            </a:r>
-            <a:r>
-              <a:rPr lang="fr-FR" altLang="zh-CN" sz="2000" dirty="0" err="1"/>
-              <a:t>UINavigationController</a:t>
-            </a:r>
-            <a:r>
-              <a:rPr lang="fr-FR" altLang="zh-CN" sz="2000" dirty="0"/>
-              <a:t> alloc] </a:t>
-            </a:r>
-            <a:r>
-              <a:rPr lang="fr-FR" altLang="zh-CN" sz="2000" dirty="0" err="1"/>
-              <a:t>init</a:t>
-            </a:r>
-            <a:r>
-              <a:rPr lang="fr-FR" altLang="zh-CN" sz="2000" dirty="0"/>
-              <a:t>];</a:t>
-            </a:r>
-          </a:p>
-          <a:p>
-            <a:pPr lvl="1">
-              <a:lnSpc>
-                <a:spcPct val="140000"/>
-              </a:lnSpc>
-            </a:pPr>
-            <a:r>
-              <a:rPr lang="fr-FR" altLang="zh-CN" sz="2000" dirty="0" err="1"/>
-              <a:t>CityViewController</a:t>
-            </a:r>
-            <a:r>
-              <a:rPr lang="fr-FR" altLang="zh-CN" sz="2000" dirty="0"/>
-              <a:t> *</a:t>
-            </a:r>
-            <a:r>
-              <a:rPr lang="fr-FR" altLang="zh-CN" sz="2000" dirty="0" err="1"/>
-              <a:t>cityViewController</a:t>
-            </a:r>
-            <a:r>
-              <a:rPr lang="fr-FR" altLang="zh-CN" sz="2000" dirty="0"/>
-              <a:t>=[[</a:t>
-            </a:r>
-            <a:r>
-              <a:rPr lang="fr-FR" altLang="zh-CN" sz="2000" dirty="0" err="1"/>
-              <a:t>CityViewController</a:t>
-            </a:r>
-            <a:r>
-              <a:rPr lang="fr-FR" altLang="zh-CN" sz="2000" dirty="0"/>
-              <a:t> alloc] </a:t>
-            </a:r>
-            <a:r>
-              <a:rPr lang="fr-FR" altLang="zh-CN" sz="2000" dirty="0" err="1"/>
-              <a:t>init</a:t>
-            </a:r>
-            <a:r>
-              <a:rPr lang="fr-FR" altLang="zh-CN" sz="2000" dirty="0"/>
-              <a:t>];</a:t>
-            </a:r>
-          </a:p>
-          <a:p>
-            <a:pPr lvl="1">
-              <a:lnSpc>
-                <a:spcPct val="140000"/>
-              </a:lnSpc>
-            </a:pPr>
-            <a:r>
-              <a:rPr lang="fr-FR" altLang="zh-CN" sz="2000" dirty="0" err="1"/>
-              <a:t>cityViewController.title</a:t>
-            </a:r>
-            <a:r>
-              <a:rPr lang="fr-FR" altLang="zh-CN" sz="2000" dirty="0"/>
-              <a:t>=@"</a:t>
-            </a:r>
-            <a:r>
-              <a:rPr lang="zh-CN" altLang="fr-FR" sz="2000" dirty="0"/>
-              <a:t>城市介绍</a:t>
-            </a:r>
-            <a:r>
-              <a:rPr lang="fr-FR" altLang="zh-CN" sz="2000" dirty="0"/>
-              <a:t>";</a:t>
-            </a:r>
-          </a:p>
-          <a:p>
-            <a:pPr lvl="1">
-              <a:lnSpc>
-                <a:spcPct val="140000"/>
-              </a:lnSpc>
-            </a:pPr>
-            <a:r>
-              <a:rPr lang="en-US" altLang="zh-CN" sz="2000" dirty="0"/>
-              <a:t>//</a:t>
-            </a:r>
-            <a:r>
-              <a:rPr lang="zh-CN" altLang="en-US" sz="2000" dirty="0"/>
-              <a:t>把视图控制器压入堆栈</a:t>
-            </a:r>
-          </a:p>
-          <a:p>
-            <a:pPr lvl="1">
-              <a:lnSpc>
-                <a:spcPct val="140000"/>
-              </a:lnSpc>
-            </a:pPr>
-            <a:r>
-              <a:rPr lang="en-US" altLang="zh-CN" sz="2000" dirty="0"/>
-              <a:t>[</a:t>
-            </a:r>
-            <a:r>
-              <a:rPr lang="en-US" altLang="zh-CN" sz="2000" dirty="0" err="1"/>
-              <a:t>navController</a:t>
-            </a:r>
-            <a:r>
-              <a:rPr lang="en-US" altLang="zh-CN" sz="2000" dirty="0"/>
-              <a:t> </a:t>
-            </a:r>
-            <a:r>
-              <a:rPr lang="en-US" altLang="zh-CN" sz="2000" dirty="0" err="1"/>
-              <a:t>pushViewController:cityViewController</a:t>
-            </a:r>
-            <a:r>
-              <a:rPr lang="en-US" altLang="zh-CN" sz="2000" dirty="0"/>
-              <a:t> </a:t>
-            </a:r>
-            <a:r>
-              <a:rPr lang="en-US" altLang="zh-CN" sz="2000" dirty="0" err="1"/>
-              <a:t>animated:NO</a:t>
-            </a:r>
-            <a:r>
-              <a:rPr lang="en-US" altLang="zh-CN" sz="2000" dirty="0"/>
-              <a:t>];</a:t>
-            </a:r>
-          </a:p>
-          <a:p>
-            <a:pPr lvl="1">
-              <a:lnSpc>
-                <a:spcPct val="140000"/>
-              </a:lnSpc>
-            </a:pPr>
-            <a:r>
-              <a:rPr lang="en-US" altLang="zh-CN" sz="2000" dirty="0"/>
-              <a:t>[</a:t>
-            </a:r>
-            <a:r>
-              <a:rPr lang="en-US" altLang="zh-CN" sz="2000" dirty="0" err="1"/>
-              <a:t>cityViewController</a:t>
-            </a:r>
-            <a:r>
-              <a:rPr lang="en-US" altLang="zh-CN" sz="2000" dirty="0"/>
-              <a:t> release];</a:t>
-            </a:r>
-          </a:p>
-          <a:p>
-            <a:pPr lvl="1">
-              <a:lnSpc>
-                <a:spcPct val="140000"/>
-              </a:lnSpc>
-            </a:pPr>
-            <a:r>
-              <a:rPr lang="en-US" altLang="zh-CN" sz="2000" dirty="0"/>
-              <a:t>[</a:t>
-            </a:r>
-            <a:r>
-              <a:rPr lang="en-US" altLang="zh-CN" sz="2000" dirty="0" err="1"/>
-              <a:t>self.window</a:t>
-            </a:r>
-            <a:r>
-              <a:rPr lang="en-US" altLang="zh-CN" sz="2000" dirty="0"/>
-              <a:t> </a:t>
-            </a:r>
-            <a:r>
-              <a:rPr lang="en-US" altLang="zh-CN" sz="2000" dirty="0" err="1"/>
-              <a:t>addSubview:navController.view</a:t>
-            </a:r>
-            <a:r>
-              <a:rPr lang="en-US" altLang="zh-CN" sz="2000" dirty="0"/>
-              <a:t>];</a:t>
-            </a:r>
-          </a:p>
-          <a:p>
-            <a:pPr lvl="1">
-              <a:lnSpc>
-                <a:spcPct val="140000"/>
-              </a:lnSpc>
-            </a:pPr>
-            <a:r>
-              <a:rPr lang="en-US" altLang="zh-CN" sz="2000" dirty="0"/>
-              <a:t>[</a:t>
-            </a:r>
-            <a:r>
-              <a:rPr lang="en-US" altLang="zh-CN" sz="2000" dirty="0" err="1"/>
-              <a:t>self.window</a:t>
-            </a:r>
-            <a:r>
-              <a:rPr lang="en-US" altLang="zh-CN" sz="2000" dirty="0"/>
-              <a:t> </a:t>
-            </a:r>
-            <a:r>
-              <a:rPr lang="en-US" altLang="zh-CN" sz="2000" dirty="0" err="1"/>
-              <a:t>makeKeyAndVisible</a:t>
-            </a:r>
-            <a:r>
-              <a:rPr lang="en-US" altLang="zh-CN" sz="2000" dirty="0"/>
-              <a:t>];</a:t>
-            </a:r>
-          </a:p>
-          <a:p>
-            <a:pPr lvl="1">
-              <a:lnSpc>
-                <a:spcPct val="140000"/>
-              </a:lnSpc>
-            </a:pPr>
-            <a:r>
-              <a:rPr lang="en-US" altLang="zh-CN" sz="2000" dirty="0"/>
-              <a:t>return YES;</a:t>
-            </a:r>
-          </a:p>
-          <a:p>
-            <a:pPr>
-              <a:lnSpc>
-                <a:spcPct val="140000"/>
-              </a:lnSpc>
-            </a:pPr>
-            <a:r>
-              <a:rPr lang="en-US" altLang="zh-CN" sz="2000" dirty="0"/>
-              <a:t>}</a:t>
-            </a:r>
-          </a:p>
-          <a:p>
-            <a:pPr marL="342900" indent="-342900">
-              <a:lnSpc>
-                <a:spcPct val="140000"/>
-              </a:lnSpc>
+              <a:rPr kumimoji="1" lang="zh-CN" altLang="en-US" dirty="0"/>
+              <a:t>圆形布局：</a:t>
+            </a:r>
+          </a:p>
+        </p:txBody>
+      </p:sp>
+      <p:pic>
+        <p:nvPicPr>
+          <p:cNvPr id="6" name="图片 5"/>
+          <p:cNvPicPr>
+            <a:picLocks noChangeAspect="1"/>
+          </p:cNvPicPr>
+          <p:nvPr/>
+        </p:nvPicPr>
+        <p:blipFill>
+          <a:blip r:embed="rId2"/>
+          <a:stretch>
+            <a:fillRect/>
+          </a:stretch>
+        </p:blipFill>
+        <p:spPr>
+          <a:xfrm>
+            <a:off x="251520" y="1916833"/>
+            <a:ext cx="2232248" cy="2157840"/>
+          </a:xfrm>
+          <a:prstGeom prst="rect">
+            <a:avLst/>
+          </a:prstGeom>
+        </p:spPr>
+      </p:pic>
+      <p:sp>
+        <p:nvSpPr>
+          <p:cNvPr id="11" name="文本框 10"/>
+          <p:cNvSpPr txBox="1"/>
+          <p:nvPr/>
+        </p:nvSpPr>
+        <p:spPr>
+          <a:xfrm>
+            <a:off x="179512" y="4365104"/>
+            <a:ext cx="5832648" cy="369332"/>
+          </a:xfrm>
+          <a:prstGeom prst="rect">
+            <a:avLst/>
+          </a:prstGeom>
+          <a:noFill/>
+        </p:spPr>
+        <p:txBody>
+          <a:bodyPr wrap="square" rtlCol="0">
+            <a:spAutoFit/>
+          </a:bodyPr>
+          <a:lstStyle/>
+          <a:p>
+            <a:pPr marL="285750" indent="-285750">
               <a:buClr>
                 <a:srgbClr val="00FFFF"/>
               </a:buClr>
@@ -9896,17 +9587,90 @@
               <a:buChar char="Ø"/>
             </a:pPr>
             <a:r>
-              <a:rPr lang="zh-CN" altLang="en-US" sz="2000" dirty="0" smtClean="0"/>
-              <a:t>代码位于委托类中</a:t>
-            </a:r>
-            <a:endParaRPr kumimoji="1" lang="zh-CN" altLang="en-US" sz="2000" dirty="0"/>
+              <a:rPr kumimoji="1" lang="en-US" altLang="zh-CN" dirty="0"/>
+              <a:t>Cover Flow</a:t>
+            </a:r>
+            <a:r>
+              <a:rPr kumimoji="1" lang="zh-CN" altLang="en-US" dirty="0"/>
+              <a:t>布局</a:t>
+            </a:r>
+          </a:p>
+        </p:txBody>
+      </p:sp>
+      <p:pic>
+        <p:nvPicPr>
+          <p:cNvPr id="9" name="图片 8"/>
+          <p:cNvPicPr>
+            <a:picLocks noChangeAspect="1"/>
+          </p:cNvPicPr>
+          <p:nvPr/>
+        </p:nvPicPr>
+        <p:blipFill>
+          <a:blip r:embed="rId3"/>
+          <a:stretch>
+            <a:fillRect/>
+          </a:stretch>
+        </p:blipFill>
+        <p:spPr>
+          <a:xfrm>
+            <a:off x="179512" y="4869160"/>
+            <a:ext cx="5760640" cy="1826740"/>
+          </a:xfrm>
+          <a:prstGeom prst="rect">
+            <a:avLst/>
+          </a:prstGeom>
+        </p:spPr>
+      </p:pic>
+      <p:sp>
+        <p:nvSpPr>
+          <p:cNvPr id="12" name="文本框 11"/>
+          <p:cNvSpPr txBox="1"/>
+          <p:nvPr/>
+        </p:nvSpPr>
+        <p:spPr>
+          <a:xfrm>
+            <a:off x="4932040" y="2276872"/>
+            <a:ext cx="3816424" cy="369332"/>
+          </a:xfrm>
+          <a:prstGeom prst="rect">
+            <a:avLst/>
+          </a:prstGeom>
+          <a:noFill/>
+        </p:spPr>
+        <p:txBody>
+          <a:bodyPr wrap="square" rtlCol="0">
+            <a:spAutoFit/>
+          </a:bodyPr>
+          <a:lstStyle/>
+          <a:p>
+            <a:r>
+              <a:rPr kumimoji="1" lang="zh-CN" altLang="en-US" dirty="0" smtClean="0">
+                <a:solidFill>
+                  <a:srgbClr val="FFFF00"/>
+                </a:solidFill>
+              </a:rPr>
+              <a:t>***参考</a:t>
+            </a:r>
+            <a:r>
+              <a:rPr kumimoji="1" lang="en-US" altLang="zh-CN" dirty="0" err="1" smtClean="0">
+                <a:solidFill>
+                  <a:srgbClr val="FFFF00"/>
+                </a:solidFill>
+              </a:rPr>
+              <a:t>UICollectionViewDeomo</a:t>
+            </a:r>
+            <a:endParaRPr kumimoji="1" lang="zh-CN" altLang="en-US" dirty="0">
+              <a:solidFill>
+                <a:srgbClr val="FFFF00"/>
+              </a:solidFill>
+            </a:endParaRPr>
           </a:p>
         </p:txBody>
       </p:sp>
     </p:spTree>
     <p:extLst>
       <p:ext uri="{BB962C8B-B14F-4D97-AF65-F5344CB8AC3E}">
-        <p14:creationId xmlns:p14="http://schemas.microsoft.com/office/powerpoint/2010/main" val="3021017297"/>
+        <p14:creationId xmlns:p14="http://schemas.microsoft.com/office/powerpoint/2010/main" val="3815501289"/>
       </p:ext>
     </p:extLst>
   </p:cSld>
@@ -9956,12 +9720,8 @@
           <a:lstStyle/>
           <a:p>
             <a:r>
-              <a:rPr lang="en-US" altLang="zh-CHT" b="0" dirty="0" err="1"/>
-              <a:t>NavigationController</a:t>
-            </a:r>
-            <a:r>
-              <a:rPr lang="zh-CHT" altLang="en-US" b="0" dirty="0"/>
-              <a:t>案例之三</a:t>
+              <a:rPr lang="zh-CN" altLang="en-US" b="0" dirty="0"/>
+              <a:t>导航控制器</a:t>
             </a:r>
             <a:endParaRPr kumimoji="1" lang="zh-CN" altLang="en-US" dirty="0"/>
           </a:p>
@@ -9991,273 +9751,99 @@
           </a:p>
         </p:txBody>
       </p:sp>
-      <p:sp>
-        <p:nvSpPr>
-          <p:cNvPr id="4" name="文本框 3"/>
-          <p:cNvSpPr txBox="1"/>
+      <p:pic>
+        <p:nvPicPr>
+          <p:cNvPr id="4" name="图片 3"/>
+          <p:cNvPicPr>
+            <a:picLocks noChangeAspect="1"/>
+          </p:cNvPicPr>
           <p:nvPr/>
-        </p:nvSpPr>
+        </p:nvPicPr>
+        <p:blipFill>
+          <a:blip r:embed="rId2"/>
+          <a:stretch>
+            <a:fillRect/>
+          </a:stretch>
+        </p:blipFill>
         <p:spPr>
           <a:xfrm>
-            <a:off x="107504" y="1024044"/>
-            <a:ext cx="8928992" cy="5835444"/>
+            <a:off x="755576" y="1412776"/>
+            <a:ext cx="2952328" cy="5247763"/>
           </a:xfrm>
           <a:prstGeom prst="rect">
             <a:avLst/>
           </a:prstGeom>
-          <a:noFill/>
         </p:spPr>
-        <p:txBody>
-          <a:bodyPr wrap="square" rtlCol="0">
-            <a:spAutoFit/>
-          </a:bodyPr>
+      </p:pic>
+      <p:pic>
+        <p:nvPicPr>
+          <p:cNvPr id="6" name="图片 5"/>
+          <p:cNvPicPr>
+            <a:picLocks noChangeAspect="1"/>
+          </p:cNvPicPr>
+          <p:nvPr/>
+        </p:nvPicPr>
+        <p:blipFill>
+          <a:blip r:embed="rId3"/>
+          <a:stretch>
+            <a:fillRect/>
+          </a:stretch>
+        </p:blipFill>
+        <p:spPr>
+          <a:xfrm>
+            <a:off x="5076056" y="1412776"/>
+            <a:ext cx="2974406" cy="5242023"/>
+          </a:xfrm>
+          <a:prstGeom prst="rect">
+            <a:avLst/>
+          </a:prstGeom>
+        </p:spPr>
+      </p:pic>
+      <p:sp>
+        <p:nvSpPr>
+          <p:cNvPr id="7" name="右箭头 6"/>
+          <p:cNvSpPr/>
+          <p:nvPr/>
+        </p:nvSpPr>
+        <p:spPr>
+          <a:xfrm>
+            <a:off x="3995936" y="3501008"/>
+            <a:ext cx="936104" cy="720080"/>
+          </a:xfrm>
+          <a:prstGeom prst="rightArrow">
+            <a:avLst/>
+          </a:prstGeom>
+          <a:solidFill>
+            <a:schemeClr val="accent2"/>
+          </a:solidFill>
+        </p:spPr>
+        <p:style>
+          <a:lnRef idx="1">
+            <a:schemeClr val="accent1"/>
+          </a:lnRef>
+          <a:fillRef idx="3">
+            <a:schemeClr val="accent1"/>
+          </a:fillRef>
+          <a:effectRef idx="2">
+            <a:schemeClr val="accent1"/>
+          </a:effectRef>
+          <a:fontRef idx="minor">
+            <a:schemeClr val="lt1"/>
+          </a:fontRef>
+        </p:style>
+        <p:txBody>
+          <a:bodyPr rtlCol="0" anchor="ctr"/>
           <a:lstStyle/>
           <a:p>
-            <a:pPr marL="342900" indent="-342900">
-              <a:lnSpc>
-                <a:spcPct val="130000"/>
-              </a:lnSpc>
-              <a:buClr>
-                <a:srgbClr val="00FFFF"/>
-              </a:buClr>
-              <a:buFont typeface="Wingdings" charset="2"/>
-              <a:buChar char="Ø"/>
-            </a:pPr>
-            <a:r>
-              <a:rPr lang="en-US" altLang="zh-CN" sz="2400" dirty="0" smtClean="0"/>
-              <a:t>-</a:t>
-            </a:r>
-            <a:r>
-              <a:rPr lang="en-US" altLang="zh-CN" sz="2400" dirty="0"/>
-              <a:t>(</a:t>
-            </a:r>
-            <a:r>
-              <a:rPr lang="en-US" altLang="zh-CN" sz="2400" dirty="0" err="1"/>
-              <a:t>IBAction</a:t>
-            </a:r>
-            <a:r>
-              <a:rPr lang="en-US" altLang="zh-CN" sz="2400" dirty="0"/>
-              <a:t>) </a:t>
-            </a:r>
-            <a:r>
-              <a:rPr lang="en-US" altLang="zh-CN" sz="2400" dirty="0" err="1"/>
-              <a:t>selectCity</a:t>
-            </a:r>
-            <a:r>
-              <a:rPr lang="en-US" altLang="zh-CN" sz="2400" dirty="0"/>
-              <a:t>:(id)sender{</a:t>
-            </a:r>
-          </a:p>
-          <a:p>
-            <a:pPr lvl="1">
-              <a:lnSpc>
-                <a:spcPct val="130000"/>
-              </a:lnSpc>
-            </a:pPr>
-            <a:r>
-              <a:rPr lang="en-US" altLang="zh-CN" sz="2400" dirty="0" err="1"/>
-              <a:t>CityDetailViewController</a:t>
-            </a:r>
-            <a:endParaRPr lang="en-US" altLang="zh-CN" sz="2400" dirty="0"/>
-          </a:p>
-          <a:p>
-            <a:pPr lvl="1">
-              <a:lnSpc>
-                <a:spcPct val="130000"/>
-              </a:lnSpc>
-            </a:pPr>
-            <a:r>
-              <a:rPr lang="en-US" altLang="zh-CN" sz="2400" dirty="0"/>
-              <a:t>*</a:t>
-            </a:r>
-            <a:r>
-              <a:rPr lang="en-US" altLang="zh-CN" sz="2400" dirty="0" err="1"/>
-              <a:t>cityDetailViewController</a:t>
-            </a:r>
-            <a:r>
-              <a:rPr lang="en-US" altLang="zh-CN" sz="2400" dirty="0"/>
-              <a:t>=[[</a:t>
-            </a:r>
-            <a:r>
-              <a:rPr lang="en-US" altLang="zh-CN" sz="2400" dirty="0" err="1"/>
-              <a:t>CityDetailViewController</a:t>
-            </a:r>
-            <a:r>
-              <a:rPr lang="en-US" altLang="zh-CN" sz="2400" dirty="0"/>
-              <a:t> </a:t>
-            </a:r>
-            <a:r>
-              <a:rPr lang="en-US" altLang="zh-CN" sz="2400" dirty="0" err="1"/>
-              <a:t>alloc</a:t>
-            </a:r>
-            <a:r>
-              <a:rPr lang="en-US" altLang="zh-CN" sz="2400" dirty="0"/>
-              <a:t>] </a:t>
-            </a:r>
-            <a:r>
-              <a:rPr lang="en-US" altLang="zh-CN" sz="2400" dirty="0" err="1"/>
-              <a:t>init</a:t>
-            </a:r>
-            <a:r>
-              <a:rPr lang="en-US" altLang="zh-CN" sz="2400" dirty="0"/>
-              <a:t>];</a:t>
-            </a:r>
-          </a:p>
-          <a:p>
-            <a:pPr lvl="1">
-              <a:lnSpc>
-                <a:spcPct val="130000"/>
-              </a:lnSpc>
-            </a:pPr>
-            <a:r>
-              <a:rPr lang="en-US" altLang="zh-CN" sz="2400" dirty="0" err="1"/>
-              <a:t>cityDetailViewController.title</a:t>
-            </a:r>
-            <a:r>
-              <a:rPr lang="en-US" altLang="zh-CN" sz="2400" dirty="0"/>
-              <a:t>=</a:t>
-            </a:r>
-            <a:r>
-              <a:rPr lang="en-US" altLang="zh-CN" sz="2400" dirty="0" smtClean="0"/>
-              <a:t>@“</a:t>
-            </a:r>
-            <a:r>
-              <a:rPr lang="zh-CN" altLang="en-US" sz="2400" dirty="0" smtClean="0"/>
-              <a:t>广州欢迎你</a:t>
-            </a:r>
-            <a:r>
-              <a:rPr lang="zh-CN" altLang="en-US" sz="2400" dirty="0"/>
-              <a:t>！ </a:t>
-            </a:r>
-            <a:r>
-              <a:rPr lang="en-US" altLang="zh-CN" sz="2400" dirty="0"/>
-              <a:t>";</a:t>
-            </a:r>
-          </a:p>
-          <a:p>
-            <a:pPr lvl="1">
-              <a:lnSpc>
-                <a:spcPct val="130000"/>
-              </a:lnSpc>
-            </a:pPr>
-            <a:r>
-              <a:rPr lang="en-US" altLang="zh-CN" sz="2400" dirty="0"/>
-              <a:t>[</a:t>
-            </a:r>
-            <a:r>
-              <a:rPr lang="en-US" altLang="zh-CN" sz="2400" dirty="0" err="1"/>
-              <a:t>self.navigationController</a:t>
-            </a:r>
-            <a:r>
-              <a:rPr lang="en-US" altLang="zh-CN" sz="2400" dirty="0"/>
-              <a:t> </a:t>
-            </a:r>
-            <a:r>
-              <a:rPr lang="en-US" altLang="zh-CN" sz="2400" dirty="0" err="1"/>
-              <a:t>pushViewController:cityDetailViewController</a:t>
-            </a:r>
-            <a:endParaRPr lang="en-US" altLang="zh-CN" sz="2400" dirty="0"/>
-          </a:p>
-          <a:p>
-            <a:pPr lvl="1">
-              <a:lnSpc>
-                <a:spcPct val="130000"/>
-              </a:lnSpc>
-            </a:pPr>
-            <a:r>
-              <a:rPr lang="en-US" altLang="zh-CN" sz="2400" dirty="0" err="1"/>
-              <a:t>animated:YES</a:t>
-            </a:r>
-            <a:r>
-              <a:rPr lang="en-US" altLang="zh-CN" sz="2400" dirty="0"/>
-              <a:t>];</a:t>
-            </a:r>
-          </a:p>
-          <a:p>
-            <a:pPr lvl="1">
-              <a:lnSpc>
-                <a:spcPct val="130000"/>
-              </a:lnSpc>
-            </a:pPr>
-            <a:r>
-              <a:rPr lang="en-US" altLang="zh-CN" sz="2400" dirty="0"/>
-              <a:t>[</a:t>
-            </a:r>
-            <a:r>
-              <a:rPr lang="en-US" altLang="zh-CN" sz="2400" dirty="0" err="1"/>
-              <a:t>cityDetailViewController</a:t>
-            </a:r>
-            <a:r>
-              <a:rPr lang="en-US" altLang="zh-CN" sz="2400" dirty="0"/>
-              <a:t> release];</a:t>
-            </a:r>
-          </a:p>
-          <a:p>
-            <a:pPr>
-              <a:lnSpc>
-                <a:spcPct val="130000"/>
-              </a:lnSpc>
-            </a:pPr>
-            <a:r>
-              <a:rPr lang="en-US" altLang="zh-CN" sz="2400" dirty="0"/>
-              <a:t>}</a:t>
-            </a:r>
-          </a:p>
-          <a:p>
-            <a:pPr marL="342900" indent="-342900">
-              <a:lnSpc>
-                <a:spcPct val="130000"/>
-              </a:lnSpc>
-              <a:buClr>
-                <a:srgbClr val="00FFFF"/>
-              </a:buClr>
-              <a:buFont typeface="Wingdings" charset="2"/>
-              <a:buChar char="Ø"/>
-            </a:pPr>
-            <a:r>
-              <a:rPr lang="zh-CN" altLang="en-US" sz="2400" dirty="0" smtClean="0"/>
-              <a:t>代码位于</a:t>
-            </a:r>
-            <a:r>
-              <a:rPr lang="en-US" altLang="zh-CN" sz="2400" dirty="0" err="1"/>
-              <a:t>CityViewController.m</a:t>
-            </a:r>
-            <a:r>
-              <a:rPr lang="zh-CN" altLang="en-US" sz="2400" dirty="0"/>
-              <a:t>文件中</a:t>
-            </a:r>
-          </a:p>
-          <a:p>
-            <a:pPr marL="342900" indent="-342900">
-              <a:lnSpc>
-                <a:spcPct val="130000"/>
-              </a:lnSpc>
-              <a:buClr>
-                <a:srgbClr val="00FFFF"/>
-              </a:buClr>
-              <a:buFont typeface="Wingdings" charset="2"/>
-              <a:buChar char="Ø"/>
-            </a:pPr>
-            <a:r>
-              <a:rPr lang="zh-CHT" altLang="en-US" sz="2400" dirty="0" smtClean="0"/>
-              <a:t>演示</a:t>
-            </a:r>
-            <a:r>
-              <a:rPr lang="zh-CHT" altLang="en-US" sz="2400" dirty="0"/>
-              <a:t>案例</a:t>
-            </a:r>
-            <a:r>
-              <a:rPr lang="en-US" altLang="zh-CHT" sz="2400" dirty="0" err="1"/>
-              <a:t>NavigationControllerDemo</a:t>
-            </a:r>
-            <a:endParaRPr kumimoji="1" lang="zh-CN" altLang="en-US" sz="2400" dirty="0"/>
+            <a:pPr algn="ctr"/>
+            <a:endParaRPr kumimoji="1" lang="zh-CN" altLang="en-US" dirty="0"/>
           </a:p>
         </p:txBody>
       </p:sp>
     </p:spTree>
     <p:extLst>
       <p:ext uri="{BB962C8B-B14F-4D97-AF65-F5344CB8AC3E}">
-        <p14:creationId xmlns:p14="http://schemas.microsoft.com/office/powerpoint/2010/main" val="3276462280"/>
+        <p14:creationId xmlns:p14="http://schemas.microsoft.com/office/powerpoint/2010/main" val="3048045384"/>
       </p:ext>
     </p:extLst>
   </p:cSld>
@@ -10307,16 +9893,12 @@
           <a:lstStyle/>
           <a:p>
             <a:r>
-              <a:rPr lang="zh-CN" altLang="en-US" b="0" dirty="0"/>
-              <a:t>导航</a:t>
-            </a:r>
-            <a:r>
-              <a:rPr lang="en-US" altLang="zh-CN" b="0" dirty="0"/>
-              <a:t>View</a:t>
-            </a:r>
-            <a:r>
-              <a:rPr lang="zh-CN" altLang="en-US" b="0" dirty="0"/>
-              <a:t>间传递数据</a:t>
+              <a:rPr lang="en-US" altLang="zh-CHT" b="0" dirty="0" err="1"/>
+              <a:t>NavigationController</a:t>
+            </a:r>
+            <a:r>
+              <a:rPr lang="zh-CHT" altLang="en-US" b="0" dirty="0"/>
+              <a:t>案例之一</a:t>
             </a:r>
             <a:endParaRPr kumimoji="1" lang="zh-CN" altLang="en-US" dirty="0"/>
           </a:p>
@@ -10348,14 +9930,14 @@
       </p:sp>
       <p:sp>
         <p:nvSpPr>
-          <p:cNvPr id="4" name="文本框 3"/>
+          <p:cNvPr id="5" name="文本框 4"/>
           <p:cNvSpPr txBox="1"/>
           <p:nvPr/>
         </p:nvSpPr>
         <p:spPr>
           <a:xfrm>
-            <a:off x="107504" y="1225688"/>
-            <a:ext cx="8640960" cy="5242461"/>
+            <a:off x="179512" y="1484784"/>
+            <a:ext cx="8568952" cy="3939539"/>
           </a:xfrm>
           <a:prstGeom prst="rect">
             <a:avLst/>
@@ -10370,7 +9952,7 @@
           <a:p>
             <a:pPr marL="342900" indent="-342900">
               <a:lnSpc>
-                <a:spcPct val="140000"/>
+                <a:spcPct val="150000"/>
               </a:lnSpc>
               <a:buClr>
                 <a:srgbClr val="00FFFF"/>
@@ -10379,111 +9961,22 @@
               <a:buChar char="Ø"/>
             </a:pPr>
             <a:r>
-              <a:rPr lang="en-US" altLang="zh-CN" sz="2000" dirty="0" smtClean="0"/>
-              <a:t>@</a:t>
-            </a:r>
-            <a:r>
-              <a:rPr lang="en-US" altLang="zh-CN" sz="2000" dirty="0"/>
-              <a:t>interface </a:t>
-            </a:r>
-            <a:r>
-              <a:rPr lang="en-US" altLang="zh-CN" sz="2000" dirty="0" err="1"/>
-              <a:t>CityDetailViewController</a:t>
-            </a:r>
-            <a:r>
-              <a:rPr lang="en-US" altLang="zh-CN" sz="2000" dirty="0"/>
-              <a:t> : </a:t>
-            </a:r>
-            <a:r>
-              <a:rPr lang="en-US" altLang="zh-CN" sz="2000" dirty="0" err="1"/>
-              <a:t>UIViewController</a:t>
-            </a:r>
-            <a:r>
-              <a:rPr lang="en-US" altLang="zh-CN" sz="2000" dirty="0"/>
-              <a:t> {</a:t>
-            </a:r>
-          </a:p>
-          <a:p>
-            <a:pPr lvl="1">
-              <a:lnSpc>
-                <a:spcPct val="140000"/>
-              </a:lnSpc>
-            </a:pPr>
-            <a:r>
-              <a:rPr lang="en-US" altLang="zh-CN" sz="2000" dirty="0" err="1"/>
-              <a:t>IBOutlet</a:t>
-            </a:r>
-            <a:r>
-              <a:rPr lang="en-US" altLang="zh-CN" sz="2000" dirty="0"/>
-              <a:t> </a:t>
-            </a:r>
-            <a:r>
-              <a:rPr lang="en-US" altLang="zh-CN" sz="2000" dirty="0" err="1"/>
-              <a:t>UILabel</a:t>
-            </a:r>
-            <a:r>
-              <a:rPr lang="en-US" altLang="zh-CN" sz="2000" dirty="0"/>
-              <a:t> *</a:t>
-            </a:r>
-            <a:r>
-              <a:rPr lang="en-US" altLang="zh-CN" sz="2000" dirty="0" err="1"/>
-              <a:t>cityName</a:t>
-            </a:r>
-            <a:r>
-              <a:rPr lang="en-US" altLang="zh-CN" sz="2000" dirty="0"/>
-              <a:t>; </a:t>
-            </a:r>
-            <a:r>
-              <a:rPr lang="en-US" altLang="zh-CN" sz="2000" dirty="0" err="1"/>
-              <a:t>NSString</a:t>
-            </a:r>
-            <a:r>
-              <a:rPr lang="en-US" altLang="zh-CN" sz="2000" dirty="0"/>
-              <a:t> *city</a:t>
-            </a:r>
-            <a:r>
-              <a:rPr lang="en-US" altLang="zh-CN" sz="2000" dirty="0" smtClean="0"/>
-              <a:t>;</a:t>
-            </a:r>
-          </a:p>
-          <a:p>
-            <a:pPr>
-              <a:lnSpc>
-                <a:spcPct val="140000"/>
-              </a:lnSpc>
-            </a:pPr>
-            <a:r>
-              <a:rPr lang="en-US" altLang="zh-CN" sz="2000" dirty="0" smtClean="0"/>
-              <a:t> </a:t>
-            </a:r>
-            <a:r>
-              <a:rPr lang="en-US" altLang="zh-CN" sz="2000" dirty="0"/>
-              <a:t>}</a:t>
-            </a:r>
-          </a:p>
-          <a:p>
-            <a:pPr>
-              <a:lnSpc>
-                <a:spcPct val="140000"/>
-              </a:lnSpc>
-            </a:pPr>
-            <a:r>
-              <a:rPr lang="en-US" altLang="zh-CN" sz="2000" dirty="0"/>
-              <a:t>@property (copy)</a:t>
-            </a:r>
-            <a:r>
-              <a:rPr lang="en-US" altLang="zh-CN" sz="2000" dirty="0" err="1"/>
-              <a:t>NSString</a:t>
-            </a:r>
-            <a:r>
-              <a:rPr lang="en-US" altLang="zh-CN" sz="2000" dirty="0"/>
-              <a:t> *city;@end</a:t>
+              <a:rPr lang="zh-CN" altLang="en-US" sz="2400" dirty="0" smtClean="0"/>
+              <a:t>新建</a:t>
+            </a:r>
+            <a:r>
+              <a:rPr lang="en-US" altLang="zh-CN" sz="2400" dirty="0"/>
+              <a:t>Window-based Application</a:t>
+            </a:r>
+            <a:r>
+              <a:rPr lang="zh-CN" altLang="en-US" sz="2400" dirty="0"/>
+              <a:t>项目</a:t>
             </a:r>
           </a:p>
           <a:p>
             <a:pPr marL="342900" indent="-342900">
               <a:lnSpc>
-                <a:spcPct val="140000"/>
+                <a:spcPct val="150000"/>
               </a:lnSpc>
               <a:buClr>
                 <a:srgbClr val="00FFFF"/>
@@ -10492,31 +9985,31 @@
               <a:buChar char="Ø"/>
             </a:pPr>
             <a:r>
-              <a:rPr lang="zh-CN" altLang="en-US" sz="2000" dirty="0" smtClean="0"/>
-              <a:t>在</a:t>
-            </a:r>
-            <a:r>
-              <a:rPr lang="en-US" altLang="zh-CN" sz="2000" dirty="0" err="1" smtClean="0"/>
-              <a:t>CityDetailViewController</a:t>
-            </a:r>
-            <a:r>
-              <a:rPr lang="en-US" altLang="zh-CN" sz="2000" dirty="0" err="1"/>
-              <a:t>.xib</a:t>
-            </a:r>
-            <a:r>
-              <a:rPr lang="zh-CN" altLang="en-US" sz="2000" dirty="0"/>
-              <a:t>中添加一个标签，并连接到</a:t>
-            </a:r>
-            <a:r>
-              <a:rPr lang="en-US" altLang="zh-CN" sz="2000" dirty="0" err="1"/>
-              <a:t>cityName</a:t>
-            </a:r>
-            <a:endParaRPr lang="en-US" altLang="zh-CN" sz="2000" dirty="0"/>
-          </a:p>
-          <a:p>
-            <a:pPr marL="342900" indent="-342900">
+              <a:rPr lang="pl-PL" altLang="zh-CN" sz="2400" dirty="0" smtClean="0"/>
+              <a:t>File</a:t>
+            </a:r>
+            <a:r>
+              <a:rPr lang="pl-PL" altLang="zh-CN" sz="2400" dirty="0"/>
+              <a:t>-&gt;New File-&gt;</a:t>
+            </a:r>
+            <a:r>
+              <a:rPr lang="pl-PL" altLang="zh-CN" sz="2400" dirty="0" err="1"/>
+              <a:t>UIViewController</a:t>
+            </a:r>
+            <a:r>
+              <a:rPr lang="pl-PL" altLang="zh-CN" sz="2400" dirty="0"/>
+              <a:t> </a:t>
+            </a:r>
+            <a:r>
+              <a:rPr lang="pl-PL" altLang="zh-CN" sz="2400" dirty="0" err="1"/>
+              <a:t>subclass</a:t>
+            </a:r>
+            <a:endParaRPr lang="pl-PL" altLang="zh-CN" sz="2400" dirty="0"/>
+          </a:p>
+          <a:p>
+            <a:pPr marL="800100" lvl="1" indent="-342900">
               <a:lnSpc>
-                <a:spcPct val="140000"/>
+                <a:spcPct val="150000"/>
               </a:lnSpc>
               <a:buClr>
                 <a:srgbClr val="00FFFF"/>
@@ -10525,83 +10018,27 @@
               <a:buChar char="Ø"/>
             </a:pPr>
             <a:r>
-              <a:rPr lang="en-US" altLang="zh-CN" sz="2000" dirty="0" err="1" smtClean="0"/>
-              <a:t>CityDetailViewController.m</a:t>
-            </a:r>
-            <a:endParaRPr lang="en-US" altLang="zh-CN" sz="2000" dirty="0"/>
-          </a:p>
-          <a:p>
-            <a:pPr>
+              <a:rPr lang="pl-PL" altLang="zh-CN" sz="2400" dirty="0" err="1" smtClean="0"/>
+              <a:t>CityViewController.h</a:t>
+            </a:r>
+            <a:r>
+              <a:rPr lang="pl-PL" altLang="zh-CN" sz="2400" dirty="0" smtClean="0"/>
+              <a:t> </a:t>
+            </a:r>
+            <a:r>
+              <a:rPr lang="pl-PL" altLang="zh-CN" sz="2400" dirty="0"/>
+              <a:t>.m .</a:t>
+            </a:r>
+            <a:r>
+              <a:rPr lang="pl-PL" altLang="zh-CN" sz="2400" dirty="0" err="1"/>
+              <a:t>xib</a:t>
+            </a:r>
+            <a:endParaRPr lang="pl-PL" altLang="zh-CN" sz="2400" dirty="0"/>
+          </a:p>
+          <a:p>
+            <a:pPr marL="800100" lvl="1" indent="-342900">
               <a:lnSpc>
-                <a:spcPct val="140000"/>
-              </a:lnSpc>
-            </a:pPr>
-            <a:r>
-              <a:rPr lang="en-US" altLang="zh-CN" sz="2000" dirty="0"/>
-              <a:t>- (void)</a:t>
-            </a:r>
-            <a:r>
-              <a:rPr lang="en-US" altLang="zh-CN" sz="2000" dirty="0" err="1"/>
-              <a:t>viewDidLoad</a:t>
-            </a:r>
-            <a:r>
-              <a:rPr lang="en-US" altLang="zh-CN" sz="2000" dirty="0"/>
-              <a:t>{</a:t>
-            </a:r>
-          </a:p>
-          <a:p>
-            <a:pPr lvl="1">
-              <a:lnSpc>
-                <a:spcPct val="140000"/>
-              </a:lnSpc>
-            </a:pPr>
-            <a:r>
-              <a:rPr lang="en-US" altLang="zh-CN" sz="2000" dirty="0" err="1"/>
-              <a:t>cityName.text</a:t>
-            </a:r>
-            <a:r>
-              <a:rPr lang="en-US" altLang="zh-CN" sz="2000" dirty="0"/>
-              <a:t>=city; //</a:t>
-            </a:r>
-            <a:r>
-              <a:rPr lang="zh-CN" altLang="en-US" sz="2000" dirty="0"/>
-              <a:t>设置到城市名到标签上</a:t>
-            </a:r>
-          </a:p>
-          <a:p>
-            <a:pPr lvl="1">
-              <a:lnSpc>
-                <a:spcPct val="140000"/>
-              </a:lnSpc>
-            </a:pPr>
-            <a:r>
-              <a:rPr lang="en-US" altLang="zh-CN" sz="2000" dirty="0"/>
-              <a:t>[super </a:t>
-            </a:r>
-            <a:r>
-              <a:rPr lang="en-US" altLang="zh-CN" sz="2000" dirty="0" err="1"/>
-              <a:t>viewDidLoad</a:t>
-            </a:r>
-            <a:r>
-              <a:rPr lang="en-US" altLang="zh-CN" sz="2000" dirty="0"/>
-              <a:t>];</a:t>
-            </a:r>
-          </a:p>
-          <a:p>
-            <a:pPr>
-              <a:lnSpc>
-                <a:spcPct val="140000"/>
-              </a:lnSpc>
-            </a:pPr>
-            <a:r>
-              <a:rPr lang="en-US" altLang="zh-CN" sz="2000" dirty="0"/>
-              <a:t>}</a:t>
-            </a:r>
-          </a:p>
-          <a:p>
-            <a:pPr marL="342900" indent="-342900">
-              <a:lnSpc>
-                <a:spcPct val="140000"/>
+                <a:spcPct val="150000"/>
               </a:lnSpc>
               <a:buClr>
                 <a:srgbClr val="00FFFF"/>
@@ -10610,64 +10047,131 @@
               <a:buChar char="Ø"/>
             </a:pPr>
             <a:r>
-              <a:rPr lang="en-US" altLang="zh-CN" sz="2000" dirty="0" err="1" smtClean="0"/>
+              <a:rPr lang="pl-PL" altLang="zh-CN" sz="2400" dirty="0" err="1" smtClean="0"/>
+              <a:t>CityDetailViewController.h</a:t>
+            </a:r>
+            <a:r>
+              <a:rPr lang="pl-PL" altLang="zh-CN" sz="2400" dirty="0" smtClean="0"/>
+              <a:t> </a:t>
+            </a:r>
+            <a:r>
+              <a:rPr lang="pl-PL" altLang="zh-CN" sz="2400" dirty="0"/>
+              <a:t>.m .</a:t>
+            </a:r>
+            <a:r>
+              <a:rPr lang="pl-PL" altLang="zh-CN" sz="2400" dirty="0" err="1"/>
+              <a:t>xib</a:t>
+            </a:r>
+            <a:endParaRPr lang="pl-PL" altLang="zh-CN" sz="2400" dirty="0"/>
+          </a:p>
+          <a:p>
+            <a:pPr marL="342900" indent="-342900">
+              <a:lnSpc>
+                <a:spcPct val="150000"/>
+              </a:lnSpc>
+              <a:buClr>
+                <a:srgbClr val="00FFFF"/>
+              </a:buClr>
+              <a:buFont typeface="Wingdings" charset="2"/>
+              <a:buChar char="Ø"/>
+            </a:pPr>
+            <a:r>
+              <a:rPr lang="zh-CN" altLang="pl-PL" sz="2400" dirty="0" smtClean="0"/>
+              <a:t>打开</a:t>
+            </a:r>
+            <a:r>
+              <a:rPr lang="pl-PL" altLang="zh-CN" sz="2400" dirty="0" err="1"/>
+              <a:t>CityViewController.xib</a:t>
+            </a:r>
+            <a:r>
+              <a:rPr lang="zh-CN" altLang="pl-PL" sz="2400" dirty="0"/>
+              <a:t>文件，</a:t>
+            </a:r>
+            <a:r>
+              <a:rPr lang="zh-CN" altLang="pl-PL" sz="2400" dirty="0" smtClean="0"/>
+              <a:t>添加</a:t>
+            </a:r>
+            <a:r>
+              <a:rPr lang="pl-PL" altLang="zh-CN" sz="2400" dirty="0" smtClean="0"/>
+              <a:t>“</a:t>
+            </a:r>
+            <a:r>
+              <a:rPr lang="zh-CN" altLang="pl-PL" sz="2400" dirty="0" smtClean="0"/>
+              <a:t>深圳</a:t>
+            </a:r>
+            <a:r>
+              <a:rPr lang="pl-PL" altLang="zh-CN" sz="2400" dirty="0" smtClean="0"/>
+              <a:t>”</a:t>
+            </a:r>
+            <a:r>
+              <a:rPr lang="zh-CN" altLang="pl-PL" sz="2400" dirty="0" smtClean="0"/>
+              <a:t>按钮</a:t>
+            </a:r>
+            <a:endParaRPr lang="zh-CN" altLang="pl-PL" sz="2400" dirty="0"/>
+          </a:p>
+          <a:p>
+            <a:pPr marL="342900" indent="-342900">
+              <a:lnSpc>
+                <a:spcPct val="150000"/>
+              </a:lnSpc>
+              <a:buClr>
+                <a:srgbClr val="00FFFF"/>
+              </a:buClr>
+              <a:buFont typeface="Wingdings" charset="2"/>
+              <a:buChar char="Ø"/>
+            </a:pPr>
+            <a:r>
+              <a:rPr lang="zh-CN" altLang="en-US" sz="2400" dirty="0" smtClean="0"/>
+              <a:t>添加</a:t>
+            </a:r>
+            <a:r>
+              <a:rPr lang="zh-CN" altLang="en-US" sz="2400" dirty="0"/>
+              <a:t>方法</a:t>
+            </a:r>
+            <a:r>
+              <a:rPr lang="en-US" altLang="zh-CN" sz="2400" dirty="0" err="1"/>
               <a:t>selectCity</a:t>
             </a:r>
             <a:r>
-              <a:rPr lang="en-US" altLang="zh-CN" sz="2000" dirty="0" smtClean="0"/>
-              <a:t> </a:t>
-            </a:r>
-            <a:r>
-              <a:rPr lang="zh-CN" altLang="en-US" sz="2000" dirty="0"/>
-              <a:t>方法中加入以传递城市名给</a:t>
-            </a:r>
-            <a:r>
-              <a:rPr lang="en-US" altLang="zh-CN" sz="2000" dirty="0"/>
-              <a:t>city </a:t>
-            </a:r>
-            <a:r>
-              <a:rPr lang="zh-CN" altLang="en-US" sz="2000" dirty="0"/>
-              <a:t>：</a:t>
-            </a:r>
-          </a:p>
-          <a:p>
-            <a:pPr>
+              <a:rPr lang="en-US" altLang="zh-CN" sz="2400" dirty="0"/>
+              <a:t>,</a:t>
+            </a:r>
+            <a:r>
+              <a:rPr lang="zh-CN" altLang="en-US" sz="2400" dirty="0"/>
+              <a:t>简历按钮与方法的连接</a:t>
+            </a:r>
+          </a:p>
+          <a:p>
+            <a:pPr marL="342900" indent="-342900">
               <a:lnSpc>
-                <a:spcPct val="140000"/>
+                <a:spcPct val="150000"/>
               </a:lnSpc>
+              <a:buClr>
+                <a:srgbClr val="00FFFF"/>
+              </a:buClr>
+              <a:buFont typeface="Wingdings" charset="2"/>
+              <a:buChar char="Ø"/>
             </a:pPr>
             <a:r>
-              <a:rPr lang="en-US" altLang="zh-CN" sz="2000" dirty="0" err="1"/>
-              <a:t>cityDetailViewController.city</a:t>
-            </a:r>
-            <a:r>
-              <a:rPr lang="en-US" altLang="zh-CN" sz="2000" dirty="0"/>
-              <a:t>=</a:t>
-            </a:r>
-            <a:r>
-              <a:rPr lang="en-US" altLang="zh-CN" sz="2000" dirty="0" smtClean="0"/>
-              <a:t>@” </a:t>
-            </a:r>
-            <a:r>
-              <a:rPr lang="zh-CN" altLang="en-US" sz="2000" dirty="0" smtClean="0"/>
-              <a:t>广州</a:t>
-            </a:r>
-            <a:r>
-              <a:rPr lang="en-US" altLang="zh-CN" sz="2000" dirty="0" smtClean="0"/>
-              <a:t>"</a:t>
-            </a:r>
-            <a:r>
-              <a:rPr lang="en-US" altLang="zh-CN" sz="2000" dirty="0"/>
-              <a:t>;</a:t>
-            </a:r>
-            <a:endParaRPr kumimoji="1" lang="zh-CN" altLang="en-US" sz="2000" dirty="0"/>
+              <a:rPr lang="zh-TW" altLang="en-US" sz="2400" dirty="0" smtClean="0"/>
+              <a:t>打开</a:t>
+            </a:r>
+            <a:r>
+              <a:rPr lang="en-US" altLang="zh-TW" sz="2400" dirty="0" err="1"/>
+              <a:t>CityDetailViewController.xib</a:t>
+            </a:r>
+            <a:r>
+              <a:rPr lang="zh-TW" altLang="en-US" sz="2400" dirty="0"/>
+              <a:t>文件，添加标签</a:t>
+            </a:r>
+            <a:endParaRPr kumimoji="1" lang="zh-CN" altLang="en-US" sz="2400" dirty="0"/>
           </a:p>
         </p:txBody>
       </p:sp>
     </p:spTree>
     <p:extLst>
       <p:ext uri="{BB962C8B-B14F-4D97-AF65-F5344CB8AC3E}">
-        <p14:creationId xmlns:p14="http://schemas.microsoft.com/office/powerpoint/2010/main" val="2808694737"/>
+        <p14:creationId xmlns:p14="http://schemas.microsoft.com/office/powerpoint/2010/main" val="1336078422"/>
       </p:ext>
     </p:extLst>
   </p:cSld>
@@ -10717,8 +10221,12 @@
           <a:lstStyle/>
           <a:p>
             <a:r>
-              <a:rPr lang="zh-CN" altLang="en-US" b="0" dirty="0"/>
-              <a:t>标签栏控制器</a:t>
+              <a:rPr lang="en-US" altLang="zh-CHT" b="0" dirty="0" err="1"/>
+              <a:t>NavigationController</a:t>
+            </a:r>
+            <a:r>
+              <a:rPr lang="zh-CHT" altLang="en-US" b="0" dirty="0"/>
+              <a:t>案例之二</a:t>
             </a:r>
             <a:endParaRPr kumimoji="1" lang="zh-CN" altLang="en-US" dirty="0"/>
           </a:p>
@@ -10748,34 +10256,347 @@
           </a:p>
         </p:txBody>
       </p:sp>
-      <p:pic>
-        <p:nvPicPr>
-          <p:cNvPr id="4" name="图片 3"/>
-          <p:cNvPicPr>
-            <a:picLocks noChangeAspect="1"/>
-          </p:cNvPicPr>
+      <p:sp>
+        <p:nvSpPr>
+          <p:cNvPr id="4" name="文本框 3"/>
+          <p:cNvSpPr txBox="1"/>
           <p:nvPr/>
-        </p:nvPicPr>
-        <p:blipFill>
-          <a:blip r:embed="rId2"/>
-          <a:stretch>
-            <a:fillRect/>
-          </a:stretch>
-        </p:blipFill>
+        </p:nvSpPr>
         <p:spPr>
           <a:xfrm>
-            <a:off x="1043608" y="1268760"/>
-            <a:ext cx="7416824" cy="5475248"/>
+            <a:off x="107504" y="1162204"/>
+            <a:ext cx="8712968" cy="5673348"/>
           </a:xfrm>
           <a:prstGeom prst="rect">
             <a:avLst/>
           </a:prstGeom>
+          <a:noFill/>
         </p:spPr>
-      </p:pic>
+        <p:txBody>
+          <a:bodyPr wrap="square" rtlCol="0">
+            <a:spAutoFit/>
+          </a:bodyPr>
+          <a:lstStyle/>
+          <a:p>
+            <a:pPr marL="342900" indent="-342900">
+              <a:lnSpc>
+                <a:spcPct val="140000"/>
+              </a:lnSpc>
+              <a:buClr>
+                <a:srgbClr val="00FFFF"/>
+              </a:buClr>
+              <a:buFont typeface="Wingdings" charset="2"/>
+              <a:buChar char="Ø"/>
+            </a:pPr>
+            <a:r>
+              <a:rPr lang="fr-FR" altLang="zh-CN" sz="2000" dirty="0" smtClean="0"/>
+              <a:t>- </a:t>
+            </a:r>
+            <a:r>
+              <a:rPr lang="fr-FR" altLang="zh-CN" sz="2000" dirty="0"/>
+              <a:t>(BOOL)application:(</a:t>
+            </a:r>
+            <a:r>
+              <a:rPr lang="fr-FR" altLang="zh-CN" sz="2000" dirty="0" err="1"/>
+              <a:t>UIApplication</a:t>
+            </a:r>
+            <a:r>
+              <a:rPr lang="fr-FR" altLang="zh-CN" sz="2000" dirty="0"/>
+              <a:t> *)application</a:t>
+            </a:r>
+          </a:p>
+          <a:p>
+            <a:pPr>
+              <a:lnSpc>
+                <a:spcPct val="140000"/>
+              </a:lnSpc>
+            </a:pPr>
+            <a:r>
+              <a:rPr lang="fr-FR" altLang="zh-CN" sz="2000" dirty="0" err="1"/>
+              <a:t>didFinishLaunchingWithOptions</a:t>
+            </a:r>
+            <a:r>
+              <a:rPr lang="fr-FR" altLang="zh-CN" sz="2000" dirty="0"/>
+              <a:t>:(</a:t>
+            </a:r>
+            <a:r>
+              <a:rPr lang="fr-FR" altLang="zh-CN" sz="2000" dirty="0" err="1"/>
+              <a:t>NSDictionary</a:t>
+            </a:r>
+            <a:r>
+              <a:rPr lang="fr-FR" altLang="zh-CN" sz="2000" dirty="0"/>
+              <a:t> *)</a:t>
+            </a:r>
+            <a:r>
+              <a:rPr lang="fr-FR" altLang="zh-CN" sz="2000" dirty="0" err="1"/>
+              <a:t>launchOptions</a:t>
+            </a:r>
+            <a:r>
+              <a:rPr lang="fr-FR" altLang="zh-CN" sz="2000" dirty="0"/>
+              <a:t>{</a:t>
+            </a:r>
+          </a:p>
+          <a:p>
+            <a:pPr lvl="1">
+              <a:lnSpc>
+                <a:spcPct val="140000"/>
+              </a:lnSpc>
+            </a:pPr>
+            <a:r>
+              <a:rPr lang="fr-FR" altLang="zh-CN" sz="2000" dirty="0" err="1"/>
+              <a:t>navController</a:t>
+            </a:r>
+            <a:r>
+              <a:rPr lang="fr-FR" altLang="zh-CN" sz="2000" dirty="0"/>
+              <a:t>=[[</a:t>
+            </a:r>
+            <a:r>
+              <a:rPr lang="fr-FR" altLang="zh-CN" sz="2000" dirty="0" err="1"/>
+              <a:t>UINavigationController</a:t>
+            </a:r>
+            <a:r>
+              <a:rPr lang="fr-FR" altLang="zh-CN" sz="2000" dirty="0"/>
+              <a:t> alloc] </a:t>
+            </a:r>
+            <a:r>
+              <a:rPr lang="fr-FR" altLang="zh-CN" sz="2000" dirty="0" err="1"/>
+              <a:t>init</a:t>
+            </a:r>
+            <a:r>
+              <a:rPr lang="fr-FR" altLang="zh-CN" sz="2000" dirty="0"/>
+              <a:t>];</a:t>
+            </a:r>
+          </a:p>
+          <a:p>
+            <a:pPr lvl="1">
+              <a:lnSpc>
+                <a:spcPct val="140000"/>
+              </a:lnSpc>
+            </a:pPr>
+            <a:r>
+              <a:rPr lang="fr-FR" altLang="zh-CN" sz="2000" dirty="0" err="1"/>
+              <a:t>CityViewController</a:t>
+            </a:r>
+            <a:r>
+              <a:rPr lang="fr-FR" altLang="zh-CN" sz="2000" dirty="0"/>
+              <a:t> *</a:t>
+            </a:r>
+            <a:r>
+              <a:rPr lang="fr-FR" altLang="zh-CN" sz="2000" dirty="0" err="1"/>
+              <a:t>cityViewController</a:t>
+            </a:r>
+            <a:r>
+              <a:rPr lang="fr-FR" altLang="zh-CN" sz="2000" dirty="0"/>
+              <a:t>=[[</a:t>
+            </a:r>
+            <a:r>
+              <a:rPr lang="fr-FR" altLang="zh-CN" sz="2000" dirty="0" err="1"/>
+              <a:t>CityViewController</a:t>
+            </a:r>
+            <a:r>
+              <a:rPr lang="fr-FR" altLang="zh-CN" sz="2000" dirty="0"/>
+              <a:t> alloc] </a:t>
+            </a:r>
+            <a:r>
+              <a:rPr lang="fr-FR" altLang="zh-CN" sz="2000" dirty="0" err="1"/>
+              <a:t>init</a:t>
+            </a:r>
+            <a:r>
+              <a:rPr lang="fr-FR" altLang="zh-CN" sz="2000" dirty="0"/>
+              <a:t>];</a:t>
+            </a:r>
+          </a:p>
+          <a:p>
+            <a:pPr lvl="1">
+              <a:lnSpc>
+                <a:spcPct val="140000"/>
+              </a:lnSpc>
+            </a:pPr>
+            <a:r>
+              <a:rPr lang="fr-FR" altLang="zh-CN" sz="2000" dirty="0" err="1"/>
+              <a:t>cityViewController.title</a:t>
+            </a:r>
+            <a:r>
+              <a:rPr lang="fr-FR" altLang="zh-CN" sz="2000" dirty="0"/>
+              <a:t>=@"</a:t>
+            </a:r>
+            <a:r>
+              <a:rPr lang="zh-CN" altLang="fr-FR" sz="2000" dirty="0"/>
+              <a:t>城市介绍</a:t>
+            </a:r>
+            <a:r>
+              <a:rPr lang="fr-FR" altLang="zh-CN" sz="2000" dirty="0"/>
+              <a:t>";</a:t>
+            </a:r>
+          </a:p>
+          <a:p>
+            <a:pPr lvl="1">
+              <a:lnSpc>
+                <a:spcPct val="140000"/>
+              </a:lnSpc>
+            </a:pPr>
+            <a:r>
+              <a:rPr lang="en-US" altLang="zh-CN" sz="2000" dirty="0"/>
+              <a:t>//</a:t>
+            </a:r>
+            <a:r>
+              <a:rPr lang="zh-CN" altLang="en-US" sz="2000" dirty="0"/>
+              <a:t>把视图控制器压入堆栈</a:t>
+            </a:r>
+          </a:p>
+          <a:p>
+            <a:pPr lvl="1">
+              <a:lnSpc>
+                <a:spcPct val="140000"/>
+              </a:lnSpc>
+            </a:pPr>
+            <a:r>
+              <a:rPr lang="en-US" altLang="zh-CN" sz="2000" dirty="0"/>
+              <a:t>[</a:t>
+            </a:r>
+            <a:r>
+              <a:rPr lang="en-US" altLang="zh-CN" sz="2000" dirty="0" err="1"/>
+              <a:t>navController</a:t>
+            </a:r>
+            <a:r>
+              <a:rPr lang="en-US" altLang="zh-CN" sz="2000" dirty="0"/>
+              <a:t> </a:t>
+            </a:r>
+            <a:r>
+              <a:rPr lang="en-US" altLang="zh-CN" sz="2000" dirty="0" err="1"/>
+              <a:t>pushViewController:cityViewController</a:t>
+            </a:r>
+            <a:r>
+              <a:rPr lang="en-US" altLang="zh-CN" sz="2000" dirty="0"/>
+              <a:t> </a:t>
+            </a:r>
+            <a:r>
+              <a:rPr lang="en-US" altLang="zh-CN" sz="2000" dirty="0" err="1"/>
+              <a:t>animated:NO</a:t>
+            </a:r>
+            <a:r>
+              <a:rPr lang="en-US" altLang="zh-CN" sz="2000" dirty="0"/>
+              <a:t>];</a:t>
+            </a:r>
+          </a:p>
+          <a:p>
+            <a:pPr lvl="1">
+              <a:lnSpc>
+                <a:spcPct val="140000"/>
+              </a:lnSpc>
+            </a:pPr>
+            <a:r>
+              <a:rPr lang="en-US" altLang="zh-CN" sz="2000" dirty="0"/>
+              <a:t>[</a:t>
+            </a:r>
+            <a:r>
+              <a:rPr lang="en-US" altLang="zh-CN" sz="2000" dirty="0" err="1"/>
+              <a:t>cityViewController</a:t>
+            </a:r>
+            <a:r>
+              <a:rPr lang="en-US" altLang="zh-CN" sz="2000" dirty="0"/>
+              <a:t> release];</a:t>
+            </a:r>
+          </a:p>
+          <a:p>
+            <a:pPr lvl="1">
+              <a:lnSpc>
+                <a:spcPct val="140000"/>
+              </a:lnSpc>
+            </a:pPr>
+            <a:r>
+              <a:rPr lang="en-US" altLang="zh-CN" sz="2000" dirty="0"/>
+              <a:t>[</a:t>
+            </a:r>
+            <a:r>
+              <a:rPr lang="en-US" altLang="zh-CN" sz="2000" dirty="0" err="1"/>
+              <a:t>self.window</a:t>
+            </a:r>
+            <a:r>
+              <a:rPr lang="en-US" altLang="zh-CN" sz="2000" dirty="0"/>
+              <a:t> </a:t>
+            </a:r>
+            <a:r>
+              <a:rPr lang="en-US" altLang="zh-CN" sz="2000" dirty="0" err="1"/>
+              <a:t>addSubview:navController.view</a:t>
+            </a:r>
+            <a:r>
+              <a:rPr lang="en-US" altLang="zh-CN" sz="2000" dirty="0"/>
+              <a:t>];</a:t>
+            </a:r>
+          </a:p>
+          <a:p>
+            <a:pPr lvl="1">
+              <a:lnSpc>
+                <a:spcPct val="140000"/>
+              </a:lnSpc>
+            </a:pPr>
+            <a:r>
+              <a:rPr lang="en-US" altLang="zh-CN" sz="2000" dirty="0"/>
+              <a:t>[</a:t>
+            </a:r>
+            <a:r>
+              <a:rPr lang="en-US" altLang="zh-CN" sz="2000" dirty="0" err="1"/>
+              <a:t>self.window</a:t>
+            </a:r>
+            <a:r>
+              <a:rPr lang="en-US" altLang="zh-CN" sz="2000" dirty="0"/>
+              <a:t> </a:t>
+            </a:r>
+            <a:r>
+              <a:rPr lang="en-US" altLang="zh-CN" sz="2000" dirty="0" err="1"/>
+              <a:t>makeKeyAndVisible</a:t>
+            </a:r>
+            <a:r>
+              <a:rPr lang="en-US" altLang="zh-CN" sz="2000" dirty="0"/>
+              <a:t>];</a:t>
+            </a:r>
+          </a:p>
+          <a:p>
+            <a:pPr lvl="1">
+              <a:lnSpc>
+                <a:spcPct val="140000"/>
+              </a:lnSpc>
+            </a:pPr>
+            <a:r>
+              <a:rPr lang="en-US" altLang="zh-CN" sz="2000" dirty="0"/>
+              <a:t>return YES;</a:t>
+            </a:r>
+          </a:p>
+          <a:p>
+            <a:pPr>
+              <a:lnSpc>
+                <a:spcPct val="140000"/>
+              </a:lnSpc>
+            </a:pPr>
+            <a:r>
+              <a:rPr lang="en-US" altLang="zh-CN" sz="2000" dirty="0"/>
+              <a:t>}</a:t>
+            </a:r>
+          </a:p>
+          <a:p>
+            <a:pPr marL="342900" indent="-342900">
+              <a:lnSpc>
+                <a:spcPct val="140000"/>
+              </a:lnSpc>
+              <a:buClr>
+                <a:srgbClr val="00FFFF"/>
+              </a:buClr>
+              <a:buFont typeface="Wingdings" charset="2"/>
+              <a:buChar char="Ø"/>
+            </a:pPr>
+            <a:r>
+              <a:rPr lang="zh-CN" altLang="en-US" sz="2000" dirty="0" smtClean="0"/>
+              <a:t>代码位于委托类中</a:t>
+            </a:r>
+            <a:endParaRPr kumimoji="1" lang="zh-CN" altLang="en-US" sz="2000" dirty="0"/>
+          </a:p>
+        </p:txBody>
+      </p:sp>
     </p:spTree>
     <p:extLst>
       <p:ext uri="{BB962C8B-B14F-4D97-AF65-F5344CB8AC3E}">
-        <p14:creationId xmlns:p14="http://schemas.microsoft.com/office/powerpoint/2010/main" val="1338828018"/>
+        <p14:creationId xmlns:p14="http://schemas.microsoft.com/office/powerpoint/2010/main" val="3021017297"/>
       </p:ext>
     </p:extLst>
   </p:cSld>
@@ -10825,8 +10646,12 @@
           <a:lstStyle/>
           <a:p>
             <a:r>
-              <a:rPr lang="zh-CN" altLang="en-US" b="0" dirty="0"/>
-              <a:t>标签栏控制器</a:t>
+              <a:rPr lang="en-US" altLang="zh-CHT" b="0" dirty="0" err="1"/>
+              <a:t>NavigationController</a:t>
+            </a:r>
+            <a:r>
+              <a:rPr lang="zh-CHT" altLang="en-US" b="0" dirty="0"/>
+              <a:t>案例之三</a:t>
             </a:r>
             <a:endParaRPr kumimoji="1" lang="zh-CN" altLang="en-US" dirty="0"/>
           </a:p>
@@ -10856,34 +10681,273 @@
           </a:p>
         </p:txBody>
       </p:sp>
-      <p:pic>
-        <p:nvPicPr>
-          <p:cNvPr id="5" name="图片 4"/>
-          <p:cNvPicPr>
-            <a:picLocks noChangeAspect="1"/>
-          </p:cNvPicPr>
+      <p:sp>
+        <p:nvSpPr>
+          <p:cNvPr id="4" name="文本框 3"/>
+          <p:cNvSpPr txBox="1"/>
           <p:nvPr/>
-        </p:nvPicPr>
-        <p:blipFill>
-          <a:blip r:embed="rId2"/>
-          <a:stretch>
-            <a:fillRect/>
-          </a:stretch>
-        </p:blipFill>
+        </p:nvSpPr>
         <p:spPr>
           <a:xfrm>
-            <a:off x="1043608" y="1196752"/>
-            <a:ext cx="7157902" cy="5544325"/>
+            <a:off x="107504" y="1024044"/>
+            <a:ext cx="8928992" cy="5835444"/>
           </a:xfrm>
           <a:prstGeom prst="rect">
             <a:avLst/>
           </a:prstGeom>
+          <a:noFill/>
         </p:spPr>
-      </p:pic>
+        <p:txBody>
+          <a:bodyPr wrap="square" rtlCol="0">
+            <a:spAutoFit/>
+          </a:bodyPr>
+          <a:lstStyle/>
+          <a:p>
+            <a:pPr marL="342900" indent="-342900">
+              <a:lnSpc>
+                <a:spcPct val="130000"/>
+              </a:lnSpc>
+              <a:buClr>
+                <a:srgbClr val="00FFFF"/>
+              </a:buClr>
+              <a:buFont typeface="Wingdings" charset="2"/>
+              <a:buChar char="Ø"/>
+            </a:pPr>
+            <a:r>
+              <a:rPr lang="en-US" altLang="zh-CN" sz="2400" dirty="0" smtClean="0"/>
+              <a:t>-</a:t>
+            </a:r>
+            <a:r>
+              <a:rPr lang="en-US" altLang="zh-CN" sz="2400" dirty="0"/>
+              <a:t>(</a:t>
+            </a:r>
+            <a:r>
+              <a:rPr lang="en-US" altLang="zh-CN" sz="2400" dirty="0" err="1"/>
+              <a:t>IBAction</a:t>
+            </a:r>
+            <a:r>
+              <a:rPr lang="en-US" altLang="zh-CN" sz="2400" dirty="0"/>
+              <a:t>) </a:t>
+            </a:r>
+            <a:r>
+              <a:rPr lang="en-US" altLang="zh-CN" sz="2400" dirty="0" err="1"/>
+              <a:t>selectCity</a:t>
+            </a:r>
+            <a:r>
+              <a:rPr lang="en-US" altLang="zh-CN" sz="2400" dirty="0"/>
+              <a:t>:(id)sender{</a:t>
+            </a:r>
+          </a:p>
+          <a:p>
+            <a:pPr lvl="1">
+              <a:lnSpc>
+                <a:spcPct val="130000"/>
+              </a:lnSpc>
+            </a:pPr>
+            <a:r>
+              <a:rPr lang="en-US" altLang="zh-CN" sz="2400" dirty="0" err="1"/>
+              <a:t>CityDetailViewController</a:t>
+            </a:r>
+            <a:endParaRPr lang="en-US" altLang="zh-CN" sz="2400" dirty="0"/>
+          </a:p>
+          <a:p>
+            <a:pPr lvl="1">
+              <a:lnSpc>
+                <a:spcPct val="130000"/>
+              </a:lnSpc>
+            </a:pPr>
+            <a:r>
+              <a:rPr lang="en-US" altLang="zh-CN" sz="2400" dirty="0"/>
+              <a:t>*</a:t>
+            </a:r>
+            <a:r>
+              <a:rPr lang="en-US" altLang="zh-CN" sz="2400" dirty="0" err="1"/>
+              <a:t>cityDetailViewController</a:t>
+            </a:r>
+            <a:r>
+              <a:rPr lang="en-US" altLang="zh-CN" sz="2400" dirty="0"/>
+              <a:t>=[[</a:t>
+            </a:r>
+            <a:r>
+              <a:rPr lang="en-US" altLang="zh-CN" sz="2400" dirty="0" err="1"/>
+              <a:t>CityDetailViewController</a:t>
+            </a:r>
+            <a:r>
+              <a:rPr lang="en-US" altLang="zh-CN" sz="2400" dirty="0"/>
+              <a:t> </a:t>
+            </a:r>
+            <a:r>
+              <a:rPr lang="en-US" altLang="zh-CN" sz="2400" dirty="0" err="1"/>
+              <a:t>alloc</a:t>
+            </a:r>
+            <a:r>
+              <a:rPr lang="en-US" altLang="zh-CN" sz="2400" dirty="0"/>
+              <a:t>] </a:t>
+            </a:r>
+            <a:r>
+              <a:rPr lang="en-US" altLang="zh-CN" sz="2400" dirty="0" err="1"/>
+              <a:t>init</a:t>
+            </a:r>
+            <a:r>
+              <a:rPr lang="en-US" altLang="zh-CN" sz="2400" dirty="0"/>
+              <a:t>];</a:t>
+            </a:r>
+          </a:p>
+          <a:p>
+            <a:pPr lvl="1">
+              <a:lnSpc>
+                <a:spcPct val="130000"/>
+              </a:lnSpc>
+            </a:pPr>
+            <a:r>
+              <a:rPr lang="en-US" altLang="zh-CN" sz="2400" dirty="0" err="1"/>
+              <a:t>cityDetailViewController.title</a:t>
+            </a:r>
+            <a:r>
+              <a:rPr lang="en-US" altLang="zh-CN" sz="2400" dirty="0"/>
+              <a:t>=</a:t>
+            </a:r>
+            <a:r>
+              <a:rPr lang="en-US" altLang="zh-CN" sz="2400" dirty="0" smtClean="0"/>
+              <a:t>@“</a:t>
+            </a:r>
+            <a:r>
+              <a:rPr lang="zh-CN" altLang="en-US" sz="2400" dirty="0" smtClean="0"/>
+              <a:t>广州欢迎你</a:t>
+            </a:r>
+            <a:r>
+              <a:rPr lang="zh-CN" altLang="en-US" sz="2400" dirty="0"/>
+              <a:t>！ </a:t>
+            </a:r>
+            <a:r>
+              <a:rPr lang="en-US" altLang="zh-CN" sz="2400" dirty="0"/>
+              <a:t>";</a:t>
+            </a:r>
+          </a:p>
+          <a:p>
+            <a:pPr lvl="1">
+              <a:lnSpc>
+                <a:spcPct val="130000"/>
+              </a:lnSpc>
+            </a:pPr>
+            <a:r>
+              <a:rPr lang="en-US" altLang="zh-CN" sz="2400" dirty="0"/>
+              <a:t>[</a:t>
+            </a:r>
+            <a:r>
+              <a:rPr lang="en-US" altLang="zh-CN" sz="2400" dirty="0" err="1"/>
+              <a:t>self.navigationController</a:t>
+            </a:r>
+            <a:r>
+              <a:rPr lang="en-US" altLang="zh-CN" sz="2400" dirty="0"/>
+              <a:t> </a:t>
+            </a:r>
+            <a:r>
+              <a:rPr lang="en-US" altLang="zh-CN" sz="2400" dirty="0" err="1"/>
+              <a:t>pushViewController:cityDetailViewController</a:t>
+            </a:r>
+            <a:endParaRPr lang="en-US" altLang="zh-CN" sz="2400" dirty="0"/>
+          </a:p>
+          <a:p>
+            <a:pPr lvl="1">
+              <a:lnSpc>
+                <a:spcPct val="130000"/>
+              </a:lnSpc>
+            </a:pPr>
+            <a:r>
+              <a:rPr lang="en-US" altLang="zh-CN" sz="2400" dirty="0" err="1"/>
+              <a:t>animated:YES</a:t>
+            </a:r>
+            <a:r>
+              <a:rPr lang="en-US" altLang="zh-CN" sz="2400" dirty="0"/>
+              <a:t>];</a:t>
+            </a:r>
+          </a:p>
+          <a:p>
+            <a:pPr lvl="1">
+              <a:lnSpc>
+                <a:spcPct val="130000"/>
+              </a:lnSpc>
+            </a:pPr>
+            <a:r>
+              <a:rPr lang="en-US" altLang="zh-CN" sz="2400" dirty="0"/>
+              <a:t>[</a:t>
+            </a:r>
+            <a:r>
+              <a:rPr lang="en-US" altLang="zh-CN" sz="2400" dirty="0" err="1"/>
+              <a:t>cityDetailViewController</a:t>
+            </a:r>
+            <a:r>
+              <a:rPr lang="en-US" altLang="zh-CN" sz="2400" dirty="0"/>
+              <a:t> release];</a:t>
+            </a:r>
+          </a:p>
+          <a:p>
+            <a:pPr>
+              <a:lnSpc>
+                <a:spcPct val="130000"/>
+              </a:lnSpc>
+            </a:pPr>
+            <a:r>
+              <a:rPr lang="en-US" altLang="zh-CN" sz="2400" dirty="0"/>
+              <a:t>}</a:t>
+            </a:r>
+          </a:p>
+          <a:p>
+            <a:pPr marL="342900" indent="-342900">
+              <a:lnSpc>
+                <a:spcPct val="130000"/>
+              </a:lnSpc>
+              <a:buClr>
+                <a:srgbClr val="00FFFF"/>
+              </a:buClr>
+              <a:buFont typeface="Wingdings" charset="2"/>
+              <a:buChar char="Ø"/>
+            </a:pPr>
+            <a:r>
+              <a:rPr lang="zh-CN" altLang="en-US" sz="2400" dirty="0" smtClean="0"/>
+              <a:t>代码位于</a:t>
+            </a:r>
+            <a:r>
+              <a:rPr lang="en-US" altLang="zh-CN" sz="2400" dirty="0" err="1"/>
+              <a:t>CityViewController.m</a:t>
+            </a:r>
+            <a:r>
+              <a:rPr lang="zh-CN" altLang="en-US" sz="2400" dirty="0"/>
+              <a:t>文件中</a:t>
+            </a:r>
+          </a:p>
+          <a:p>
+            <a:pPr marL="342900" indent="-342900">
+              <a:lnSpc>
+                <a:spcPct val="130000"/>
+              </a:lnSpc>
+              <a:buClr>
+                <a:srgbClr val="00FFFF"/>
+              </a:buClr>
+              <a:buFont typeface="Wingdings" charset="2"/>
+              <a:buChar char="Ø"/>
+            </a:pPr>
+            <a:r>
+              <a:rPr lang="zh-CHT" altLang="en-US" sz="2400" dirty="0" smtClean="0"/>
+              <a:t>演示</a:t>
+            </a:r>
+            <a:r>
+              <a:rPr lang="zh-CHT" altLang="en-US" sz="2400" dirty="0"/>
+              <a:t>案例</a:t>
+            </a:r>
+            <a:r>
+              <a:rPr lang="en-US" altLang="zh-CHT" sz="2400" dirty="0" err="1"/>
+              <a:t>NavigationControllerDemo</a:t>
+            </a:r>
+            <a:endParaRPr kumimoji="1" lang="zh-CN" altLang="en-US" sz="2400" dirty="0"/>
+          </a:p>
+        </p:txBody>
+      </p:sp>
     </p:spTree>
     <p:extLst>
       <p:ext uri="{BB962C8B-B14F-4D97-AF65-F5344CB8AC3E}">
-        <p14:creationId xmlns:p14="http://schemas.microsoft.com/office/powerpoint/2010/main" val="4165092566"/>
+        <p14:creationId xmlns:p14="http://schemas.microsoft.com/office/powerpoint/2010/main" val="3276462280"/>
       </p:ext>
     </p:extLst>
   </p:cSld>
@@ -10934,7 +10998,15 @@
           <a:p>
             <a:r>
               <a:rPr lang="zh-CN" altLang="en-US" b="0" dirty="0"/>
-              <a:t>标签栏控制器</a:t>
+              <a:t>导航</a:t>
+            </a:r>
+            <a:r>
+              <a:rPr lang="en-US" altLang="zh-CN" b="0" dirty="0"/>
+              <a:t>View</a:t>
+            </a:r>
+            <a:r>
+              <a:rPr lang="zh-CN" altLang="en-US" b="0" dirty="0"/>
+              <a:t>间传递数据</a:t>
             </a:r>
             <a:endParaRPr kumimoji="1" lang="zh-CN" altLang="en-US" dirty="0"/>
           </a:p>
@@ -10966,14 +11038,14 @@
       </p:sp>
       <p:sp>
         <p:nvSpPr>
-          <p:cNvPr id="5" name="文本框 4"/>
+          <p:cNvPr id="4" name="文本框 3"/>
           <p:cNvSpPr txBox="1"/>
           <p:nvPr/>
         </p:nvSpPr>
         <p:spPr>
           <a:xfrm>
-            <a:off x="251520" y="1196752"/>
-            <a:ext cx="8568952" cy="5047535"/>
+            <a:off x="107504" y="1225688"/>
+            <a:ext cx="8640960" cy="5242461"/>
           </a:xfrm>
           <a:prstGeom prst="rect">
             <a:avLst/>
@@ -10988,7 +11060,7 @@
           <a:p>
             <a:pPr marL="342900" indent="-342900">
               <a:lnSpc>
-                <a:spcPct val="150000"/>
+                <a:spcPct val="140000"/>
               </a:lnSpc>
               <a:buClr>
                 <a:srgbClr val="00FFFF"/>
@@ -10997,22 +11069,111 @@
               <a:buChar char="Ø"/>
             </a:pPr>
             <a:r>
-              <a:rPr lang="en-US" altLang="zh-CN" sz="2400" dirty="0" smtClean="0"/>
-              <a:t>.</a:t>
-            </a:r>
-            <a:r>
-              <a:rPr lang="en-US" altLang="zh-CN" sz="2400" dirty="0"/>
-              <a:t>h</a:t>
-            </a:r>
-            <a:r>
-              <a:rPr lang="zh-CN" altLang="en-US" sz="2400" dirty="0"/>
-              <a:t>中声明标签栏控制器</a:t>
-            </a:r>
-          </a:p>
-          <a:p>
-            <a:pPr marL="800100" lvl="1" indent="-342900">
+              <a:rPr lang="en-US" altLang="zh-CN" sz="2000" dirty="0" smtClean="0"/>
+              <a:t>@</a:t>
+            </a:r>
+            <a:r>
+              <a:rPr lang="en-US" altLang="zh-CN" sz="2000" dirty="0"/>
+              <a:t>interface </a:t>
+            </a:r>
+            <a:r>
+              <a:rPr lang="en-US" altLang="zh-CN" sz="2000" dirty="0" err="1"/>
+              <a:t>CityDetailViewController</a:t>
+            </a:r>
+            <a:r>
+              <a:rPr lang="en-US" altLang="zh-CN" sz="2000" dirty="0"/>
+              <a:t> : </a:t>
+            </a:r>
+            <a:r>
+              <a:rPr lang="en-US" altLang="zh-CN" sz="2000" dirty="0" err="1"/>
+              <a:t>UIViewController</a:t>
+            </a:r>
+            <a:r>
+              <a:rPr lang="en-US" altLang="zh-CN" sz="2000" dirty="0"/>
+              <a:t> {</a:t>
+            </a:r>
+          </a:p>
+          <a:p>
+            <a:pPr lvl="1">
               <a:lnSpc>
-                <a:spcPct val="150000"/>
+                <a:spcPct val="140000"/>
+              </a:lnSpc>
+            </a:pPr>
+            <a:r>
+              <a:rPr lang="en-US" altLang="zh-CN" sz="2000" dirty="0" err="1"/>
+              <a:t>IBOutlet</a:t>
+            </a:r>
+            <a:r>
+              <a:rPr lang="en-US" altLang="zh-CN" sz="2000" dirty="0"/>
+              <a:t> </a:t>
+            </a:r>
+            <a:r>
+              <a:rPr lang="en-US" altLang="zh-CN" sz="2000" dirty="0" err="1"/>
+              <a:t>UILabel</a:t>
+            </a:r>
+            <a:r>
+              <a:rPr lang="en-US" altLang="zh-CN" sz="2000" dirty="0"/>
+              <a:t> *</a:t>
+            </a:r>
+            <a:r>
+              <a:rPr lang="en-US" altLang="zh-CN" sz="2000" dirty="0" err="1"/>
+              <a:t>cityName</a:t>
+            </a:r>
+            <a:r>
+              <a:rPr lang="en-US" altLang="zh-CN" sz="2000" dirty="0"/>
+              <a:t>; </a:t>
+            </a:r>
+            <a:r>
+              <a:rPr lang="en-US" altLang="zh-CN" sz="2000" dirty="0" err="1"/>
+              <a:t>NSString</a:t>
+            </a:r>
+            <a:r>
+              <a:rPr lang="en-US" altLang="zh-CN" sz="2000" dirty="0"/>
+              <a:t> *city</a:t>
+            </a:r>
+            <a:r>
+              <a:rPr lang="en-US" altLang="zh-CN" sz="2000" dirty="0" smtClean="0"/>
+              <a:t>;</a:t>
+            </a:r>
+          </a:p>
+          <a:p>
+            <a:pPr>
+              <a:lnSpc>
+                <a:spcPct val="140000"/>
+              </a:lnSpc>
+            </a:pPr>
+            <a:r>
+              <a:rPr lang="en-US" altLang="zh-CN" sz="2000" dirty="0" smtClean="0"/>
+              <a:t> </a:t>
+            </a:r>
+            <a:r>
+              <a:rPr lang="en-US" altLang="zh-CN" sz="2000" dirty="0"/>
+              <a:t>}</a:t>
+            </a:r>
+          </a:p>
+          <a:p>
+            <a:pPr>
+              <a:lnSpc>
+                <a:spcPct val="140000"/>
+              </a:lnSpc>
+            </a:pPr>
+            <a:r>
+              <a:rPr lang="en-US" altLang="zh-CN" sz="2000" dirty="0"/>
+              <a:t>@property (copy)</a:t>
+            </a:r>
+            <a:r>
+              <a:rPr lang="en-US" altLang="zh-CN" sz="2000" dirty="0" err="1"/>
+              <a:t>NSString</a:t>
+            </a:r>
+            <a:r>
+              <a:rPr lang="en-US" altLang="zh-CN" sz="2000" dirty="0"/>
+              <a:t> *city;@end</a:t>
+            </a:r>
+          </a:p>
+          <a:p>
+            <a:pPr marL="342900" indent="-342900">
+              <a:lnSpc>
+                <a:spcPct val="140000"/>
               </a:lnSpc>
               <a:buClr>
                 <a:srgbClr val="00FFFF"/>
@@ -11021,50 +11182,31 @@
               <a:buChar char="Ø"/>
             </a:pPr>
             <a:r>
-              <a:rPr lang="da-DK" altLang="zh-CN" sz="2400" dirty="0" err="1" smtClean="0">
-                <a:solidFill>
-                  <a:srgbClr val="FFFF00"/>
-                </a:solidFill>
-              </a:rPr>
-              <a:t>UITabBarController</a:t>
-            </a:r>
-            <a:r>
-              <a:rPr lang="da-DK" altLang="zh-CN" sz="2400" dirty="0" smtClean="0">
-                <a:solidFill>
-                  <a:srgbClr val="FFFF00"/>
-                </a:solidFill>
-              </a:rPr>
-              <a:t> </a:t>
-            </a:r>
-            <a:r>
-              <a:rPr lang="da-DK" altLang="zh-CN" sz="2400" dirty="0">
-                <a:solidFill>
-                  <a:srgbClr val="FFFF00"/>
-                </a:solidFill>
-              </a:rPr>
-              <a:t>*</a:t>
-            </a:r>
-            <a:r>
-              <a:rPr lang="da-DK" altLang="zh-CN" sz="2400" dirty="0" err="1">
-                <a:solidFill>
-                  <a:srgbClr val="FFFF00"/>
-                </a:solidFill>
-              </a:rPr>
-              <a:t>tabBarCtl</a:t>
-            </a:r>
-            <a:r>
-              <a:rPr lang="da-DK" altLang="zh-CN" sz="2400" dirty="0">
-                <a:solidFill>
-                  <a:srgbClr val="FFFF00"/>
-                </a:solidFill>
-              </a:rPr>
-              <a:t>;</a:t>
-            </a:r>
+              <a:rPr lang="zh-CN" altLang="en-US" sz="2000" dirty="0" smtClean="0"/>
+              <a:t>在</a:t>
+            </a:r>
+            <a:r>
+              <a:rPr lang="en-US" altLang="zh-CN" sz="2000" dirty="0" err="1" smtClean="0"/>
+              <a:t>CityDetailViewController</a:t>
+            </a:r>
+            <a:r>
+              <a:rPr lang="en-US" altLang="zh-CN" sz="2000" dirty="0" err="1"/>
+              <a:t>.xib</a:t>
+            </a:r>
+            <a:r>
+              <a:rPr lang="zh-CN" altLang="en-US" sz="2000" dirty="0"/>
+              <a:t>中添加一个标签，并连接到</a:t>
+            </a:r>
+            <a:r>
+              <a:rPr lang="en-US" altLang="zh-CN" sz="2000" dirty="0" err="1"/>
+              <a:t>cityName</a:t>
+            </a:r>
+            <a:endParaRPr lang="en-US" altLang="zh-CN" sz="2000" dirty="0"/>
           </a:p>
           <a:p>
             <a:pPr marL="342900" indent="-342900">
               <a:lnSpc>
-                <a:spcPct val="150000"/>
+                <a:spcPct val="140000"/>
               </a:lnSpc>
               <a:buClr>
                 <a:srgbClr val="00FFFF"/>
@@ -11073,35 +11215,83 @@
               <a:buChar char="Ø"/>
             </a:pPr>
             <a:r>
-              <a:rPr lang="en-US" altLang="zh-CN" sz="2400" dirty="0" smtClean="0"/>
-              <a:t>.m</a:t>
-            </a:r>
-            <a:r>
-              <a:rPr lang="zh-CN" altLang="en-US" sz="2400" dirty="0" smtClean="0"/>
-              <a:t>中初始化并将其导航</a:t>
-            </a:r>
-            <a:r>
-              <a:rPr lang="en-US" altLang="zh-CN" sz="2400" dirty="0" smtClean="0"/>
-              <a:t>/</a:t>
-            </a:r>
-            <a:r>
-              <a:rPr lang="zh-CN" altLang="en-US" sz="2400" dirty="0" smtClean="0"/>
-              <a:t>视图控制器放到</a:t>
-            </a:r>
-            <a:r>
-              <a:rPr lang="en-US" altLang="zh-CN" sz="2400" dirty="0" err="1" smtClean="0"/>
-              <a:t>viewControllers</a:t>
-            </a:r>
-            <a:r>
-              <a:rPr lang="zh-CN" altLang="en-US" sz="2400" dirty="0" smtClean="0"/>
-              <a:t>数组中</a:t>
-            </a:r>
-            <a:endParaRPr lang="zh-CN" altLang="en-US" sz="2400" dirty="0"/>
-          </a:p>
-          <a:p>
-            <a:pPr marL="800100" lvl="1" indent="-342900">
+              <a:rPr lang="en-US" altLang="zh-CN" sz="2000" dirty="0" err="1" smtClean="0"/>
+              <a:t>CityDetailViewController.m</a:t>
+            </a:r>
+            <a:endParaRPr lang="en-US" altLang="zh-CN" sz="2000" dirty="0"/>
+          </a:p>
+          <a:p>
+            <a:pPr>
               <a:lnSpc>
-                <a:spcPct val="150000"/>
+                <a:spcPct val="140000"/>
+              </a:lnSpc>
+            </a:pPr>
+            <a:r>
+              <a:rPr lang="en-US" altLang="zh-CN" sz="2000" dirty="0"/>
+              <a:t>- (void)</a:t>
+            </a:r>
+            <a:r>
+              <a:rPr lang="en-US" altLang="zh-CN" sz="2000" dirty="0" err="1"/>
+              <a:t>viewDidLoad</a:t>
+            </a:r>
+            <a:r>
+              <a:rPr lang="en-US" altLang="zh-CN" sz="2000" dirty="0"/>
+              <a:t>{</a:t>
+            </a:r>
+          </a:p>
+          <a:p>
+            <a:pPr lvl="1">
+              <a:lnSpc>
+                <a:spcPct val="140000"/>
+              </a:lnSpc>
+            </a:pPr>
+            <a:r>
+              <a:rPr lang="en-US" altLang="zh-CN" sz="2000" dirty="0" err="1"/>
+              <a:t>cityName.text</a:t>
+            </a:r>
+            <a:r>
+              <a:rPr lang="en-US" altLang="zh-CN" sz="2000" dirty="0"/>
+              <a:t>=city; //</a:t>
+            </a:r>
+            <a:r>
+              <a:rPr lang="zh-CN" altLang="en-US" sz="2000" dirty="0"/>
+              <a:t>设置到城市名到标签上</a:t>
+            </a:r>
+          </a:p>
+          <a:p>
+            <a:pPr lvl="1">
+              <a:lnSpc>
+                <a:spcPct val="140000"/>
+              </a:lnSpc>
+            </a:pPr>
+            <a:r>
+              <a:rPr lang="en-US" altLang="zh-CN" sz="2000" dirty="0"/>
+              <a:t>[super </a:t>
+            </a:r>
+            <a:r>
+              <a:rPr lang="en-US" altLang="zh-CN" sz="2000" dirty="0" err="1"/>
+              <a:t>viewDidLoad</a:t>
+            </a:r>
+            <a:r>
+              <a:rPr lang="en-US" altLang="zh-CN" sz="2000" dirty="0"/>
+              <a:t>];</a:t>
+            </a:r>
+          </a:p>
+          <a:p>
+            <a:pPr>
+              <a:lnSpc>
+                <a:spcPct val="140000"/>
+              </a:lnSpc>
+            </a:pPr>
+            <a:r>
+              <a:rPr lang="en-US" altLang="zh-CN" sz="2000" dirty="0"/>
+              <a:t>}</a:t>
+            </a:r>
+          </a:p>
+          <a:p>
+            <a:pPr marL="342900" indent="-342900">
+              <a:lnSpc>
+                <a:spcPct val="140000"/>
               </a:lnSpc>
               <a:buClr>
                 <a:srgbClr val="00FFFF"/>
@@ -11110,225 +11300,64 @@
               <a:buChar char="Ø"/>
             </a:pPr>
             <a:r>
-              <a:rPr lang="en-US" altLang="zh-CN" sz="2400" dirty="0" err="1" smtClean="0">
-                <a:solidFill>
-                  <a:srgbClr val="FFFF00"/>
-                </a:solidFill>
-              </a:rPr>
-              <a:t>tabBarCtl</a:t>
-            </a:r>
-            <a:r>
-              <a:rPr lang="en-US" altLang="zh-CN" sz="2400" dirty="0">
-                <a:solidFill>
-                  <a:srgbClr val="FFFF00"/>
-                </a:solidFill>
-              </a:rPr>
-              <a:t>=[[</a:t>
-            </a:r>
-            <a:r>
-              <a:rPr lang="en-US" altLang="zh-CN" sz="2400" dirty="0" err="1">
-                <a:solidFill>
-                  <a:srgbClr val="FFFF00"/>
-                </a:solidFill>
-              </a:rPr>
-              <a:t>UITabBarController</a:t>
-            </a:r>
-            <a:r>
-              <a:rPr lang="en-US" altLang="zh-CN" sz="2400" dirty="0">
-                <a:solidFill>
-                  <a:srgbClr val="FFFF00"/>
-                </a:solidFill>
-              </a:rPr>
+              <a:rPr lang="en-US" altLang="zh-CN" sz="2000" dirty="0" err="1" smtClean="0"/>
+              <a:t>selectCity</a:t>
+            </a:r>
+            <a:r>
+              <a:rPr lang="en-US" altLang="zh-CN" sz="2000" dirty="0" smtClean="0"/>
               <a:t> </a:t>
             </a:r>
             <a:r>
-              <a:rPr lang="en-US" altLang="zh-CN" sz="2400" dirty="0" err="1">
-                <a:solidFill>
-                  <a:srgbClr val="FFFF00"/>
-                </a:solidFill>
-              </a:rPr>
-              <a:t>alloc</a:t>
-            </a:r>
-            <a:r>
-              <a:rPr lang="en-US" altLang="zh-CN" sz="2400" dirty="0">
-                <a:solidFill>
-                  <a:srgbClr val="FFFF00"/>
-                </a:solidFill>
-              </a:rPr>
-              <a:t>] </a:t>
-            </a:r>
-            <a:r>
-              <a:rPr lang="en-US" altLang="zh-CN" sz="2400" dirty="0" err="1">
-                <a:solidFill>
-                  <a:srgbClr val="FFFF00"/>
-                </a:solidFill>
-              </a:rPr>
-              <a:t>init</a:t>
-            </a:r>
-            <a:r>
-              <a:rPr lang="en-US" altLang="zh-CN" sz="2400" dirty="0">
-                <a:solidFill>
-                  <a:srgbClr val="FFFF00"/>
-                </a:solidFill>
-              </a:rPr>
-              <a:t>];</a:t>
-            </a:r>
-          </a:p>
-          <a:p>
-            <a:pPr marL="800100" lvl="1" indent="-342900">
+              <a:rPr lang="zh-CN" altLang="en-US" sz="2000" dirty="0"/>
+              <a:t>方法中加入以传递城市名给</a:t>
+            </a:r>
+            <a:r>
+              <a:rPr lang="en-US" altLang="zh-CN" sz="2000" dirty="0"/>
+              <a:t>city </a:t>
+            </a:r>
+            <a:r>
+              <a:rPr lang="zh-CN" altLang="en-US" sz="2000" dirty="0"/>
+              <a:t>：</a:t>
+            </a:r>
+          </a:p>
+          <a:p>
+            <a:pPr>
               <a:lnSpc>
-                <a:spcPct val="150000"/>
+                <a:spcPct val="140000"/>
               </a:lnSpc>
-              <a:buClr>
-                <a:srgbClr val="00FFFF"/>
-              </a:buClr>
-              <a:buFont typeface="Wingdings" charset="2"/>
-              <a:buChar char="Ø"/>
             </a:pPr>
             <a:r>
-              <a:rPr lang="en-US" altLang="zh-CN" sz="2400" dirty="0" err="1" smtClean="0">
-                <a:solidFill>
-                  <a:srgbClr val="FFFF00"/>
-                </a:solidFill>
-              </a:rPr>
-              <a:t>tabBarCtl.viewControllers</a:t>
-            </a:r>
-            <a:r>
-              <a:rPr lang="en-US" altLang="zh-CN" sz="2400" dirty="0">
-                <a:solidFill>
-                  <a:srgbClr val="FFFF00"/>
-                </a:solidFill>
-              </a:rPr>
-              <a:t>=[</a:t>
-            </a:r>
-            <a:r>
-              <a:rPr lang="en-US" altLang="zh-CN" sz="2400" dirty="0" err="1" smtClean="0">
-                <a:solidFill>
-                  <a:srgbClr val="FFFF00"/>
-                </a:solidFill>
-              </a:rPr>
-              <a:t>NSArray</a:t>
-            </a:r>
-            <a:r>
-              <a:rPr lang="zh-CN" altLang="zh-CN" sz="2400" dirty="0">
-                <a:solidFill>
-                  <a:srgbClr val="FFFF00"/>
-                </a:solidFill>
-              </a:rPr>
-              <a:t> </a:t>
-            </a:r>
-            <a:r>
-              <a:rPr lang="en-US" altLang="zh-CN" sz="2400" dirty="0" err="1" smtClean="0">
-                <a:solidFill>
-                  <a:srgbClr val="FFFF00"/>
-                </a:solidFill>
-              </a:rPr>
-              <a:t>arrayWithObjects:navController</a:t>
-            </a:r>
-            <a:r>
-              <a:rPr lang="en-US" altLang="zh-CN" sz="2400" dirty="0" err="1">
-                <a:solidFill>
-                  <a:srgbClr val="FFFF00"/>
-                </a:solidFill>
-              </a:rPr>
-              <a:t>,aViewCtl,nil</a:t>
-            </a:r>
-            <a:r>
-              <a:rPr lang="en-US" altLang="zh-CN" sz="2400" dirty="0">
-                <a:solidFill>
-                  <a:srgbClr val="FFFF00"/>
-                </a:solidFill>
-              </a:rPr>
-              <a:t>]</a:t>
-            </a:r>
-          </a:p>
-          <a:p>
-            <a:pPr marL="342900" indent="-342900">
-              <a:lnSpc>
-                <a:spcPct val="150000"/>
-              </a:lnSpc>
-              <a:buClr>
-                <a:srgbClr val="00FFFF"/>
-              </a:buClr>
-              <a:buFont typeface="Wingdings" charset="2"/>
-              <a:buChar char="Ø"/>
-            </a:pPr>
-            <a:r>
-              <a:rPr lang="zh-CN" altLang="en-US" sz="2400" dirty="0" smtClean="0"/>
-              <a:t>将标签栏</a:t>
-            </a:r>
-            <a:r>
-              <a:rPr lang="zh-CN" altLang="en-US" sz="2400" dirty="0"/>
-              <a:t>控制器的</a:t>
-            </a:r>
-            <a:r>
-              <a:rPr lang="en-US" altLang="zh-CN" sz="2400" dirty="0"/>
-              <a:t>view</a:t>
-            </a:r>
-            <a:r>
-              <a:rPr lang="zh-CN" altLang="en-US" sz="2400" dirty="0"/>
-              <a:t>添加到</a:t>
-            </a:r>
-            <a:r>
-              <a:rPr lang="en-US" altLang="zh-CN" sz="2400" dirty="0"/>
-              <a:t>window</a:t>
-            </a:r>
-          </a:p>
-          <a:p>
-            <a:pPr marL="800100" lvl="1" indent="-342900">
-              <a:lnSpc>
-                <a:spcPct val="150000"/>
-              </a:lnSpc>
-              <a:buClr>
-                <a:srgbClr val="00FFFF"/>
-              </a:buClr>
-              <a:buFont typeface="Wingdings" charset="2"/>
-              <a:buChar char="Ø"/>
-            </a:pPr>
-            <a:r>
-              <a:rPr lang="en-US" altLang="zh-CN" sz="2400" dirty="0" smtClean="0">
-                <a:solidFill>
-                  <a:srgbClr val="FFFF00"/>
-                </a:solidFill>
-              </a:rPr>
-              <a:t>[</a:t>
-            </a:r>
-            <a:r>
-              <a:rPr lang="en-US" altLang="zh-CN" sz="2400" dirty="0">
-                <a:solidFill>
-                  <a:srgbClr val="FFFF00"/>
-                </a:solidFill>
-              </a:rPr>
-              <a:t>window </a:t>
-            </a:r>
-            <a:r>
-              <a:rPr lang="en-US" altLang="zh-CN" sz="2400" dirty="0" err="1">
-                <a:solidFill>
-                  <a:srgbClr val="FFFF00"/>
-                </a:solidFill>
-              </a:rPr>
-              <a:t>addSubView:tabBarCtl.view</a:t>
-            </a:r>
-            <a:r>
-              <a:rPr lang="en-US" altLang="zh-CN" sz="2400" dirty="0">
-                <a:solidFill>
-                  <a:srgbClr val="FFFF00"/>
-                </a:solidFill>
-              </a:rPr>
-              <a:t>]</a:t>
-            </a:r>
-            <a:endParaRPr kumimoji="1" lang="zh-CN" altLang="en-US" sz="2400" dirty="0">
-              <a:solidFill>
-                <a:srgbClr val="FFFF00"/>
-              </a:solidFill>
-            </a:endParaRPr>
+              <a:rPr lang="en-US" altLang="zh-CN" sz="2000" dirty="0" err="1"/>
+              <a:t>cityDetailViewController.city</a:t>
+            </a:r>
+            <a:r>
+              <a:rPr lang="en-US" altLang="zh-CN" sz="2000" dirty="0"/>
+              <a:t>=</a:t>
+            </a:r>
+            <a:r>
+              <a:rPr lang="en-US" altLang="zh-CN" sz="2000" dirty="0" smtClean="0"/>
+              <a:t>@” </a:t>
+            </a:r>
+            <a:r>
+              <a:rPr lang="zh-CN" altLang="en-US" sz="2000" dirty="0" smtClean="0"/>
+              <a:t>广州</a:t>
+            </a:r>
+            <a:r>
+              <a:rPr lang="en-US" altLang="zh-CN" sz="2000" dirty="0" smtClean="0"/>
+              <a:t>"</a:t>
+            </a:r>
+            <a:r>
+              <a:rPr lang="en-US" altLang="zh-CN" sz="2000" dirty="0"/>
+              <a:t>;</a:t>
+            </a:r>
+            <a:endParaRPr kumimoji="1" lang="zh-CN" altLang="en-US" sz="2000" dirty="0"/>
           </a:p>
         </p:txBody>
       </p:sp>
     </p:spTree>
     <p:extLst>
       <p:ext uri="{BB962C8B-B14F-4D97-AF65-F5344CB8AC3E}">
-        <p14:creationId xmlns:p14="http://schemas.microsoft.com/office/powerpoint/2010/main" val="730667310"/>
+        <p14:creationId xmlns:p14="http://schemas.microsoft.com/office/powerpoint/2010/main" val="2808694737"/>
       </p:ext>
     </p:extLst>
   </p:cSld>
@@ -11379,7 +11408,7 @@
           <a:p>
             <a:r>
               <a:rPr lang="zh-CN" altLang="en-US" b="0" dirty="0"/>
-              <a:t>标签栏控制器案例</a:t>
+              <a:t>标签栏控制器</a:t>
             </a:r>
             <a:endParaRPr kumimoji="1" lang="zh-CN" altLang="en-US" dirty="0"/>
           </a:p>
@@ -11409,16 +11438,166 @@
           </a:p>
         </p:txBody>
       </p:sp>
-      <p:sp>
-        <p:nvSpPr>
-          <p:cNvPr id="4" name="文本框 3"/>
+      <p:pic>
+        <p:nvPicPr>
+          <p:cNvPr id="5" name="图片 4"/>
+          <p:cNvPicPr>
+            <a:picLocks noChangeAspect="1"/>
+          </p:cNvPicPr>
+          <p:nvPr/>
+        </p:nvPicPr>
+        <p:blipFill>
+          <a:blip r:embed="rId2"/>
+          <a:stretch>
+            <a:fillRect/>
+          </a:stretch>
+        </p:blipFill>
+        <p:spPr>
+          <a:xfrm>
+            <a:off x="251520" y="1412776"/>
+            <a:ext cx="2304256" cy="4088197"/>
+          </a:xfrm>
+          <a:prstGeom prst="rect">
+            <a:avLst/>
+          </a:prstGeom>
+        </p:spPr>
+      </p:pic>
+      <p:pic>
+        <p:nvPicPr>
+          <p:cNvPr id="6" name="图片 5"/>
+          <p:cNvPicPr>
+            <a:picLocks noChangeAspect="1"/>
+          </p:cNvPicPr>
+          <p:nvPr/>
+        </p:nvPicPr>
+        <p:blipFill>
+          <a:blip r:embed="rId3"/>
+          <a:stretch>
+            <a:fillRect/>
+          </a:stretch>
+        </p:blipFill>
+        <p:spPr>
+          <a:xfrm>
+            <a:off x="3275856" y="1412776"/>
+            <a:ext cx="2292960" cy="4032447"/>
+          </a:xfrm>
+          <a:prstGeom prst="rect">
+            <a:avLst/>
+          </a:prstGeom>
+        </p:spPr>
+      </p:pic>
+      <p:pic>
+        <p:nvPicPr>
+          <p:cNvPr id="7" name="图片 6"/>
+          <p:cNvPicPr>
+            <a:picLocks noChangeAspect="1"/>
+          </p:cNvPicPr>
+          <p:nvPr/>
+        </p:nvPicPr>
+        <p:blipFill>
+          <a:blip r:embed="rId4"/>
+          <a:stretch>
+            <a:fillRect/>
+          </a:stretch>
+        </p:blipFill>
+        <p:spPr>
+          <a:xfrm>
+            <a:off x="6444208" y="1412776"/>
+            <a:ext cx="2304256" cy="4072373"/>
+          </a:xfrm>
+          <a:prstGeom prst="rect">
+            <a:avLst/>
+          </a:prstGeom>
+        </p:spPr>
+      </p:pic>
+      <p:sp>
+        <p:nvSpPr>
+          <p:cNvPr id="9" name="右大括号 8"/>
+          <p:cNvSpPr/>
+          <p:nvPr/>
+        </p:nvSpPr>
+        <p:spPr>
+          <a:xfrm rot="5400000">
+            <a:off x="3960714" y="2168078"/>
+            <a:ext cx="502492" cy="7344816"/>
+          </a:xfrm>
+          <a:prstGeom prst="rightBrace">
+            <a:avLst/>
+          </a:prstGeom>
+          <a:ln>
+            <a:solidFill>
+              <a:schemeClr val="accent3"/>
+            </a:solidFill>
+          </a:ln>
+        </p:spPr>
+        <p:style>
+          <a:lnRef idx="2">
+            <a:schemeClr val="accent1"/>
+          </a:lnRef>
+          <a:fillRef idx="0">
+            <a:schemeClr val="accent1"/>
+          </a:fillRef>
+          <a:effectRef idx="1">
+            <a:schemeClr val="accent1"/>
+          </a:effectRef>
+          <a:fontRef idx="minor">
+            <a:schemeClr val="tx1"/>
+          </a:fontRef>
+        </p:style>
+        <p:txBody>
+          <a:bodyPr rtlCol="0" anchor="ctr"/>
+          <a:lstStyle/>
+          <a:p>
+            <a:pPr algn="ctr"/>
+            <a:endParaRPr kumimoji="1" lang="zh-CN" altLang="en-US" dirty="0"/>
+          </a:p>
+        </p:txBody>
+      </p:sp>
+      <p:cxnSp>
+        <p:nvCxnSpPr>
+          <p:cNvPr id="13" name="直线连接符 12"/>
+          <p:cNvCxnSpPr/>
+          <p:nvPr/>
+        </p:nvCxnSpPr>
+        <p:spPr>
+          <a:xfrm flipV="1">
+            <a:off x="4211960" y="5517232"/>
+            <a:ext cx="0" cy="432048"/>
+          </a:xfrm>
+          <a:prstGeom prst="line">
+            <a:avLst/>
+          </a:prstGeom>
+          <a:ln>
+            <a:solidFill>
+              <a:srgbClr val="FF6700"/>
+            </a:solidFill>
+          </a:ln>
+        </p:spPr>
+        <p:style>
+          <a:lnRef idx="2">
+            <a:schemeClr val="accent1"/>
+          </a:lnRef>
+          <a:fillRef idx="0">
+            <a:schemeClr val="accent1"/>
+          </a:fillRef>
+          <a:effectRef idx="1">
+            <a:schemeClr val="accent1"/>
+          </a:effectRef>
+          <a:fontRef idx="minor">
+            <a:schemeClr val="tx1"/>
+          </a:fontRef>
+        </p:style>
+      </p:cxnSp>
+      <p:sp>
+        <p:nvSpPr>
+          <p:cNvPr id="15" name="文本框 14"/>
           <p:cNvSpPr txBox="1"/>
           <p:nvPr/>
         </p:nvSpPr>
         <p:spPr>
           <a:xfrm>
-            <a:off x="179512" y="1225688"/>
-            <a:ext cx="8424936" cy="5144998"/>
+            <a:off x="2987824" y="6165304"/>
+            <a:ext cx="2520280" cy="400110"/>
           </a:xfrm>
           <a:prstGeom prst="rect">
             <a:avLst/>
@@ -11431,573 +11610,18 @@
           </a:bodyPr>
           <a:lstStyle/>
           <a:p>
-            <a:pPr marL="342900" indent="-342900">
-              <a:lnSpc>
-                <a:spcPct val="150000"/>
-              </a:lnSpc>
-              <a:buClr>
-                <a:srgbClr val="00FFFF"/>
-              </a:buClr>
-              <a:buFont typeface="Wingdings" charset="2"/>
-              <a:buChar char="Ø"/>
-            </a:pPr>
-            <a:r>
-              <a:rPr lang="en-US" altLang="zh-CN" sz="2000" dirty="0" smtClean="0"/>
-              <a:t>/</a:t>
-            </a:r>
-            <a:r>
-              <a:rPr lang="en-US" altLang="zh-CN" sz="2000" dirty="0"/>
-              <a:t>/</a:t>
-            </a:r>
-            <a:r>
-              <a:rPr lang="zh-CN" altLang="en-US" sz="2000" dirty="0"/>
-              <a:t>实例化标签栏控制器</a:t>
-            </a:r>
-          </a:p>
-          <a:p>
-            <a:pPr marL="342900" indent="-342900">
-              <a:lnSpc>
-                <a:spcPct val="150000"/>
-              </a:lnSpc>
-              <a:buClr>
-                <a:srgbClr val="00FFFF"/>
-              </a:buClr>
-              <a:buFont typeface="Wingdings" charset="2"/>
-              <a:buChar char="Ø"/>
-            </a:pPr>
-            <a:r>
-              <a:rPr lang="en-US" altLang="zh-CN" sz="2000" dirty="0" err="1" smtClean="0">
+            <a:pPr algn="ctr"/>
+            <a:r>
+              <a:rPr kumimoji="1" lang="zh-CN" altLang="en-US" sz="2000" dirty="0" smtClean="0">
                 <a:solidFill>
-                  <a:srgbClr val="FFFF00"/>
+                  <a:srgbClr val="8000FF"/>
                 </a:solidFill>
               </a:rPr>
-              <a:t>tabBarCtl</a:t>
-            </a:r>
-            <a:r>
-              <a:rPr lang="en-US" altLang="zh-CN" sz="2000" dirty="0">
-                <a:solidFill>
-                  <a:srgbClr val="FFFF00"/>
-                </a:solidFill>
-              </a:rPr>
-              <a:t>=[[</a:t>
-            </a:r>
-            <a:r>
-              <a:rPr lang="en-US" altLang="zh-CN" sz="2000" dirty="0" err="1">
-                <a:solidFill>
-                  <a:srgbClr val="FFFF00"/>
-                </a:solidFill>
-              </a:rPr>
-              <a:t>UITabBarController</a:t>
-            </a:r>
-            <a:r>
-              <a:rPr lang="en-US" altLang="zh-CN" sz="2000" dirty="0">
-                <a:solidFill>
-                  <a:srgbClr val="FFFF00"/>
-                </a:solidFill>
-              </a:rPr>
-              <a:t> </a:t>
-            </a:r>
-            <a:r>
-              <a:rPr lang="en-US" altLang="zh-CN" sz="2000" dirty="0" err="1">
-                <a:solidFill>
-                  <a:srgbClr val="FFFF00"/>
-                </a:solidFill>
-              </a:rPr>
-              <a:t>alloc</a:t>
-            </a:r>
-            <a:r>
-              <a:rPr lang="en-US" altLang="zh-CN" sz="2000" dirty="0">
-                <a:solidFill>
-                  <a:srgbClr val="FFFF00"/>
-                </a:solidFill>
-              </a:rPr>
-              <a:t>] </a:t>
-            </a:r>
-            <a:r>
-              <a:rPr lang="en-US" altLang="zh-CN" sz="2000" dirty="0" err="1">
-                <a:solidFill>
-                  <a:srgbClr val="FFFF00"/>
-                </a:solidFill>
-              </a:rPr>
-              <a:t>init</a:t>
-            </a:r>
-            <a:r>
-              <a:rPr lang="en-US" altLang="zh-CN" sz="2000" dirty="0">
-                <a:solidFill>
-                  <a:srgbClr val="FFFF00"/>
-                </a:solidFill>
-              </a:rPr>
-              <a:t>];</a:t>
-            </a:r>
-          </a:p>
-          <a:p>
-            <a:pPr marL="342900" indent="-342900">
-              <a:lnSpc>
-                <a:spcPct val="150000"/>
-              </a:lnSpc>
-              <a:buClr>
-                <a:srgbClr val="00FFFF"/>
-              </a:buClr>
-              <a:buFont typeface="Wingdings" charset="2"/>
-              <a:buChar char="Ø"/>
-            </a:pPr>
-            <a:r>
-              <a:rPr lang="en-US" altLang="zh-CN" sz="2000" dirty="0" smtClean="0"/>
-              <a:t>//</a:t>
-            </a:r>
-            <a:r>
-              <a:rPr lang="zh-CN" altLang="en-US" sz="2000" dirty="0" smtClean="0"/>
-              <a:t>实例化视图控制器</a:t>
-            </a:r>
-          </a:p>
-          <a:p>
-            <a:pPr marL="342900" indent="-342900">
-              <a:lnSpc>
-                <a:spcPct val="150000"/>
-              </a:lnSpc>
-              <a:buClr>
-                <a:srgbClr val="00FFFF"/>
-              </a:buClr>
-              <a:buFont typeface="Wingdings" charset="2"/>
-              <a:buChar char="Ø"/>
-            </a:pPr>
-            <a:r>
-              <a:rPr lang="en-US" altLang="zh-CN" sz="2000" dirty="0" err="1" smtClean="0">
-                <a:solidFill>
-                  <a:srgbClr val="FFFF00"/>
-                </a:solidFill>
-              </a:rPr>
-              <a:t>CityViewController</a:t>
-            </a:r>
-            <a:r>
-              <a:rPr lang="en-US" altLang="zh-CN" sz="2000" dirty="0" smtClean="0">
-                <a:solidFill>
-                  <a:srgbClr val="FFFF00"/>
-                </a:solidFill>
-              </a:rPr>
-              <a:t> *</a:t>
-            </a:r>
-            <a:r>
-              <a:rPr lang="en-US" altLang="zh-CN" sz="2000" dirty="0" err="1" smtClean="0">
-                <a:solidFill>
-                  <a:srgbClr val="FFFF00"/>
-                </a:solidFill>
-              </a:rPr>
-              <a:t>cityViewCtl</a:t>
-            </a:r>
-            <a:r>
-              <a:rPr lang="en-US" altLang="zh-CN" sz="2000" dirty="0" smtClean="0">
-                <a:solidFill>
-                  <a:srgbClr val="FFFF00"/>
-                </a:solidFill>
-              </a:rPr>
-              <a:t>=[[</a:t>
-            </a:r>
-            <a:r>
-              <a:rPr lang="en-US" altLang="zh-CN" sz="2000" dirty="0" err="1" smtClean="0">
-                <a:solidFill>
-                  <a:srgbClr val="FFFF00"/>
-                </a:solidFill>
-              </a:rPr>
-              <a:t>CityViewController</a:t>
-            </a:r>
-            <a:r>
-              <a:rPr lang="en-US" altLang="zh-CN" sz="2000" dirty="0" smtClean="0">
-                <a:solidFill>
-                  <a:srgbClr val="FFFF00"/>
-                </a:solidFill>
-              </a:rPr>
-              <a:t> </a:t>
-            </a:r>
-            <a:r>
-              <a:rPr lang="en-US" altLang="zh-CN" sz="2000" dirty="0" err="1" smtClean="0">
-                <a:solidFill>
-                  <a:srgbClr val="FFFF00"/>
-                </a:solidFill>
-              </a:rPr>
-              <a:t>alloc</a:t>
-            </a:r>
-            <a:r>
-              <a:rPr lang="en-US" altLang="zh-CN" sz="2000" dirty="0" smtClean="0">
-                <a:solidFill>
-                  <a:srgbClr val="FFFF00"/>
-                </a:solidFill>
-              </a:rPr>
-              <a:t>] </a:t>
-            </a:r>
-            <a:r>
-              <a:rPr lang="en-US" altLang="zh-CN" sz="2000" dirty="0" err="1" smtClean="0">
-                <a:solidFill>
-                  <a:srgbClr val="FFFF00"/>
-                </a:solidFill>
-              </a:rPr>
-              <a:t>init</a:t>
-            </a:r>
-            <a:r>
-              <a:rPr lang="en-US" altLang="zh-CN" sz="2000" dirty="0" smtClean="0">
-                <a:solidFill>
-                  <a:srgbClr val="FFFF00"/>
-                </a:solidFill>
-              </a:rPr>
-              <a:t>];</a:t>
-            </a:r>
-          </a:p>
-          <a:p>
-            <a:pPr marL="342900" indent="-342900">
-              <a:lnSpc>
-                <a:spcPct val="150000"/>
-              </a:lnSpc>
-              <a:buClr>
-                <a:srgbClr val="00FFFF"/>
-              </a:buClr>
-              <a:buFont typeface="Wingdings" charset="2"/>
-              <a:buChar char="Ø"/>
-            </a:pPr>
-            <a:r>
-              <a:rPr lang="en-US" altLang="zh-CN" sz="2000" dirty="0" err="1" smtClean="0">
-                <a:solidFill>
-                  <a:srgbClr val="FFFF00"/>
-                </a:solidFill>
-                <a:hlinkClick r:id="rId2"/>
-              </a:rPr>
-              <a:t>cityViewCtl.title</a:t>
-            </a:r>
-            <a:r>
-              <a:rPr lang="en-US" altLang="zh-CN" sz="2000" dirty="0" smtClean="0">
-                <a:solidFill>
-                  <a:srgbClr val="FFFF00"/>
-                </a:solidFill>
-                <a:hlinkClick r:id="rId2"/>
-              </a:rPr>
-              <a:t>=@"</a:t>
-            </a:r>
-            <a:r>
-              <a:rPr lang="zh-CN" altLang="en-US" sz="2000" dirty="0" smtClean="0">
-                <a:solidFill>
-                  <a:srgbClr val="FFFF00"/>
-                </a:solidFill>
-                <a:hlinkClick r:id="rId2"/>
-              </a:rPr>
-              <a:t>城市信息</a:t>
-            </a:r>
-            <a:r>
-              <a:rPr lang="en-US" altLang="zh-CN" sz="2000" dirty="0" smtClean="0">
-                <a:solidFill>
-                  <a:srgbClr val="FFFF00"/>
-                </a:solidFill>
-              </a:rPr>
-              <a:t>";</a:t>
-            </a:r>
-          </a:p>
-          <a:p>
-            <a:pPr marL="342900" indent="-342900">
-              <a:lnSpc>
-                <a:spcPct val="150000"/>
-              </a:lnSpc>
-              <a:buClr>
-                <a:srgbClr val="00FFFF"/>
-              </a:buClr>
-              <a:buFont typeface="Wingdings" charset="2"/>
-              <a:buChar char="Ø"/>
-            </a:pPr>
-            <a:r>
-              <a:rPr lang="en-US" altLang="zh-CN" sz="2000" dirty="0" err="1" smtClean="0">
-                <a:solidFill>
-                  <a:srgbClr val="FFFF00"/>
-                </a:solidFill>
-              </a:rPr>
-              <a:t>CityDetailViewController</a:t>
-            </a:r>
-            <a:r>
-              <a:rPr lang="en-US" altLang="zh-CN" sz="2000" dirty="0" smtClean="0">
-                <a:solidFill>
-                  <a:srgbClr val="FFFF00"/>
-                </a:solidFill>
-              </a:rPr>
-              <a:t> *</a:t>
-            </a:r>
-            <a:r>
-              <a:rPr lang="en-US" altLang="zh-CN" sz="2000" dirty="0" err="1" smtClean="0">
-                <a:solidFill>
-                  <a:srgbClr val="FFFF00"/>
-                </a:solidFill>
-              </a:rPr>
-              <a:t>cityDetailViewCtl</a:t>
-            </a:r>
-            <a:r>
-              <a:rPr lang="en-US" altLang="zh-CN" sz="2000" dirty="0" smtClean="0">
-                <a:solidFill>
-                  <a:srgbClr val="FFFF00"/>
-                </a:solidFill>
-              </a:rPr>
-              <a:t>=[[</a:t>
-            </a:r>
-            <a:r>
-              <a:rPr lang="en-US" altLang="zh-CN" sz="2000" dirty="0" err="1" smtClean="0">
-                <a:solidFill>
-                  <a:srgbClr val="FFFF00"/>
-                </a:solidFill>
-              </a:rPr>
-              <a:t>CityDetailViewController</a:t>
-            </a:r>
-            <a:r>
-              <a:rPr lang="en-US" altLang="zh-CN" sz="2000" dirty="0" smtClean="0">
-                <a:solidFill>
-                  <a:srgbClr val="FFFF00"/>
-                </a:solidFill>
-              </a:rPr>
-              <a:t> </a:t>
-            </a:r>
-            <a:r>
-              <a:rPr lang="en-US" altLang="zh-CN" sz="2000" dirty="0" err="1" smtClean="0">
-                <a:solidFill>
-                  <a:srgbClr val="FFFF00"/>
-                </a:solidFill>
-              </a:rPr>
-              <a:t>alloc</a:t>
-            </a:r>
-            <a:r>
-              <a:rPr lang="en-US" altLang="zh-CN" sz="2000" dirty="0" smtClean="0">
-                <a:solidFill>
-                  <a:srgbClr val="FFFF00"/>
-                </a:solidFill>
-              </a:rPr>
-              <a:t>] </a:t>
-            </a:r>
-            <a:r>
-              <a:rPr lang="en-US" altLang="zh-CN" sz="2000" dirty="0" err="1" smtClean="0">
-                <a:solidFill>
-                  <a:srgbClr val="FFFF00"/>
-                </a:solidFill>
-              </a:rPr>
-              <a:t>init</a:t>
-            </a:r>
-            <a:r>
-              <a:rPr lang="en-US" altLang="zh-CN" sz="2000" dirty="0" smtClean="0">
-                <a:solidFill>
-                  <a:srgbClr val="FFFF00"/>
-                </a:solidFill>
-              </a:rPr>
-              <a:t>];</a:t>
-            </a:r>
-          </a:p>
-          <a:p>
-            <a:pPr marL="342900" indent="-342900">
-              <a:lnSpc>
-                <a:spcPct val="150000"/>
-              </a:lnSpc>
-              <a:buClr>
-                <a:srgbClr val="00FFFF"/>
-              </a:buClr>
-              <a:buFont typeface="Wingdings" charset="2"/>
-              <a:buChar char="Ø"/>
-            </a:pPr>
-            <a:r>
-              <a:rPr lang="en-US" altLang="zh-CN" sz="2000" dirty="0" err="1" smtClean="0">
-                <a:solidFill>
-                  <a:srgbClr val="FFFF00"/>
-                </a:solidFill>
-                <a:hlinkClick r:id="rId3"/>
-              </a:rPr>
-              <a:t>cityDetailViewCtl.title</a:t>
-            </a:r>
-            <a:r>
-              <a:rPr lang="en-US" altLang="zh-CN" sz="2000" dirty="0">
-                <a:solidFill>
-                  <a:srgbClr val="FFFF00"/>
-                </a:solidFill>
-                <a:hlinkClick r:id="rId3"/>
-              </a:rPr>
-              <a:t>=@"</a:t>
-            </a:r>
-            <a:r>
-              <a:rPr lang="zh-CN" altLang="en-US" sz="2000" dirty="0">
-                <a:solidFill>
-                  <a:srgbClr val="FFFF00"/>
-                </a:solidFill>
-                <a:hlinkClick r:id="rId3"/>
-              </a:rPr>
-              <a:t>细节信息</a:t>
-            </a:r>
-            <a:r>
-              <a:rPr lang="en-US" altLang="zh-CN" sz="2000" dirty="0">
-                <a:solidFill>
-                  <a:srgbClr val="FFFF00"/>
-                </a:solidFill>
-              </a:rPr>
-              <a:t>";</a:t>
-            </a:r>
-          </a:p>
-          <a:p>
-            <a:pPr marL="342900" indent="-342900">
-              <a:lnSpc>
-                <a:spcPct val="150000"/>
-              </a:lnSpc>
-              <a:buClr>
-                <a:srgbClr val="00FFFF"/>
-              </a:buClr>
-              <a:buFont typeface="Wingdings" charset="2"/>
-              <a:buChar char="Ø"/>
-            </a:pPr>
-            <a:r>
-              <a:rPr lang="en-US" altLang="zh-CN" sz="2000" dirty="0" smtClean="0"/>
-              <a:t>/</a:t>
-            </a:r>
-            <a:r>
-              <a:rPr lang="en-US" altLang="zh-CN" sz="2000" dirty="0"/>
-              <a:t>/</a:t>
-            </a:r>
-            <a:r>
-              <a:rPr lang="zh-CN" altLang="en-US" sz="2000" dirty="0"/>
-              <a:t>实例化导航控制器</a:t>
-            </a:r>
-          </a:p>
-          <a:p>
-            <a:pPr marL="342900" indent="-342900">
-              <a:lnSpc>
-                <a:spcPct val="150000"/>
-              </a:lnSpc>
-              <a:buClr>
-                <a:srgbClr val="00FFFF"/>
-              </a:buClr>
-              <a:buFont typeface="Wingdings" charset="2"/>
-              <a:buChar char="Ø"/>
-            </a:pPr>
-            <a:r>
-              <a:rPr lang="en-US" altLang="zh-CN" sz="2000" dirty="0" err="1" smtClean="0">
-                <a:solidFill>
-                  <a:srgbClr val="FFFF00"/>
-                </a:solidFill>
-              </a:rPr>
-              <a:t>navCtl</a:t>
-            </a:r>
-            <a:r>
-              <a:rPr lang="en-US" altLang="zh-CN" sz="2000" dirty="0">
-                <a:solidFill>
-                  <a:srgbClr val="FFFF00"/>
-                </a:solidFill>
-              </a:rPr>
-              <a:t>=[[</a:t>
-            </a:r>
-            <a:r>
-              <a:rPr lang="en-US" altLang="zh-CN" sz="2000" dirty="0" err="1">
-                <a:solidFill>
-                  <a:srgbClr val="FFFF00"/>
-                </a:solidFill>
-              </a:rPr>
-              <a:t>UINavigationController</a:t>
-            </a:r>
-            <a:r>
-              <a:rPr lang="en-US" altLang="zh-CN" sz="2000" dirty="0">
-                <a:solidFill>
-                  <a:srgbClr val="FFFF00"/>
-                </a:solidFill>
-              </a:rPr>
-              <a:t> </a:t>
-            </a:r>
-            <a:r>
-              <a:rPr lang="en-US" altLang="zh-CN" sz="2000" dirty="0" err="1">
-                <a:solidFill>
-                  <a:srgbClr val="FFFF00"/>
-                </a:solidFill>
-              </a:rPr>
-              <a:t>alloc</a:t>
-            </a:r>
-            <a:r>
-              <a:rPr lang="en-US" altLang="zh-CN" sz="2000" dirty="0">
-                <a:solidFill>
-                  <a:srgbClr val="FFFF00"/>
-                </a:solidFill>
-              </a:rPr>
-              <a:t>] </a:t>
-            </a:r>
-            <a:r>
-              <a:rPr lang="en-US" altLang="zh-CN" sz="2000" dirty="0" err="1">
-                <a:solidFill>
-                  <a:srgbClr val="FFFF00"/>
-                </a:solidFill>
-              </a:rPr>
-              <a:t>init</a:t>
-            </a:r>
-            <a:r>
-              <a:rPr lang="en-US" altLang="zh-CN" sz="2000" dirty="0">
-                <a:solidFill>
-                  <a:srgbClr val="FFFF00"/>
-                </a:solidFill>
-              </a:rPr>
-              <a:t>];</a:t>
-            </a:r>
-          </a:p>
-          <a:p>
-            <a:pPr marL="342900" indent="-342900">
-              <a:lnSpc>
-                <a:spcPct val="150000"/>
-              </a:lnSpc>
-              <a:buClr>
-                <a:srgbClr val="00FFFF"/>
-              </a:buClr>
-              <a:buFont typeface="Wingdings" charset="2"/>
-              <a:buChar char="Ø"/>
-            </a:pPr>
-            <a:r>
-              <a:rPr lang="en-US" altLang="zh-CN" sz="2000" dirty="0" smtClean="0">
-                <a:solidFill>
-                  <a:srgbClr val="FFFF00"/>
-                </a:solidFill>
-              </a:rPr>
-              <a:t>[</a:t>
-            </a:r>
-            <a:r>
-              <a:rPr lang="en-US" altLang="zh-CN" sz="2000" dirty="0" err="1" smtClean="0">
-                <a:solidFill>
-                  <a:srgbClr val="FFFF00"/>
-                </a:solidFill>
-              </a:rPr>
-              <a:t>navCtl</a:t>
-            </a:r>
-            <a:r>
-              <a:rPr lang="en-US" altLang="zh-CN" sz="2000" dirty="0" smtClean="0">
-                <a:solidFill>
-                  <a:srgbClr val="FFFF00"/>
-                </a:solidFill>
-              </a:rPr>
-              <a:t> </a:t>
-            </a:r>
-            <a:r>
-              <a:rPr lang="en-US" altLang="zh-CN" sz="2000" dirty="0" err="1">
-                <a:solidFill>
-                  <a:srgbClr val="FFFF00"/>
-                </a:solidFill>
-              </a:rPr>
-              <a:t>pushViewController:cityDetailViewCtl</a:t>
-            </a:r>
-            <a:r>
-              <a:rPr lang="en-US" altLang="zh-CN" sz="2000" dirty="0">
-                <a:solidFill>
-                  <a:srgbClr val="FFFF00"/>
-                </a:solidFill>
-              </a:rPr>
-              <a:t> </a:t>
-            </a:r>
-            <a:r>
-              <a:rPr lang="en-US" altLang="zh-CN" sz="2000" dirty="0" err="1">
-                <a:solidFill>
-                  <a:srgbClr val="FFFF00"/>
-                </a:solidFill>
-              </a:rPr>
-              <a:t>animated:YES</a:t>
-            </a:r>
-            <a:r>
-              <a:rPr lang="en-US" altLang="zh-CN" sz="2000" dirty="0">
-                <a:solidFill>
-                  <a:srgbClr val="FFFF00"/>
-                </a:solidFill>
-              </a:rPr>
-              <a:t>];</a:t>
+              <a:t>切换视图控制器</a:t>
             </a:r>
             <a:endParaRPr kumimoji="1" lang="zh-CN" altLang="en-US" sz="2000" dirty="0">
               <a:solidFill>
-                <a:srgbClr val="FFFF00"/>
+                <a:srgbClr val="8000FF"/>
               </a:solidFill>
             </a:endParaRPr>
           </a:p>
@@ -12006,7 +11630,7 @@
     </p:spTree>
     <p:extLst>
       <p:ext uri="{BB962C8B-B14F-4D97-AF65-F5344CB8AC3E}">
-        <p14:creationId xmlns:p14="http://schemas.microsoft.com/office/powerpoint/2010/main" val="919760750"/>
+        <p14:creationId xmlns:p14="http://schemas.microsoft.com/office/powerpoint/2010/main" val="1338828018"/>
       </p:ext>
     </p:extLst>
   </p:cSld>
@@ -12167,7 +11791,7 @@
           <a:p>
             <a:r>
               <a:rPr lang="zh-CN" altLang="en-US" b="0" dirty="0"/>
-              <a:t>标签栏控制器案例续</a:t>
+              <a:t>标签栏控制器</a:t>
             </a:r>
             <a:endParaRPr kumimoji="1" lang="zh-CN" altLang="en-US" dirty="0"/>
           </a:p>
@@ -12197,237 +11821,47 @@
           </a:p>
         </p:txBody>
       </p:sp>
-      <p:sp>
-        <p:nvSpPr>
-          <p:cNvPr id="4" name="矩形 3"/>
-          <p:cNvSpPr/>
+      <p:pic>
+        <p:nvPicPr>
+          <p:cNvPr id="5" name="图片 4"/>
+          <p:cNvPicPr>
+            <a:picLocks noChangeAspect="1"/>
+          </p:cNvPicPr>
           <p:nvPr/>
-        </p:nvSpPr>
+        </p:nvPicPr>
+        <p:blipFill>
+          <a:blip r:embed="rId2"/>
+          <a:stretch>
+            <a:fillRect/>
+          </a:stretch>
+        </p:blipFill>
         <p:spPr>
           <a:xfrm>
-            <a:off x="107504" y="1114726"/>
-            <a:ext cx="8820472" cy="5047535"/>
+            <a:off x="1043608" y="1196752"/>
+            <a:ext cx="7157902" cy="5544325"/>
           </a:xfrm>
           <a:prstGeom prst="rect">
             <a:avLst/>
           </a:prstGeom>
         </p:spPr>
-        <p:txBody>
-          <a:bodyPr wrap="square">
-            <a:spAutoFit/>
-          </a:bodyPr>
-          <a:lstStyle/>
-          <a:p>
-            <a:pPr marL="342900" indent="-342900">
-              <a:lnSpc>
-                <a:spcPct val="150000"/>
-              </a:lnSpc>
-              <a:buClr>
-                <a:srgbClr val="00FFFF"/>
-              </a:buClr>
-              <a:buFont typeface="Wingdings" charset="2"/>
-              <a:buChar char="Ø"/>
-            </a:pPr>
-            <a:r>
-              <a:rPr lang="en-US" altLang="zh-CN" sz="2400" dirty="0" smtClean="0"/>
-              <a:t>/</a:t>
-            </a:r>
-            <a:r>
-              <a:rPr lang="en-US" altLang="zh-CN" sz="2400" dirty="0"/>
-              <a:t>/</a:t>
-            </a:r>
-            <a:r>
-              <a:rPr lang="zh-CN" altLang="en-US" sz="2400" dirty="0"/>
-              <a:t>添加所管理的视图控制器</a:t>
-            </a:r>
-          </a:p>
-          <a:p>
-            <a:pPr lvl="1">
-              <a:lnSpc>
-                <a:spcPct val="150000"/>
-              </a:lnSpc>
-            </a:pPr>
-            <a:r>
-              <a:rPr lang="en-US" altLang="zh-CN" sz="2400" dirty="0" err="1"/>
-              <a:t>tabBarCtl.viewControllers</a:t>
-            </a:r>
-            <a:r>
-              <a:rPr lang="en-US" altLang="zh-CN" sz="2400" dirty="0"/>
-              <a:t>=[</a:t>
-            </a:r>
-            <a:r>
-              <a:rPr lang="en-US" altLang="zh-CN" sz="2400" dirty="0" err="1"/>
-              <a:t>NSArray</a:t>
-            </a:r>
-            <a:r>
-              <a:rPr lang="en-US" altLang="zh-CN" sz="2400" dirty="0"/>
-              <a:t> </a:t>
-            </a:r>
-            <a:r>
-              <a:rPr lang="en-US" altLang="zh-CN" sz="2400" dirty="0" err="1"/>
-              <a:t>arrayWithObjects:navCtl,cityViewCtl</a:t>
-            </a:r>
-            <a:r>
-              <a:rPr lang="en-US" altLang="zh-CN" sz="2400" dirty="0"/>
-              <a:t>,</a:t>
-            </a:r>
-          </a:p>
-          <a:p>
-            <a:pPr lvl="1">
-              <a:lnSpc>
-                <a:spcPct val="150000"/>
-              </a:lnSpc>
-            </a:pPr>
-            <a:r>
-              <a:rPr lang="en-US" altLang="zh-CN" sz="2400" dirty="0"/>
-              <a:t>nil];</a:t>
-            </a:r>
-          </a:p>
-          <a:p>
-            <a:pPr lvl="1">
-              <a:lnSpc>
-                <a:spcPct val="150000"/>
-              </a:lnSpc>
-            </a:pPr>
-            <a:r>
-              <a:rPr lang="en-US" altLang="zh-CN" sz="2400" dirty="0"/>
-              <a:t>[</a:t>
-            </a:r>
-            <a:r>
-              <a:rPr lang="en-US" altLang="zh-CN" sz="2400" dirty="0" err="1"/>
-              <a:t>cityViewCtl</a:t>
-            </a:r>
-            <a:r>
-              <a:rPr lang="en-US" altLang="zh-CN" sz="2400" dirty="0"/>
-              <a:t> release];</a:t>
-            </a:r>
-          </a:p>
-          <a:p>
-            <a:pPr lvl="1">
-              <a:lnSpc>
-                <a:spcPct val="150000"/>
-              </a:lnSpc>
-            </a:pPr>
-            <a:r>
-              <a:rPr lang="en-US" altLang="zh-CN" sz="2400" dirty="0"/>
-              <a:t>[</a:t>
-            </a:r>
-            <a:r>
-              <a:rPr lang="en-US" altLang="zh-CN" sz="2400" dirty="0" err="1"/>
-              <a:t>cityDetailViewCtl</a:t>
-            </a:r>
-            <a:r>
-              <a:rPr lang="en-US" altLang="zh-CN" sz="2400" dirty="0"/>
-              <a:t> release];</a:t>
-            </a:r>
-          </a:p>
-          <a:p>
-            <a:pPr lvl="1">
-              <a:lnSpc>
-                <a:spcPct val="150000"/>
-              </a:lnSpc>
-            </a:pPr>
-            <a:r>
-              <a:rPr lang="en-US" altLang="zh-CN" sz="2400" dirty="0"/>
-              <a:t>[</a:t>
-            </a:r>
-            <a:r>
-              <a:rPr lang="en-US" altLang="zh-CN" sz="2400" dirty="0" err="1"/>
-              <a:t>self.window</a:t>
-            </a:r>
-            <a:r>
-              <a:rPr lang="en-US" altLang="zh-CN" sz="2400" dirty="0"/>
-              <a:t> </a:t>
-            </a:r>
-            <a:r>
-              <a:rPr lang="en-US" altLang="zh-CN" sz="2400" dirty="0" err="1"/>
-              <a:t>addSubview:tabBarCtl.view</a:t>
-            </a:r>
-            <a:r>
-              <a:rPr lang="en-US" altLang="zh-CN" sz="2400" dirty="0"/>
-              <a:t>];</a:t>
-            </a:r>
-          </a:p>
-          <a:p>
-            <a:pPr lvl="1">
-              <a:lnSpc>
-                <a:spcPct val="150000"/>
-              </a:lnSpc>
-            </a:pPr>
-            <a:r>
-              <a:rPr lang="en-US" altLang="zh-CN" sz="2400" dirty="0"/>
-              <a:t>[</a:t>
-            </a:r>
-            <a:r>
-              <a:rPr lang="en-US" altLang="zh-CN" sz="2400" dirty="0" err="1"/>
-              <a:t>self.window</a:t>
-            </a:r>
-            <a:r>
-              <a:rPr lang="en-US" altLang="zh-CN" sz="2400" dirty="0"/>
-              <a:t> </a:t>
-            </a:r>
-            <a:r>
-              <a:rPr lang="en-US" altLang="zh-CN" sz="2400" dirty="0" err="1"/>
-              <a:t>makeKeyAndVisible</a:t>
-            </a:r>
-            <a:r>
-              <a:rPr lang="en-US" altLang="zh-CN" sz="2400" dirty="0"/>
-              <a:t>];</a:t>
-            </a:r>
-          </a:p>
-          <a:p>
-            <a:pPr marL="342900" indent="-342900">
-              <a:lnSpc>
-                <a:spcPct val="150000"/>
-              </a:lnSpc>
-              <a:buClr>
-                <a:srgbClr val="00FFFF"/>
-              </a:buClr>
-              <a:buFont typeface="Wingdings" charset="2"/>
-              <a:buChar char="Ø"/>
-            </a:pPr>
-            <a:r>
-              <a:rPr lang="zh-CN" altLang="en-US" sz="2400" dirty="0" smtClean="0">
-                <a:solidFill>
-                  <a:schemeClr val="accent2"/>
-                </a:solidFill>
-              </a:rPr>
-              <a:t>参</a:t>
-            </a:r>
-            <a:r>
-              <a:rPr lang="zh-CN" altLang="en-US" sz="2400" dirty="0">
-                <a:solidFill>
-                  <a:schemeClr val="accent2"/>
-                </a:solidFill>
-              </a:rPr>
-              <a:t>考案例： </a:t>
-            </a:r>
-            <a:r>
-              <a:rPr lang="en-US" altLang="zh-CN" sz="2400" dirty="0" err="1">
-                <a:solidFill>
-                  <a:schemeClr val="accent2"/>
-                </a:solidFill>
-              </a:rPr>
-              <a:t>TabBarControllerDemo</a:t>
-            </a:r>
-            <a:endParaRPr lang="zh-CN" altLang="en-US" sz="2400" dirty="0">
-              <a:solidFill>
-                <a:schemeClr val="accent2"/>
-              </a:solidFill>
-            </a:endParaRPr>
-          </a:p>
-        </p:txBody>
-      </p:sp>
+      </p:pic>
     </p:spTree>
     <p:extLst>
       <p:ext uri="{BB962C8B-B14F-4D97-AF65-F5344CB8AC3E}">
-        <p14:creationId xmlns:p14="http://schemas.microsoft.com/office/powerpoint/2010/main" val="492200801"/>
+        <p14:creationId xmlns:p14="http://schemas.microsoft.com/office/powerpoint/2010/main" val="4165092566"/>
       </p:ext>
     </p:extLst>
   </p:cSld>
   <p:clrMapOvr>
     <a:masterClrMapping/>
   </p:clrMapOvr>
+  <p:timing>
+    <p:tnLst>
+      <p:par>
+        <p:cTn xmlns:p14="http://schemas.microsoft.com/office/powerpoint/2010/main" id="1" dur="indefinite" restart="never" nodeType="tmRoot"/>
+      </p:par>
+    </p:tnLst>
+  </p:timing>
 </p:sld>
 </file>
 
@@ -12465,7 +11899,7 @@
           <a:p>
             <a:r>
               <a:rPr lang="zh-CN" altLang="en-US" b="0" dirty="0"/>
-              <a:t>总结</a:t>
+              <a:t>标签栏控制器</a:t>
             </a:r>
             <a:endParaRPr kumimoji="1" lang="zh-CN" altLang="en-US" dirty="0"/>
           </a:p>
@@ -12497,14 +11931,14 @@
       </p:sp>
       <p:sp>
         <p:nvSpPr>
-          <p:cNvPr id="4" name="文本框 3"/>
+          <p:cNvPr id="5" name="文本框 4"/>
           <p:cNvSpPr txBox="1"/>
           <p:nvPr/>
         </p:nvSpPr>
         <p:spPr>
           <a:xfrm>
-            <a:off x="251520" y="1340768"/>
-            <a:ext cx="8784976" cy="1723549"/>
+            <a:off x="251520" y="1196752"/>
+            <a:ext cx="8568952" cy="5047535"/>
           </a:xfrm>
           <a:prstGeom prst="rect">
             <a:avLst/>
@@ -12528,12 +11962,68 @@
               <a:buChar char="Ø"/>
             </a:pPr>
             <a:r>
-              <a:rPr lang="zh-CN" altLang="en-US" sz="2400" dirty="0" smtClean="0"/>
-              <a:t>表视图</a:t>
+              <a:rPr lang="en-US" altLang="zh-CN" sz="2400" dirty="0" smtClean="0"/>
+              <a:t>.</a:t>
+            </a:r>
+            <a:r>
+              <a:rPr lang="en-US" altLang="zh-CN" sz="2400" dirty="0"/>
+              <a:t>h</a:t>
             </a:r>
             <a:r>
               <a:rPr lang="zh-CN" altLang="en-US" sz="2400" dirty="0"/>
-              <a:t>控制器</a:t>
+              <a:t>中声明标签栏控制器</a:t>
+            </a:r>
+          </a:p>
+          <a:p>
+            <a:pPr marL="800100" lvl="1" indent="-342900">
+              <a:lnSpc>
+                <a:spcPct val="150000"/>
+              </a:lnSpc>
+              <a:buClr>
+                <a:srgbClr val="00FFFF"/>
+              </a:buClr>
+              <a:buFont typeface="Wingdings" charset="2"/>
+              <a:buChar char="Ø"/>
+            </a:pPr>
+            <a:r>
+              <a:rPr lang="da-DK" altLang="zh-CN" sz="2400" dirty="0" err="1" smtClean="0">
+                <a:solidFill>
+                  <a:srgbClr val="FFFF00"/>
+                </a:solidFill>
+              </a:rPr>
+              <a:t>UITabBarController</a:t>
+            </a:r>
+            <a:r>
+              <a:rPr lang="da-DK" altLang="zh-CN" sz="2400" dirty="0" smtClean="0">
+                <a:solidFill>
+                  <a:srgbClr val="FFFF00"/>
+                </a:solidFill>
+              </a:rPr>
+              <a:t> </a:t>
+            </a:r>
+            <a:r>
+              <a:rPr lang="da-DK" altLang="zh-CN" sz="2400" dirty="0">
+                <a:solidFill>
+                  <a:srgbClr val="FFFF00"/>
+                </a:solidFill>
+              </a:rPr>
+              <a:t>*</a:t>
+            </a:r>
+            <a:r>
+              <a:rPr lang="da-DK" altLang="zh-CN" sz="2400" dirty="0" err="1">
+                <a:solidFill>
+                  <a:srgbClr val="FFFF00"/>
+                </a:solidFill>
+              </a:rPr>
+              <a:t>tabBarCtl</a:t>
+            </a:r>
+            <a:r>
+              <a:rPr lang="da-DK" altLang="zh-CN" sz="2400" dirty="0">
+                <a:solidFill>
+                  <a:srgbClr val="FFFF00"/>
+                </a:solidFill>
+              </a:rPr>
+              <a:t>;</a:t>
             </a:r>
           </a:p>
           <a:p>
@@ -12548,12 +12038,173 @@
               <a:buChar char="Ø"/>
             </a:pPr>
             <a:r>
+              <a:rPr lang="en-US" altLang="zh-CN" sz="2400" dirty="0" smtClean="0"/>
+              <a:t>.m</a:t>
+            </a:r>
+            <a:r>
               <a:rPr lang="zh-CN" altLang="en-US" sz="2400" dirty="0" smtClean="0"/>
-              <a:t>导</a:t>
-            </a:r>
-            <a:r>
-              <a:rPr lang="zh-CN" altLang="en-US" sz="2400" dirty="0"/>
-              <a:t>航控制器</a:t>
+              <a:t>中初始化并将其导航</a:t>
+            </a:r>
+            <a:r>
+              <a:rPr lang="en-US" altLang="zh-CN" sz="2400" dirty="0" smtClean="0"/>
+              <a:t>/</a:t>
+            </a:r>
+            <a:r>
+              <a:rPr lang="zh-CN" altLang="en-US" sz="2400" dirty="0" smtClean="0"/>
+              <a:t>视图控制器放到</a:t>
+            </a:r>
+            <a:r>
+              <a:rPr lang="en-US" altLang="zh-CN" sz="2400" dirty="0" err="1" smtClean="0"/>
+              <a:t>viewControllers</a:t>
+            </a:r>
+            <a:r>
+              <a:rPr lang="zh-CN" altLang="en-US" sz="2400" dirty="0" smtClean="0"/>
+              <a:t>数组中</a:t>
+            </a:r>
+            <a:endParaRPr lang="zh-CN" altLang="en-US" sz="2400" dirty="0"/>
+          </a:p>
+          <a:p>
+            <a:pPr marL="800100" lvl="1" indent="-342900">
+              <a:lnSpc>
+                <a:spcPct val="150000"/>
+              </a:lnSpc>
+              <a:buClr>
+                <a:srgbClr val="00FFFF"/>
+              </a:buClr>
+              <a:buFont typeface="Wingdings" charset="2"/>
+              <a:buChar char="Ø"/>
+            </a:pPr>
+            <a:r>
+              <a:rPr lang="en-US" altLang="zh-CN" sz="2400" dirty="0" err="1" smtClean="0">
+                <a:solidFill>
+                  <a:srgbClr val="FFFF00"/>
+                </a:solidFill>
+              </a:rPr>
+              <a:t>tabBarCtl</a:t>
+            </a:r>
+            <a:r>
+              <a:rPr lang="en-US" altLang="zh-CN" sz="2400" dirty="0">
+                <a:solidFill>
+                  <a:srgbClr val="FFFF00"/>
+                </a:solidFill>
+              </a:rPr>
+              <a:t>=[[</a:t>
+            </a:r>
+            <a:r>
+              <a:rPr lang="en-US" altLang="zh-CN" sz="2400" dirty="0" err="1">
+                <a:solidFill>
+                  <a:srgbClr val="FFFF00"/>
+                </a:solidFill>
+              </a:rPr>
+              <a:t>UITabBarController</a:t>
+            </a:r>
+            <a:r>
+              <a:rPr lang="en-US" altLang="zh-CN" sz="2400" dirty="0">
+                <a:solidFill>
+                  <a:srgbClr val="FFFF00"/>
+                </a:solidFill>
+              </a:rPr>
+              <a:t> </a:t>
+            </a:r>
+            <a:r>
+              <a:rPr lang="en-US" altLang="zh-CN" sz="2400" dirty="0" err="1">
+                <a:solidFill>
+                  <a:srgbClr val="FFFF00"/>
+                </a:solidFill>
+              </a:rPr>
+              <a:t>alloc</a:t>
+            </a:r>
+            <a:r>
+              <a:rPr lang="en-US" altLang="zh-CN" sz="2400" dirty="0">
+                <a:solidFill>
+                  <a:srgbClr val="FFFF00"/>
+                </a:solidFill>
+              </a:rPr>
+              <a:t>] </a:t>
+            </a:r>
+            <a:r>
+              <a:rPr lang="en-US" altLang="zh-CN" sz="2400" dirty="0" err="1">
+                <a:solidFill>
+                  <a:srgbClr val="FFFF00"/>
+                </a:solidFill>
+              </a:rPr>
+              <a:t>init</a:t>
+            </a:r>
+            <a:r>
+              <a:rPr lang="en-US" altLang="zh-CN" sz="2400" dirty="0">
+                <a:solidFill>
+                  <a:srgbClr val="FFFF00"/>
+                </a:solidFill>
+              </a:rPr>
+              <a:t>];</a:t>
+            </a:r>
+          </a:p>
+          <a:p>
+            <a:pPr marL="800100" lvl="1" indent="-342900">
+              <a:lnSpc>
+                <a:spcPct val="150000"/>
+              </a:lnSpc>
+              <a:buClr>
+                <a:srgbClr val="00FFFF"/>
+              </a:buClr>
+              <a:buFont typeface="Wingdings" charset="2"/>
+              <a:buChar char="Ø"/>
+            </a:pPr>
+            <a:r>
+              <a:rPr lang="en-US" altLang="zh-CN" sz="2400" dirty="0" err="1" smtClean="0">
+                <a:solidFill>
+                  <a:srgbClr val="FFFF00"/>
+                </a:solidFill>
+              </a:rPr>
+              <a:t>tabBarCtl.viewControllers</a:t>
+            </a:r>
+            <a:r>
+              <a:rPr lang="en-US" altLang="zh-CN" sz="2400" dirty="0">
+                <a:solidFill>
+                  <a:srgbClr val="FFFF00"/>
+                </a:solidFill>
+              </a:rPr>
+              <a:t>=[</a:t>
+            </a:r>
+            <a:r>
+              <a:rPr lang="en-US" altLang="zh-CN" sz="2400" dirty="0" err="1" smtClean="0">
+                <a:solidFill>
+                  <a:srgbClr val="FFFF00"/>
+                </a:solidFill>
+              </a:rPr>
+              <a:t>NSArray</a:t>
+            </a:r>
+            <a:r>
+              <a:rPr lang="zh-CN" altLang="zh-CN" sz="2400" dirty="0">
+                <a:solidFill>
+                  <a:srgbClr val="FFFF00"/>
+                </a:solidFill>
+              </a:rPr>
+              <a:t> </a:t>
+            </a:r>
+            <a:r>
+              <a:rPr lang="en-US" altLang="zh-CN" sz="2400" dirty="0" err="1" smtClean="0">
+                <a:solidFill>
+                  <a:srgbClr val="FFFF00"/>
+                </a:solidFill>
+              </a:rPr>
+              <a:t>arrayWithObjects:navController</a:t>
+            </a:r>
+            <a:r>
+              <a:rPr lang="en-US" altLang="zh-CN" sz="2400" dirty="0" err="1">
+                <a:solidFill>
+                  <a:srgbClr val="FFFF00"/>
+                </a:solidFill>
+              </a:rPr>
+              <a:t>,aViewCtl,nil</a:t>
+            </a:r>
+            <a:r>
+              <a:rPr lang="en-US" altLang="zh-CN" sz="2400" dirty="0">
+                <a:solidFill>
+                  <a:srgbClr val="FFFF00"/>
+                </a:solidFill>
+              </a:rPr>
+              <a:t>]</a:t>
             </a:r>
           </a:p>
           <a:p>
@@ -12569,17 +12220,1222 @@
             </a:pPr>
             <a:r>
               <a:rPr lang="zh-CN" altLang="en-US" sz="2400" dirty="0" smtClean="0"/>
-              <a:t>标签栏</a:t>
+              <a:t>将标签栏</a:t>
             </a:r>
             <a:r>
               <a:rPr lang="zh-CN" altLang="en-US" sz="2400" dirty="0"/>
-              <a:t>控制器</a:t>
+              <a:t>控制器的</a:t>
+            </a:r>
+            <a:r>
+              <a:rPr lang="en-US" altLang="zh-CN" sz="2400" dirty="0"/>
+              <a:t>view</a:t>
+            </a:r>
+            <a:r>
+              <a:rPr lang="zh-CN" altLang="en-US" sz="2400" dirty="0"/>
+              <a:t>添加到</a:t>
+            </a:r>
+            <a:r>
+              <a:rPr lang="en-US" altLang="zh-CN" sz="2400" dirty="0"/>
+              <a:t>window</a:t>
+            </a:r>
+          </a:p>
+          <a:p>
+            <a:pPr marL="800100" lvl="1" indent="-342900">
+              <a:lnSpc>
+                <a:spcPct val="150000"/>
+              </a:lnSpc>
+              <a:buClr>
+                <a:srgbClr val="00FFFF"/>
+              </a:buClr>
+              <a:buFont typeface="Wingdings" charset="2"/>
+              <a:buChar char="Ø"/>
+            </a:pPr>
+            <a:r>
+              <a:rPr lang="en-US" altLang="zh-CN" sz="2400" dirty="0" smtClean="0">
+                <a:solidFill>
+                  <a:srgbClr val="FFFF00"/>
+                </a:solidFill>
+              </a:rPr>
+              <a:t>[</a:t>
+            </a:r>
+            <a:r>
+              <a:rPr lang="en-US" altLang="zh-CN" sz="2400" dirty="0">
+                <a:solidFill>
+                  <a:srgbClr val="FFFF00"/>
+                </a:solidFill>
+              </a:rPr>
+              <a:t>window </a:t>
+            </a:r>
+            <a:r>
+              <a:rPr lang="en-US" altLang="zh-CN" sz="2400" dirty="0" err="1">
+                <a:solidFill>
+                  <a:srgbClr val="FFFF00"/>
+                </a:solidFill>
+              </a:rPr>
+              <a:t>addSubView:tabBarCtl.view</a:t>
+            </a:r>
+            <a:r>
+              <a:rPr lang="en-US" altLang="zh-CN" sz="2400" dirty="0">
+                <a:solidFill>
+                  <a:srgbClr val="FFFF00"/>
+                </a:solidFill>
+              </a:rPr>
+              <a:t>]</a:t>
             </a:r>
             <a:endParaRPr kumimoji="1" lang="zh-CN" altLang="en-US" sz="2400" dirty="0">
               <a:solidFill>
                 <a:srgbClr val="FFFF00"/>
               </a:solidFill>
             </a:endParaRPr>
+          </a:p>
+        </p:txBody>
+      </p:sp>
+    </p:spTree>
+    <p:extLst>
+      <p:ext uri="{BB962C8B-B14F-4D97-AF65-F5344CB8AC3E}">
+        <p14:creationId xmlns:p14="http://schemas.microsoft.com/office/powerpoint/2010/main" val="730667310"/>
+      </p:ext>
+    </p:extLst>
+  </p:cSld>
+  <p:clrMapOvr>
+    <a:masterClrMapping/>
+  </p:clrMapOvr>
+  <p:timing>
+    <p:tnLst>
+      <p:par>
+        <p:cTn xmlns:p14="http://schemas.microsoft.com/office/powerpoint/2010/main" id="1" dur="indefinite" restart="never" nodeType="tmRoot"/>
+      </p:par>
+    </p:tnLst>
+  </p:timing>
+</p:sld>
+</file>
+
+<file path=ppt/slides/slide22.xml><?xml version="1.0" encoding="utf-8"?>
+<p:sld xmlns:a="http://schemas.openxmlformats.org/drawingml/2006/main" xmlns:r="http://schemas.openxmlformats.org/officeDocument/2006/relationships" xmlns:p="http://schemas.openxmlformats.org/presentationml/2006/main">
+  <p:cSld>
+    <p:spTree>
+      <p:nvGrpSpPr>
+        <p:cNvPr id="1" name=""/>
+        <p:cNvGrpSpPr/>
+        <p:nvPr/>
+      </p:nvGrpSpPr>
+      <p:grpSpPr>
+        <a:xfrm>
+          <a:off x="0" y="0"/>
+          <a:ext cx="0" cy="0"/>
+          <a:chOff x="0" y="0"/>
+          <a:chExt cx="0" cy="0"/>
+        </a:xfrm>
+      </p:grpSpPr>
+      <p:sp>
+        <p:nvSpPr>
+          <p:cNvPr id="2" name="标题 1"/>
+          <p:cNvSpPr>
+            <a:spLocks noGrp="1"/>
+          </p:cNvSpPr>
+          <p:nvPr>
+            <p:ph type="title"/>
+          </p:nvPr>
+        </p:nvSpPr>
+        <p:spPr/>
+        <p:txBody>
+          <a:bodyPr/>
+          <a:lstStyle/>
+          <a:p>
+            <a:r>
+              <a:rPr lang="zh-CN" altLang="en-US" b="0" dirty="0"/>
+              <a:t>标签栏控制器案例</a:t>
+            </a:r>
+            <a:endParaRPr kumimoji="1" lang="zh-CN" altLang="en-US" dirty="0"/>
+          </a:p>
+        </p:txBody>
+      </p:sp>
+      <p:sp>
+        <p:nvSpPr>
+          <p:cNvPr id="3" name="幻灯片编号占位符 2"/>
+          <p:cNvSpPr>
+            <a:spLocks noGrp="1"/>
+          </p:cNvSpPr>
+          <p:nvPr>
+            <p:ph type="sldNum" sz="quarter" idx="4"/>
+          </p:nvPr>
+        </p:nvSpPr>
+        <p:spPr/>
+        <p:txBody>
+          <a:bodyPr/>
+          <a:lstStyle/>
+          <a:p>
+            <a:fld id="{BF10DB53-D7D3-4DB6-A29F-40217B92EC88}" type="slidenum">
+              <a:rPr lang="en-US" smtClean="0"/>
+              <a:pPr/>
+              <a:t>21</a:t>
+            </a:fld>
+            <a:endParaRPr lang="en-US" dirty="0"/>
+          </a:p>
+        </p:txBody>
+      </p:sp>
+      <p:sp>
+        <p:nvSpPr>
+          <p:cNvPr id="4" name="文本框 3"/>
+          <p:cNvSpPr txBox="1"/>
+          <p:nvPr/>
+        </p:nvSpPr>
+        <p:spPr>
+          <a:xfrm>
+            <a:off x="179512" y="1225688"/>
+            <a:ext cx="8424936" cy="5144998"/>
+          </a:xfrm>
+          <a:prstGeom prst="rect">
+            <a:avLst/>
+          </a:prstGeom>
+          <a:noFill/>
+        </p:spPr>
+        <p:txBody>
+          <a:bodyPr wrap="square" rtlCol="0">
+            <a:spAutoFit/>
+          </a:bodyPr>
+          <a:lstStyle/>
+          <a:p>
+            <a:pPr marL="342900" indent="-342900">
+              <a:lnSpc>
+                <a:spcPct val="150000"/>
+              </a:lnSpc>
+              <a:buClr>
+                <a:srgbClr val="00FFFF"/>
+              </a:buClr>
+              <a:buFont typeface="Wingdings" charset="2"/>
+              <a:buChar char="Ø"/>
+            </a:pPr>
+            <a:r>
+              <a:rPr lang="en-US" altLang="zh-CN" sz="2000" dirty="0" smtClean="0"/>
+              <a:t>/</a:t>
+            </a:r>
+            <a:r>
+              <a:rPr lang="en-US" altLang="zh-CN" sz="2000" dirty="0"/>
+              <a:t>/</a:t>
+            </a:r>
+            <a:r>
+              <a:rPr lang="zh-CN" altLang="en-US" sz="2000" dirty="0"/>
+              <a:t>实例化标签栏控制器</a:t>
+            </a:r>
+          </a:p>
+          <a:p>
+            <a:pPr marL="342900" indent="-342900">
+              <a:lnSpc>
+                <a:spcPct val="150000"/>
+              </a:lnSpc>
+              <a:buClr>
+                <a:srgbClr val="00FFFF"/>
+              </a:buClr>
+              <a:buFont typeface="Wingdings" charset="2"/>
+              <a:buChar char="Ø"/>
+            </a:pPr>
+            <a:r>
+              <a:rPr lang="en-US" altLang="zh-CN" sz="2000" dirty="0" err="1" smtClean="0">
+                <a:solidFill>
+                  <a:srgbClr val="FFFF00"/>
+                </a:solidFill>
+              </a:rPr>
+              <a:t>tabBarCtl</a:t>
+            </a:r>
+            <a:r>
+              <a:rPr lang="en-US" altLang="zh-CN" sz="2000" dirty="0">
+                <a:solidFill>
+                  <a:srgbClr val="FFFF00"/>
+                </a:solidFill>
+              </a:rPr>
+              <a:t>=[[</a:t>
+            </a:r>
+            <a:r>
+              <a:rPr lang="en-US" altLang="zh-CN" sz="2000" dirty="0" err="1">
+                <a:solidFill>
+                  <a:srgbClr val="FFFF00"/>
+                </a:solidFill>
+              </a:rPr>
+              <a:t>UITabBarController</a:t>
+            </a:r>
+            <a:r>
+              <a:rPr lang="en-US" altLang="zh-CN" sz="2000" dirty="0">
+                <a:solidFill>
+                  <a:srgbClr val="FFFF00"/>
+                </a:solidFill>
+              </a:rPr>
+              <a:t> </a:t>
+            </a:r>
+            <a:r>
+              <a:rPr lang="en-US" altLang="zh-CN" sz="2000" dirty="0" err="1">
+                <a:solidFill>
+                  <a:srgbClr val="FFFF00"/>
+                </a:solidFill>
+              </a:rPr>
+              <a:t>alloc</a:t>
+            </a:r>
+            <a:r>
+              <a:rPr lang="en-US" altLang="zh-CN" sz="2000" dirty="0">
+                <a:solidFill>
+                  <a:srgbClr val="FFFF00"/>
+                </a:solidFill>
+              </a:rPr>
+              <a:t>] </a:t>
+            </a:r>
+            <a:r>
+              <a:rPr lang="en-US" altLang="zh-CN" sz="2000" dirty="0" err="1">
+                <a:solidFill>
+                  <a:srgbClr val="FFFF00"/>
+                </a:solidFill>
+              </a:rPr>
+              <a:t>init</a:t>
+            </a:r>
+            <a:r>
+              <a:rPr lang="en-US" altLang="zh-CN" sz="2000" dirty="0">
+                <a:solidFill>
+                  <a:srgbClr val="FFFF00"/>
+                </a:solidFill>
+              </a:rPr>
+              <a:t>];</a:t>
+            </a:r>
+          </a:p>
+          <a:p>
+            <a:pPr marL="342900" indent="-342900">
+              <a:lnSpc>
+                <a:spcPct val="150000"/>
+              </a:lnSpc>
+              <a:buClr>
+                <a:srgbClr val="00FFFF"/>
+              </a:buClr>
+              <a:buFont typeface="Wingdings" charset="2"/>
+              <a:buChar char="Ø"/>
+            </a:pPr>
+            <a:r>
+              <a:rPr lang="en-US" altLang="zh-CN" sz="2000" dirty="0" smtClean="0"/>
+              <a:t>//</a:t>
+            </a:r>
+            <a:r>
+              <a:rPr lang="zh-CN" altLang="en-US" sz="2000" dirty="0" smtClean="0"/>
+              <a:t>实例化视图控制器</a:t>
+            </a:r>
+          </a:p>
+          <a:p>
+            <a:pPr marL="342900" indent="-342900">
+              <a:lnSpc>
+                <a:spcPct val="150000"/>
+              </a:lnSpc>
+              <a:buClr>
+                <a:srgbClr val="00FFFF"/>
+              </a:buClr>
+              <a:buFont typeface="Wingdings" charset="2"/>
+              <a:buChar char="Ø"/>
+            </a:pPr>
+            <a:r>
+              <a:rPr lang="en-US" altLang="zh-CN" sz="2000" dirty="0" err="1" smtClean="0">
+                <a:solidFill>
+                  <a:srgbClr val="FFFF00"/>
+                </a:solidFill>
+              </a:rPr>
+              <a:t>CityViewController</a:t>
+            </a:r>
+            <a:r>
+              <a:rPr lang="en-US" altLang="zh-CN" sz="2000" dirty="0" smtClean="0">
+                <a:solidFill>
+                  <a:srgbClr val="FFFF00"/>
+                </a:solidFill>
+              </a:rPr>
+              <a:t> *</a:t>
+            </a:r>
+            <a:r>
+              <a:rPr lang="en-US" altLang="zh-CN" sz="2000" dirty="0" err="1" smtClean="0">
+                <a:solidFill>
+                  <a:srgbClr val="FFFF00"/>
+                </a:solidFill>
+              </a:rPr>
+              <a:t>cityViewCtl</a:t>
+            </a:r>
+            <a:r>
+              <a:rPr lang="en-US" altLang="zh-CN" sz="2000" dirty="0" smtClean="0">
+                <a:solidFill>
+                  <a:srgbClr val="FFFF00"/>
+                </a:solidFill>
+              </a:rPr>
+              <a:t>=[[</a:t>
+            </a:r>
+            <a:r>
+              <a:rPr lang="en-US" altLang="zh-CN" sz="2000" dirty="0" err="1" smtClean="0">
+                <a:solidFill>
+                  <a:srgbClr val="FFFF00"/>
+                </a:solidFill>
+              </a:rPr>
+              <a:t>CityViewController</a:t>
+            </a:r>
+            <a:r>
+              <a:rPr lang="en-US" altLang="zh-CN" sz="2000" dirty="0" smtClean="0">
+                <a:solidFill>
+                  <a:srgbClr val="FFFF00"/>
+                </a:solidFill>
+              </a:rPr>
+              <a:t> </a:t>
+            </a:r>
+            <a:r>
+              <a:rPr lang="en-US" altLang="zh-CN" sz="2000" dirty="0" err="1" smtClean="0">
+                <a:solidFill>
+                  <a:srgbClr val="FFFF00"/>
+                </a:solidFill>
+              </a:rPr>
+              <a:t>alloc</a:t>
+            </a:r>
+            <a:r>
+              <a:rPr lang="en-US" altLang="zh-CN" sz="2000" dirty="0" smtClean="0">
+                <a:solidFill>
+                  <a:srgbClr val="FFFF00"/>
+                </a:solidFill>
+              </a:rPr>
+              <a:t>] </a:t>
+            </a:r>
+            <a:r>
+              <a:rPr lang="en-US" altLang="zh-CN" sz="2000" dirty="0" err="1" smtClean="0">
+                <a:solidFill>
+                  <a:srgbClr val="FFFF00"/>
+                </a:solidFill>
+              </a:rPr>
+              <a:t>init</a:t>
+            </a:r>
+            <a:r>
+              <a:rPr lang="en-US" altLang="zh-CN" sz="2000" dirty="0" smtClean="0">
+                <a:solidFill>
+                  <a:srgbClr val="FFFF00"/>
+                </a:solidFill>
+              </a:rPr>
+              <a:t>];</a:t>
+            </a:r>
+          </a:p>
+          <a:p>
+            <a:pPr marL="342900" indent="-342900">
+              <a:lnSpc>
+                <a:spcPct val="150000"/>
+              </a:lnSpc>
+              <a:buClr>
+                <a:srgbClr val="00FFFF"/>
+              </a:buClr>
+              <a:buFont typeface="Wingdings" charset="2"/>
+              <a:buChar char="Ø"/>
+            </a:pPr>
+            <a:r>
+              <a:rPr lang="en-US" altLang="zh-CN" sz="2000" dirty="0" err="1" smtClean="0">
+                <a:solidFill>
+                  <a:srgbClr val="FFFF00"/>
+                </a:solidFill>
+                <a:hlinkClick r:id="rId2"/>
+              </a:rPr>
+              <a:t>cityViewCtl.title</a:t>
+            </a:r>
+            <a:r>
+              <a:rPr lang="en-US" altLang="zh-CN" sz="2000" dirty="0" smtClean="0">
+                <a:solidFill>
+                  <a:srgbClr val="FFFF00"/>
+                </a:solidFill>
+                <a:hlinkClick r:id="rId2"/>
+              </a:rPr>
+              <a:t>=@"</a:t>
+            </a:r>
+            <a:r>
+              <a:rPr lang="zh-CN" altLang="en-US" sz="2000" dirty="0" smtClean="0">
+                <a:solidFill>
+                  <a:srgbClr val="FFFF00"/>
+                </a:solidFill>
+                <a:hlinkClick r:id="rId2"/>
+              </a:rPr>
+              <a:t>城市信息</a:t>
+            </a:r>
+            <a:r>
+              <a:rPr lang="en-US" altLang="zh-CN" sz="2000" dirty="0" smtClean="0">
+                <a:solidFill>
+                  <a:srgbClr val="FFFF00"/>
+                </a:solidFill>
+              </a:rPr>
+              <a:t>";</a:t>
+            </a:r>
+          </a:p>
+          <a:p>
+            <a:pPr marL="342900" indent="-342900">
+              <a:lnSpc>
+                <a:spcPct val="150000"/>
+              </a:lnSpc>
+              <a:buClr>
+                <a:srgbClr val="00FFFF"/>
+              </a:buClr>
+              <a:buFont typeface="Wingdings" charset="2"/>
+              <a:buChar char="Ø"/>
+            </a:pPr>
+            <a:r>
+              <a:rPr lang="en-US" altLang="zh-CN" sz="2000" dirty="0" err="1" smtClean="0">
+                <a:solidFill>
+                  <a:srgbClr val="FFFF00"/>
+                </a:solidFill>
+              </a:rPr>
+              <a:t>CityDetailViewController</a:t>
+            </a:r>
+            <a:r>
+              <a:rPr lang="en-US" altLang="zh-CN" sz="2000" dirty="0" smtClean="0">
+                <a:solidFill>
+                  <a:srgbClr val="FFFF00"/>
+                </a:solidFill>
+              </a:rPr>
+              <a:t> *</a:t>
+            </a:r>
+            <a:r>
+              <a:rPr lang="en-US" altLang="zh-CN" sz="2000" dirty="0" err="1" smtClean="0">
+                <a:solidFill>
+                  <a:srgbClr val="FFFF00"/>
+                </a:solidFill>
+              </a:rPr>
+              <a:t>cityDetailViewCtl</a:t>
+            </a:r>
+            <a:r>
+              <a:rPr lang="en-US" altLang="zh-CN" sz="2000" dirty="0" smtClean="0">
+                <a:solidFill>
+                  <a:srgbClr val="FFFF00"/>
+                </a:solidFill>
+              </a:rPr>
+              <a:t>=[[</a:t>
+            </a:r>
+            <a:r>
+              <a:rPr lang="en-US" altLang="zh-CN" sz="2000" dirty="0" err="1" smtClean="0">
+                <a:solidFill>
+                  <a:srgbClr val="FFFF00"/>
+                </a:solidFill>
+              </a:rPr>
+              <a:t>CityDetailViewController</a:t>
+            </a:r>
+            <a:r>
+              <a:rPr lang="en-US" altLang="zh-CN" sz="2000" dirty="0" smtClean="0">
+                <a:solidFill>
+                  <a:srgbClr val="FFFF00"/>
+                </a:solidFill>
+              </a:rPr>
+              <a:t> </a:t>
+            </a:r>
+            <a:r>
+              <a:rPr lang="en-US" altLang="zh-CN" sz="2000" dirty="0" err="1" smtClean="0">
+                <a:solidFill>
+                  <a:srgbClr val="FFFF00"/>
+                </a:solidFill>
+              </a:rPr>
+              <a:t>alloc</a:t>
+            </a:r>
+            <a:r>
+              <a:rPr lang="en-US" altLang="zh-CN" sz="2000" dirty="0" smtClean="0">
+                <a:solidFill>
+                  <a:srgbClr val="FFFF00"/>
+                </a:solidFill>
+              </a:rPr>
+              <a:t>] </a:t>
+            </a:r>
+            <a:r>
+              <a:rPr lang="en-US" altLang="zh-CN" sz="2000" dirty="0" err="1" smtClean="0">
+                <a:solidFill>
+                  <a:srgbClr val="FFFF00"/>
+                </a:solidFill>
+              </a:rPr>
+              <a:t>init</a:t>
+            </a:r>
+            <a:r>
+              <a:rPr lang="en-US" altLang="zh-CN" sz="2000" dirty="0" smtClean="0">
+                <a:solidFill>
+                  <a:srgbClr val="FFFF00"/>
+                </a:solidFill>
+              </a:rPr>
+              <a:t>];</a:t>
+            </a:r>
+          </a:p>
+          <a:p>
+            <a:pPr marL="342900" indent="-342900">
+              <a:lnSpc>
+                <a:spcPct val="150000"/>
+              </a:lnSpc>
+              <a:buClr>
+                <a:srgbClr val="00FFFF"/>
+              </a:buClr>
+              <a:buFont typeface="Wingdings" charset="2"/>
+              <a:buChar char="Ø"/>
+            </a:pPr>
+            <a:r>
+              <a:rPr lang="en-US" altLang="zh-CN" sz="2000" dirty="0" err="1" smtClean="0">
+                <a:solidFill>
+                  <a:srgbClr val="FFFF00"/>
+                </a:solidFill>
+                <a:hlinkClick r:id="rId3"/>
+              </a:rPr>
+              <a:t>cityDetailViewCtl.title</a:t>
+            </a:r>
+            <a:r>
+              <a:rPr lang="en-US" altLang="zh-CN" sz="2000" dirty="0">
+                <a:solidFill>
+                  <a:srgbClr val="FFFF00"/>
+                </a:solidFill>
+                <a:hlinkClick r:id="rId3"/>
+              </a:rPr>
+              <a:t>=@"</a:t>
+            </a:r>
+            <a:r>
+              <a:rPr lang="zh-CN" altLang="en-US" sz="2000" dirty="0">
+                <a:solidFill>
+                  <a:srgbClr val="FFFF00"/>
+                </a:solidFill>
+                <a:hlinkClick r:id="rId3"/>
+              </a:rPr>
+              <a:t>细节信息</a:t>
+            </a:r>
+            <a:r>
+              <a:rPr lang="en-US" altLang="zh-CN" sz="2000" dirty="0">
+                <a:solidFill>
+                  <a:srgbClr val="FFFF00"/>
+                </a:solidFill>
+              </a:rPr>
+              <a:t>";</a:t>
+            </a:r>
+          </a:p>
+          <a:p>
+            <a:pPr marL="342900" indent="-342900">
+              <a:lnSpc>
+                <a:spcPct val="150000"/>
+              </a:lnSpc>
+              <a:buClr>
+                <a:srgbClr val="00FFFF"/>
+              </a:buClr>
+              <a:buFont typeface="Wingdings" charset="2"/>
+              <a:buChar char="Ø"/>
+            </a:pPr>
+            <a:r>
+              <a:rPr lang="en-US" altLang="zh-CN" sz="2000" dirty="0" smtClean="0"/>
+              <a:t>/</a:t>
+            </a:r>
+            <a:r>
+              <a:rPr lang="en-US" altLang="zh-CN" sz="2000" dirty="0"/>
+              <a:t>/</a:t>
+            </a:r>
+            <a:r>
+              <a:rPr lang="zh-CN" altLang="en-US" sz="2000" dirty="0"/>
+              <a:t>实例化导航控制器</a:t>
+            </a:r>
+          </a:p>
+          <a:p>
+            <a:pPr marL="342900" indent="-342900">
+              <a:lnSpc>
+                <a:spcPct val="150000"/>
+              </a:lnSpc>
+              <a:buClr>
+                <a:srgbClr val="00FFFF"/>
+              </a:buClr>
+              <a:buFont typeface="Wingdings" charset="2"/>
+              <a:buChar char="Ø"/>
+            </a:pPr>
+            <a:r>
+              <a:rPr lang="en-US" altLang="zh-CN" sz="2000" dirty="0" err="1" smtClean="0">
+                <a:solidFill>
+                  <a:srgbClr val="FFFF00"/>
+                </a:solidFill>
+              </a:rPr>
+              <a:t>navCtl</a:t>
+            </a:r>
+            <a:r>
+              <a:rPr lang="en-US" altLang="zh-CN" sz="2000" dirty="0">
+                <a:solidFill>
+                  <a:srgbClr val="FFFF00"/>
+                </a:solidFill>
+              </a:rPr>
+              <a:t>=[[</a:t>
+            </a:r>
+            <a:r>
+              <a:rPr lang="en-US" altLang="zh-CN" sz="2000" dirty="0" err="1">
+                <a:solidFill>
+                  <a:srgbClr val="FFFF00"/>
+                </a:solidFill>
+              </a:rPr>
+              <a:t>UINavigationController</a:t>
+            </a:r>
+            <a:r>
+              <a:rPr lang="en-US" altLang="zh-CN" sz="2000" dirty="0">
+                <a:solidFill>
+                  <a:srgbClr val="FFFF00"/>
+                </a:solidFill>
+              </a:rPr>
+              <a:t> </a:t>
+            </a:r>
+            <a:r>
+              <a:rPr lang="en-US" altLang="zh-CN" sz="2000" dirty="0" err="1">
+                <a:solidFill>
+                  <a:srgbClr val="FFFF00"/>
+                </a:solidFill>
+              </a:rPr>
+              <a:t>alloc</a:t>
+            </a:r>
+            <a:r>
+              <a:rPr lang="en-US" altLang="zh-CN" sz="2000" dirty="0">
+                <a:solidFill>
+                  <a:srgbClr val="FFFF00"/>
+                </a:solidFill>
+              </a:rPr>
+              <a:t>] </a:t>
+            </a:r>
+            <a:r>
+              <a:rPr lang="en-US" altLang="zh-CN" sz="2000" dirty="0" err="1">
+                <a:solidFill>
+                  <a:srgbClr val="FFFF00"/>
+                </a:solidFill>
+              </a:rPr>
+              <a:t>init</a:t>
+            </a:r>
+            <a:r>
+              <a:rPr lang="en-US" altLang="zh-CN" sz="2000" dirty="0">
+                <a:solidFill>
+                  <a:srgbClr val="FFFF00"/>
+                </a:solidFill>
+              </a:rPr>
+              <a:t>];</a:t>
+            </a:r>
+          </a:p>
+          <a:p>
+            <a:pPr marL="342900" indent="-342900">
+              <a:lnSpc>
+                <a:spcPct val="150000"/>
+              </a:lnSpc>
+              <a:buClr>
+                <a:srgbClr val="00FFFF"/>
+              </a:buClr>
+              <a:buFont typeface="Wingdings" charset="2"/>
+              <a:buChar char="Ø"/>
+            </a:pPr>
+            <a:r>
+              <a:rPr lang="en-US" altLang="zh-CN" sz="2000" dirty="0" smtClean="0">
+                <a:solidFill>
+                  <a:srgbClr val="FFFF00"/>
+                </a:solidFill>
+              </a:rPr>
+              <a:t>[</a:t>
+            </a:r>
+            <a:r>
+              <a:rPr lang="en-US" altLang="zh-CN" sz="2000" dirty="0" err="1" smtClean="0">
+                <a:solidFill>
+                  <a:srgbClr val="FFFF00"/>
+                </a:solidFill>
+              </a:rPr>
+              <a:t>navCtl</a:t>
+            </a:r>
+            <a:r>
+              <a:rPr lang="en-US" altLang="zh-CN" sz="2000" dirty="0" smtClean="0">
+                <a:solidFill>
+                  <a:srgbClr val="FFFF00"/>
+                </a:solidFill>
+              </a:rPr>
+              <a:t> </a:t>
+            </a:r>
+            <a:r>
+              <a:rPr lang="en-US" altLang="zh-CN" sz="2000" dirty="0" err="1">
+                <a:solidFill>
+                  <a:srgbClr val="FFFF00"/>
+                </a:solidFill>
+              </a:rPr>
+              <a:t>pushViewController:cityDetailViewCtl</a:t>
+            </a:r>
+            <a:r>
+              <a:rPr lang="en-US" altLang="zh-CN" sz="2000" dirty="0">
+                <a:solidFill>
+                  <a:srgbClr val="FFFF00"/>
+                </a:solidFill>
+              </a:rPr>
+              <a:t> </a:t>
+            </a:r>
+            <a:r>
+              <a:rPr lang="en-US" altLang="zh-CN" sz="2000" dirty="0" err="1">
+                <a:solidFill>
+                  <a:srgbClr val="FFFF00"/>
+                </a:solidFill>
+              </a:rPr>
+              <a:t>animated:YES</a:t>
+            </a:r>
+            <a:r>
+              <a:rPr lang="en-US" altLang="zh-CN" sz="2000" dirty="0">
+                <a:solidFill>
+                  <a:srgbClr val="FFFF00"/>
+                </a:solidFill>
+              </a:rPr>
+              <a:t>];</a:t>
+            </a:r>
+            <a:endParaRPr kumimoji="1" lang="zh-CN" altLang="en-US" sz="2000" dirty="0">
+              <a:solidFill>
+                <a:srgbClr val="FFFF00"/>
+              </a:solidFill>
+            </a:endParaRPr>
+          </a:p>
+        </p:txBody>
+      </p:sp>
+    </p:spTree>
+    <p:extLst>
+      <p:ext uri="{BB962C8B-B14F-4D97-AF65-F5344CB8AC3E}">
+        <p14:creationId xmlns:p14="http://schemas.microsoft.com/office/powerpoint/2010/main" val="919760750"/>
+      </p:ext>
+    </p:extLst>
+  </p:cSld>
+  <p:clrMapOvr>
+    <a:masterClrMapping/>
+  </p:clrMapOvr>
+  <p:timing>
+    <p:tnLst>
+      <p:par>
+        <p:cTn xmlns:p14="http://schemas.microsoft.com/office/powerpoint/2010/main" id="1" dur="indefinite" restart="never" nodeType="tmRoot"/>
+      </p:par>
+    </p:tnLst>
+  </p:timing>
+</p:sld>
+</file>
+
+<file path=ppt/slides/slide23.xml><?xml version="1.0" encoding="utf-8"?>
+<p:sld xmlns:a="http://schemas.openxmlformats.org/drawingml/2006/main" xmlns:r="http://schemas.openxmlformats.org/officeDocument/2006/relationships" xmlns:p="http://schemas.openxmlformats.org/presentationml/2006/main">
+  <p:cSld>
+    <p:spTree>
+      <p:nvGrpSpPr>
+        <p:cNvPr id="1" name=""/>
+        <p:cNvGrpSpPr/>
+        <p:nvPr/>
+      </p:nvGrpSpPr>
+      <p:grpSpPr>
+        <a:xfrm>
+          <a:off x="0" y="0"/>
+          <a:ext cx="0" cy="0"/>
+          <a:chOff x="0" y="0"/>
+          <a:chExt cx="0" cy="0"/>
+        </a:xfrm>
+      </p:grpSpPr>
+      <p:sp>
+        <p:nvSpPr>
+          <p:cNvPr id="2" name="标题 1"/>
+          <p:cNvSpPr>
+            <a:spLocks noGrp="1"/>
+          </p:cNvSpPr>
+          <p:nvPr>
+            <p:ph type="title"/>
+          </p:nvPr>
+        </p:nvSpPr>
+        <p:spPr/>
+        <p:txBody>
+          <a:bodyPr/>
+          <a:lstStyle/>
+          <a:p>
+            <a:r>
+              <a:rPr lang="zh-CN" altLang="en-US" b="0" dirty="0"/>
+              <a:t>标签栏控制器案例续</a:t>
+            </a:r>
+            <a:endParaRPr kumimoji="1" lang="zh-CN" altLang="en-US" dirty="0"/>
+          </a:p>
+        </p:txBody>
+      </p:sp>
+      <p:sp>
+        <p:nvSpPr>
+          <p:cNvPr id="3" name="幻灯片编号占位符 2"/>
+          <p:cNvSpPr>
+            <a:spLocks noGrp="1"/>
+          </p:cNvSpPr>
+          <p:nvPr>
+            <p:ph type="sldNum" sz="quarter" idx="4"/>
+          </p:nvPr>
+        </p:nvSpPr>
+        <p:spPr/>
+        <p:txBody>
+          <a:bodyPr/>
+          <a:lstStyle/>
+          <a:p>
+            <a:fld id="{BF10DB53-D7D3-4DB6-A29F-40217B92EC88}" type="slidenum">
+              <a:rPr lang="en-US" smtClean="0"/>
+              <a:pPr/>
+              <a:t>22</a:t>
+            </a:fld>
+            <a:endParaRPr lang="en-US" dirty="0"/>
+          </a:p>
+        </p:txBody>
+      </p:sp>
+      <p:sp>
+        <p:nvSpPr>
+          <p:cNvPr id="4" name="矩形 3"/>
+          <p:cNvSpPr/>
+          <p:nvPr/>
+        </p:nvSpPr>
+        <p:spPr>
+          <a:xfrm>
+            <a:off x="107504" y="1114726"/>
+            <a:ext cx="8820472" cy="5047535"/>
+          </a:xfrm>
+          <a:prstGeom prst="rect">
+            <a:avLst/>
+          </a:prstGeom>
+        </p:spPr>
+        <p:txBody>
+          <a:bodyPr wrap="square">
+            <a:spAutoFit/>
+          </a:bodyPr>
+          <a:lstStyle/>
+          <a:p>
+            <a:pPr marL="342900" indent="-342900">
+              <a:lnSpc>
+                <a:spcPct val="150000"/>
+              </a:lnSpc>
+              <a:buClr>
+                <a:srgbClr val="00FFFF"/>
+              </a:buClr>
+              <a:buFont typeface="Wingdings" charset="2"/>
+              <a:buChar char="Ø"/>
+            </a:pPr>
+            <a:r>
+              <a:rPr lang="en-US" altLang="zh-CN" sz="2400" dirty="0" smtClean="0"/>
+              <a:t>/</a:t>
+            </a:r>
+            <a:r>
+              <a:rPr lang="en-US" altLang="zh-CN" sz="2400" dirty="0"/>
+              <a:t>/</a:t>
+            </a:r>
+            <a:r>
+              <a:rPr lang="zh-CN" altLang="en-US" sz="2400" dirty="0"/>
+              <a:t>添加所管理的视图控制器</a:t>
+            </a:r>
+          </a:p>
+          <a:p>
+            <a:pPr lvl="1">
+              <a:lnSpc>
+                <a:spcPct val="150000"/>
+              </a:lnSpc>
+            </a:pPr>
+            <a:r>
+              <a:rPr lang="en-US" altLang="zh-CN" sz="2400" dirty="0" err="1"/>
+              <a:t>tabBarCtl.viewControllers</a:t>
+            </a:r>
+            <a:r>
+              <a:rPr lang="en-US" altLang="zh-CN" sz="2400" dirty="0"/>
+              <a:t>=[</a:t>
+            </a:r>
+            <a:r>
+              <a:rPr lang="en-US" altLang="zh-CN" sz="2400" dirty="0" err="1"/>
+              <a:t>NSArray</a:t>
+            </a:r>
+            <a:r>
+              <a:rPr lang="en-US" altLang="zh-CN" sz="2400" dirty="0"/>
+              <a:t> </a:t>
+            </a:r>
+            <a:r>
+              <a:rPr lang="en-US" altLang="zh-CN" sz="2400" dirty="0" err="1"/>
+              <a:t>arrayWithObjects:navCtl,cityViewCtl</a:t>
+            </a:r>
+            <a:r>
+              <a:rPr lang="en-US" altLang="zh-CN" sz="2400" dirty="0"/>
+              <a:t>,</a:t>
+            </a:r>
+          </a:p>
+          <a:p>
+            <a:pPr lvl="1">
+              <a:lnSpc>
+                <a:spcPct val="150000"/>
+              </a:lnSpc>
+            </a:pPr>
+            <a:r>
+              <a:rPr lang="en-US" altLang="zh-CN" sz="2400" dirty="0"/>
+              <a:t>nil];</a:t>
+            </a:r>
+          </a:p>
+          <a:p>
+            <a:pPr lvl="1">
+              <a:lnSpc>
+                <a:spcPct val="150000"/>
+              </a:lnSpc>
+            </a:pPr>
+            <a:r>
+              <a:rPr lang="en-US" altLang="zh-CN" sz="2400" dirty="0"/>
+              <a:t>[</a:t>
+            </a:r>
+            <a:r>
+              <a:rPr lang="en-US" altLang="zh-CN" sz="2400" dirty="0" err="1"/>
+              <a:t>cityViewCtl</a:t>
+            </a:r>
+            <a:r>
+              <a:rPr lang="en-US" altLang="zh-CN" sz="2400" dirty="0"/>
+              <a:t> release];</a:t>
+            </a:r>
+          </a:p>
+          <a:p>
+            <a:pPr lvl="1">
+              <a:lnSpc>
+                <a:spcPct val="150000"/>
+              </a:lnSpc>
+            </a:pPr>
+            <a:r>
+              <a:rPr lang="en-US" altLang="zh-CN" sz="2400" dirty="0"/>
+              <a:t>[</a:t>
+            </a:r>
+            <a:r>
+              <a:rPr lang="en-US" altLang="zh-CN" sz="2400" dirty="0" err="1"/>
+              <a:t>cityDetailViewCtl</a:t>
+            </a:r>
+            <a:r>
+              <a:rPr lang="en-US" altLang="zh-CN" sz="2400" dirty="0"/>
+              <a:t> release];</a:t>
+            </a:r>
+          </a:p>
+          <a:p>
+            <a:pPr lvl="1">
+              <a:lnSpc>
+                <a:spcPct val="150000"/>
+              </a:lnSpc>
+            </a:pPr>
+            <a:r>
+              <a:rPr lang="en-US" altLang="zh-CN" sz="2400" dirty="0"/>
+              <a:t>[</a:t>
+            </a:r>
+            <a:r>
+              <a:rPr lang="en-US" altLang="zh-CN" sz="2400" dirty="0" err="1"/>
+              <a:t>self.window</a:t>
+            </a:r>
+            <a:r>
+              <a:rPr lang="en-US" altLang="zh-CN" sz="2400" dirty="0"/>
+              <a:t> </a:t>
+            </a:r>
+            <a:r>
+              <a:rPr lang="en-US" altLang="zh-CN" sz="2400" dirty="0" err="1"/>
+              <a:t>addSubview:tabBarCtl.view</a:t>
+            </a:r>
+            <a:r>
+              <a:rPr lang="en-US" altLang="zh-CN" sz="2400" dirty="0"/>
+              <a:t>];</a:t>
+            </a:r>
+          </a:p>
+          <a:p>
+            <a:pPr lvl="1">
+              <a:lnSpc>
+                <a:spcPct val="150000"/>
+              </a:lnSpc>
+            </a:pPr>
+            <a:r>
+              <a:rPr lang="en-US" altLang="zh-CN" sz="2400" dirty="0"/>
+              <a:t>[</a:t>
+            </a:r>
+            <a:r>
+              <a:rPr lang="en-US" altLang="zh-CN" sz="2400" dirty="0" err="1"/>
+              <a:t>self.window</a:t>
+            </a:r>
+            <a:r>
+              <a:rPr lang="en-US" altLang="zh-CN" sz="2400" dirty="0"/>
+              <a:t> </a:t>
+            </a:r>
+            <a:r>
+              <a:rPr lang="en-US" altLang="zh-CN" sz="2400" dirty="0" err="1"/>
+              <a:t>makeKeyAndVisible</a:t>
+            </a:r>
+            <a:r>
+              <a:rPr lang="en-US" altLang="zh-CN" sz="2400" dirty="0"/>
+              <a:t>];</a:t>
+            </a:r>
+          </a:p>
+          <a:p>
+            <a:pPr marL="342900" indent="-342900">
+              <a:lnSpc>
+                <a:spcPct val="150000"/>
+              </a:lnSpc>
+              <a:buClr>
+                <a:srgbClr val="00FFFF"/>
+              </a:buClr>
+              <a:buFont typeface="Wingdings" charset="2"/>
+              <a:buChar char="Ø"/>
+            </a:pPr>
+            <a:r>
+              <a:rPr lang="zh-CN" altLang="en-US" sz="2400" dirty="0" smtClean="0">
+                <a:solidFill>
+                  <a:schemeClr val="accent2"/>
+                </a:solidFill>
+              </a:rPr>
+              <a:t>参</a:t>
+            </a:r>
+            <a:r>
+              <a:rPr lang="zh-CN" altLang="en-US" sz="2400" dirty="0">
+                <a:solidFill>
+                  <a:schemeClr val="accent2"/>
+                </a:solidFill>
+              </a:rPr>
+              <a:t>考案例： </a:t>
+            </a:r>
+            <a:r>
+              <a:rPr lang="en-US" altLang="zh-CN" sz="2400" dirty="0" err="1">
+                <a:solidFill>
+                  <a:schemeClr val="accent2"/>
+                </a:solidFill>
+              </a:rPr>
+              <a:t>TabBarControllerDemo</a:t>
+            </a:r>
+            <a:endParaRPr lang="zh-CN" altLang="en-US" sz="2400" dirty="0">
+              <a:solidFill>
+                <a:schemeClr val="accent2"/>
+              </a:solidFill>
+            </a:endParaRPr>
+          </a:p>
+        </p:txBody>
+      </p:sp>
+    </p:spTree>
+    <p:extLst>
+      <p:ext uri="{BB962C8B-B14F-4D97-AF65-F5344CB8AC3E}">
+        <p14:creationId xmlns:p14="http://schemas.microsoft.com/office/powerpoint/2010/main" val="492200801"/>
+      </p:ext>
+    </p:extLst>
+  </p:cSld>
+  <p:clrMapOvr>
+    <a:masterClrMapping/>
+  </p:clrMapOvr>
+</p:sld>
+</file>
+
+<file path=ppt/slides/slide24.xml><?xml version="1.0" encoding="utf-8"?>
+<p:sld xmlns:a="http://schemas.openxmlformats.org/drawingml/2006/main" xmlns:r="http://schemas.openxmlformats.org/officeDocument/2006/relationships" xmlns:p="http://schemas.openxmlformats.org/presentationml/2006/main">
+  <p:cSld>
+    <p:spTree>
+      <p:nvGrpSpPr>
+        <p:cNvPr id="1" name=""/>
+        <p:cNvGrpSpPr/>
+        <p:nvPr/>
+      </p:nvGrpSpPr>
+      <p:grpSpPr>
+        <a:xfrm>
+          <a:off x="0" y="0"/>
+          <a:ext cx="0" cy="0"/>
+          <a:chOff x="0" y="0"/>
+          <a:chExt cx="0" cy="0"/>
+        </a:xfrm>
+      </p:grpSpPr>
+      <p:sp>
+        <p:nvSpPr>
+          <p:cNvPr id="2" name="标题 1"/>
+          <p:cNvSpPr>
+            <a:spLocks noGrp="1"/>
+          </p:cNvSpPr>
+          <p:nvPr>
+            <p:ph type="title"/>
+          </p:nvPr>
+        </p:nvSpPr>
+        <p:spPr/>
+        <p:txBody>
+          <a:bodyPr/>
+          <a:lstStyle/>
+          <a:p>
+            <a:r>
+              <a:rPr lang="zh-CN" altLang="en-US" b="0" dirty="0"/>
+              <a:t>总结</a:t>
+            </a:r>
+            <a:endParaRPr kumimoji="1" lang="zh-CN" altLang="en-US" dirty="0"/>
+          </a:p>
+        </p:txBody>
+      </p:sp>
+      <p:sp>
+        <p:nvSpPr>
+          <p:cNvPr id="3" name="幻灯片编号占位符 2"/>
+          <p:cNvSpPr>
+            <a:spLocks noGrp="1"/>
+          </p:cNvSpPr>
+          <p:nvPr>
+            <p:ph type="sldNum" sz="quarter" idx="4"/>
+          </p:nvPr>
+        </p:nvSpPr>
+        <p:spPr/>
+        <p:txBody>
+          <a:bodyPr/>
+          <a:lstStyle/>
+          <a:p>
+            <a:fld id="{BF10DB53-D7D3-4DB6-A29F-40217B92EC88}" type="slidenum">
+              <a:rPr lang="en-US" smtClean="0"/>
+              <a:pPr/>
+              <a:t>23</a:t>
+            </a:fld>
+            <a:endParaRPr lang="en-US" dirty="0"/>
+          </a:p>
+        </p:txBody>
+      </p:sp>
+      <p:sp>
+        <p:nvSpPr>
+          <p:cNvPr id="4" name="文本框 3"/>
+          <p:cNvSpPr txBox="1"/>
+          <p:nvPr/>
+        </p:nvSpPr>
+        <p:spPr>
+          <a:xfrm>
+            <a:off x="251520" y="1340768"/>
+            <a:ext cx="8784976" cy="2277547"/>
+          </a:xfrm>
+          <a:prstGeom prst="rect">
+            <a:avLst/>
+          </a:prstGeom>
+          <a:noFill/>
+        </p:spPr>
+        <p:txBody>
+          <a:bodyPr wrap="square" rtlCol="0">
+            <a:spAutoFit/>
+          </a:bodyPr>
+          <a:lstStyle/>
+          <a:p>
+            <a:pPr marL="342900" indent="-342900">
+              <a:lnSpc>
+                <a:spcPct val="150000"/>
+              </a:lnSpc>
+              <a:buClr>
+                <a:srgbClr val="00FFFF"/>
+              </a:buClr>
+              <a:buFont typeface="Wingdings" charset="2"/>
+              <a:buChar char="Ø"/>
+            </a:pPr>
+            <a:r>
+              <a:rPr lang="zh-CN" altLang="en-US" sz="2400" dirty="0"/>
+              <a:t>表视图控制器</a:t>
+            </a:r>
+            <a:endParaRPr lang="en-US" altLang="zh-CN" sz="2400" dirty="0"/>
+          </a:p>
+          <a:p>
+            <a:pPr marL="342900" indent="-342900">
+              <a:lnSpc>
+                <a:spcPct val="150000"/>
+              </a:lnSpc>
+              <a:buClr>
+                <a:srgbClr val="00FFFF"/>
+              </a:buClr>
+              <a:buFont typeface="Wingdings" charset="2"/>
+              <a:buChar char="Ø"/>
+            </a:pPr>
+            <a:r>
+              <a:rPr lang="zh-CN" altLang="en-US" sz="2400" dirty="0"/>
+              <a:t>集合视图控制器</a:t>
+            </a:r>
+          </a:p>
+          <a:p>
+            <a:pPr marL="342900" indent="-342900">
+              <a:lnSpc>
+                <a:spcPct val="150000"/>
+              </a:lnSpc>
+              <a:buClr>
+                <a:srgbClr val="00FFFF"/>
+              </a:buClr>
+              <a:buFont typeface="Wingdings" charset="2"/>
+              <a:buChar char="Ø"/>
+            </a:pPr>
+            <a:r>
+              <a:rPr lang="zh-CN" altLang="en-US" sz="2400" dirty="0"/>
+              <a:t>导航控制器</a:t>
+            </a:r>
+          </a:p>
+          <a:p>
+            <a:pPr marL="342900" indent="-342900">
+              <a:lnSpc>
+                <a:spcPct val="150000"/>
+              </a:lnSpc>
+              <a:buClr>
+                <a:srgbClr val="00FFFF"/>
+              </a:buClr>
+              <a:buFont typeface="Wingdings" charset="2"/>
+              <a:buChar char="Ø"/>
+            </a:pPr>
+            <a:r>
+              <a:rPr lang="zh-CN" altLang="en-US" sz="2400" dirty="0"/>
+              <a:t>标签栏控制器</a:t>
+            </a:r>
+            <a:endParaRPr kumimoji="1" lang="zh-CN" altLang="en-US" sz="2400" dirty="0"/>
           </a:p>
         </p:txBody>
       </p:sp>
@@ -12630,7 +13486,7 @@
           <a:p>
             <a:r>
               <a:rPr lang="zh-CN" altLang="en-US" b="0" dirty="0"/>
-              <a:t>不同样式的表格视图</a:t>
+              <a:t>表格视图样式</a:t>
             </a:r>
             <a:endParaRPr kumimoji="1" lang="zh-CN" altLang="en-US" dirty="0"/>
           </a:p>
@@ -12660,9 +13516,88 @@
           </a:p>
         </p:txBody>
       </p:sp>
+      <p:sp>
+        <p:nvSpPr>
+          <p:cNvPr id="4" name="文本框 3"/>
+          <p:cNvSpPr txBox="1"/>
+          <p:nvPr/>
+        </p:nvSpPr>
+        <p:spPr>
+          <a:xfrm>
+            <a:off x="323528" y="1124744"/>
+            <a:ext cx="8424936" cy="1169551"/>
+          </a:xfrm>
+          <a:prstGeom prst="rect">
+            <a:avLst/>
+          </a:prstGeom>
+          <a:noFill/>
+        </p:spPr>
+        <p:txBody>
+          <a:bodyPr wrap="square" rtlCol="0">
+            <a:spAutoFit/>
+          </a:bodyPr>
+          <a:lstStyle/>
+          <a:p>
+            <a:pPr marL="342900" indent="-342900">
+              <a:lnSpc>
+                <a:spcPct val="150000"/>
+              </a:lnSpc>
+              <a:buClr>
+                <a:srgbClr val="00FFFF"/>
+              </a:buClr>
+              <a:buFont typeface="Wingdings" charset="2"/>
+              <a:buChar char="Ø"/>
+            </a:pPr>
+            <a:r>
+              <a:rPr lang="zh-TW" altLang="en-US" sz="2400" dirty="0" smtClean="0"/>
+              <a:t>无格式样式</a:t>
+            </a:r>
+            <a:r>
+              <a:rPr lang="zh-TW" altLang="en-US" sz="2400" dirty="0"/>
+              <a:t>（ </a:t>
+            </a:r>
+            <a:r>
+              <a:rPr lang="en-US" altLang="zh-TW" sz="2400" dirty="0" err="1"/>
+              <a:t>UITableViewStylePlain</a:t>
+            </a:r>
+            <a:r>
+              <a:rPr lang="zh-TW" altLang="en-US" sz="2400" dirty="0"/>
+              <a:t>）</a:t>
+            </a:r>
+          </a:p>
+          <a:p>
+            <a:pPr marL="342900" indent="-342900">
+              <a:lnSpc>
+                <a:spcPct val="150000"/>
+              </a:lnSpc>
+              <a:buClr>
+                <a:srgbClr val="00FFFF"/>
+              </a:buClr>
+              <a:buFont typeface="Wingdings" charset="2"/>
+              <a:buChar char="Ø"/>
+            </a:pPr>
+            <a:r>
+              <a:rPr lang="zh-TW" altLang="en-US" sz="2400" dirty="0" smtClean="0"/>
+              <a:t>分组样式</a:t>
+            </a:r>
+            <a:r>
+              <a:rPr lang="zh-TW" altLang="en-US" sz="2400" dirty="0"/>
+              <a:t>（ </a:t>
+            </a:r>
+            <a:r>
+              <a:rPr lang="en-US" altLang="zh-TW" sz="2400" dirty="0" err="1"/>
+              <a:t>UITableViewStyleGrouped</a:t>
+            </a:r>
+            <a:r>
+              <a:rPr lang="zh-TW" altLang="en-US" sz="2400" dirty="0"/>
+              <a:t>）</a:t>
+            </a:r>
+          </a:p>
+        </p:txBody>
+      </p:sp>
       <p:pic>
         <p:nvPicPr>
-          <p:cNvPr id="6" name="图片 5"/>
+          <p:cNvPr id="7" name="图片 6"/>
           <p:cNvPicPr>
             <a:picLocks noChangeAspect="1"/>
           </p:cNvPicPr>
@@ -12676,8 +13611,32 @@
         </p:blipFill>
         <p:spPr>
           <a:xfrm>
-            <a:off x="0" y="1484784"/>
-            <a:ext cx="9144000" cy="4566739"/>
+            <a:off x="827584" y="2348880"/>
+            <a:ext cx="2520280" cy="4432217"/>
+          </a:xfrm>
+          <a:prstGeom prst="rect">
+            <a:avLst/>
+          </a:prstGeom>
+        </p:spPr>
+      </p:pic>
+      <p:pic>
+        <p:nvPicPr>
+          <p:cNvPr id="8" name="图片 7"/>
+          <p:cNvPicPr>
+            <a:picLocks noChangeAspect="1"/>
+          </p:cNvPicPr>
+          <p:nvPr/>
+        </p:nvPicPr>
+        <p:blipFill>
+          <a:blip r:embed="rId3"/>
+          <a:stretch>
+            <a:fillRect/>
+          </a:stretch>
+        </p:blipFill>
+        <p:spPr>
+          <a:xfrm>
+            <a:off x="5508104" y="2358862"/>
+            <a:ext cx="2520280" cy="4454158"/>
           </a:xfrm>
           <a:prstGeom prst="rect">
             <a:avLst/>
@@ -12687,7 +13646,7 @@
     </p:spTree>
     <p:extLst>
       <p:ext uri="{BB962C8B-B14F-4D97-AF65-F5344CB8AC3E}">
-        <p14:creationId xmlns:p14="http://schemas.microsoft.com/office/powerpoint/2010/main" val="989070818"/>
+        <p14:creationId xmlns:p14="http://schemas.microsoft.com/office/powerpoint/2010/main" val="1212880226"/>
       </p:ext>
     </p:extLst>
   </p:cSld>
@@ -12738,7 +13697,7 @@
           <a:p>
             <a:r>
               <a:rPr lang="zh-CN" altLang="en-US" b="0" dirty="0"/>
-              <a:t>表格视图样式</a:t>
+              <a:t>表视图控制器案例</a:t>
             </a:r>
             <a:endParaRPr kumimoji="1" lang="zh-CN" altLang="en-US" dirty="0"/>
           </a:p>
@@ -12770,14 +13729,14 @@
       </p:sp>
       <p:sp>
         <p:nvSpPr>
-          <p:cNvPr id="4" name="文本框 3"/>
+          <p:cNvPr id="5" name="文本框 4"/>
           <p:cNvSpPr txBox="1"/>
           <p:nvPr/>
         </p:nvSpPr>
         <p:spPr>
           <a:xfrm>
-            <a:off x="323528" y="1196752"/>
-            <a:ext cx="8424936" cy="1169551"/>
+            <a:off x="179512" y="1412776"/>
+            <a:ext cx="8496944" cy="5047535"/>
           </a:xfrm>
           <a:prstGeom prst="rect">
             <a:avLst/>
@@ -12801,21 +13760,10 @@
               <a:buChar char="Ø"/>
             </a:pPr>
             <a:r>
-              <a:rPr lang="zh-TW" altLang="en-US" sz="2400" dirty="0" smtClean="0"/>
-              <a:t>无格式样式</a:t>
-            </a:r>
-            <a:r>
-              <a:rPr lang="zh-TW" altLang="en-US" sz="2400" dirty="0"/>
-              <a:t>（ </a:t>
-            </a:r>
-            <a:r>
-              <a:rPr lang="en-US" altLang="zh-TW" sz="2400" dirty="0" err="1"/>
-              <a:t>UITableViewStylePlain</a:t>
-            </a:r>
-            <a:r>
-              <a:rPr lang="zh-TW" altLang="en-US" sz="2400" dirty="0"/>
-              <a:t>）</a:t>
-            </a:r>
+              <a:rPr lang="zh-CN" altLang="en-US" sz="2400" dirty="0" smtClean="0"/>
+              <a:t>新建项目</a:t>
+            </a:r>
+            <a:endParaRPr lang="zh-CN" altLang="en-US" sz="2400" dirty="0"/>
           </a:p>
           <a:p>
             <a:pPr marL="342900" indent="-342900">
@@ -12829,76 +13777,244 @@
               <a:buChar char="Ø"/>
             </a:pPr>
             <a:r>
+              <a:rPr lang="en-US" altLang="zh-CN" sz="2400" dirty="0" smtClean="0"/>
+              <a:t>New</a:t>
+            </a:r>
+            <a:r>
+              <a:rPr lang="en-US" altLang="zh-CN" sz="2400" dirty="0"/>
+              <a:t>-&gt;File-&gt;</a:t>
+            </a:r>
+            <a:r>
+              <a:rPr lang="en-US" altLang="zh-CN" sz="2400" dirty="0" err="1"/>
+              <a:t>UIViewController</a:t>
+            </a:r>
+            <a:r>
+              <a:rPr lang="en-US" altLang="zh-CN" sz="2400" dirty="0"/>
+              <a:t> subclass-&gt;Subclass of</a:t>
+            </a:r>
+          </a:p>
+          <a:p>
+            <a:pPr>
+              <a:lnSpc>
+                <a:spcPct val="150000"/>
+              </a:lnSpc>
+              <a:buClr>
+                <a:srgbClr val="00FFFF"/>
+              </a:buClr>
+            </a:pPr>
+            <a:r>
+              <a:rPr lang="en-US" altLang="zh-CN" sz="2400" dirty="0" err="1"/>
+              <a:t>UITableViewController</a:t>
+            </a:r>
+            <a:endParaRPr lang="en-US" altLang="zh-CN" sz="2400" dirty="0"/>
+          </a:p>
+          <a:p>
+            <a:pPr marL="342900" indent="-342900">
+              <a:lnSpc>
+                <a:spcPct val="150000"/>
+              </a:lnSpc>
+              <a:buClr>
+                <a:srgbClr val="00FFFF"/>
+              </a:buClr>
+              <a:buFont typeface="Wingdings" charset="2"/>
+              <a:buChar char="Ø"/>
+            </a:pPr>
+            <a:r>
+              <a:rPr lang="zh-CN" altLang="en-US" sz="2400" dirty="0" smtClean="0"/>
+              <a:t>打开</a:t>
+            </a:r>
+            <a:r>
+              <a:rPr lang="en-US" altLang="zh-CN" sz="2400" dirty="0" err="1" smtClean="0"/>
+              <a:t>xib</a:t>
+            </a:r>
+            <a:r>
+              <a:rPr lang="zh-CN" altLang="en-US" sz="2400" dirty="0" smtClean="0"/>
+              <a:t>文件的属性检查器</a:t>
+            </a:r>
+            <a:r>
+              <a:rPr lang="en-US" altLang="zh-CN" sz="2400" dirty="0" smtClean="0"/>
+              <a:t>,</a:t>
+            </a:r>
+            <a:r>
+              <a:rPr lang="zh-CN" altLang="en-US" sz="2400" dirty="0" smtClean="0"/>
+              <a:t>修改表视图的属性</a:t>
+            </a:r>
+          </a:p>
+          <a:p>
+            <a:pPr marL="800100" lvl="1" indent="-342900">
+              <a:lnSpc>
+                <a:spcPct val="150000"/>
+              </a:lnSpc>
+              <a:buClr>
+                <a:srgbClr val="00FFFF"/>
+              </a:buClr>
+              <a:buFont typeface="Wingdings" charset="2"/>
+              <a:buChar char="Ø"/>
+            </a:pPr>
+            <a:r>
+              <a:rPr lang="en-US" altLang="zh-TW" sz="2400" dirty="0" smtClean="0"/>
+              <a:t>Style</a:t>
+            </a:r>
+            <a:r>
               <a:rPr lang="zh-TW" altLang="en-US" sz="2400" dirty="0" smtClean="0"/>
-              <a:t>分组样式</a:t>
+              <a:t>设置视图类型</a:t>
+            </a:r>
+            <a:r>
+              <a:rPr lang="en-US" altLang="zh-TW" sz="2400" dirty="0" smtClean="0"/>
+              <a:t>:</a:t>
+            </a:r>
+            <a:r>
+              <a:rPr lang="en-US" altLang="zh-TW" sz="2400" dirty="0" smtClean="0">
+                <a:solidFill>
+                  <a:srgbClr val="FF6700"/>
+                </a:solidFill>
+              </a:rPr>
+              <a:t>Plain</a:t>
+            </a:r>
+            <a:r>
+              <a:rPr lang="zh-TW" altLang="en-US" sz="2400" dirty="0" smtClean="0"/>
+              <a:t>不分组， </a:t>
+            </a:r>
+            <a:r>
+              <a:rPr lang="en-US" altLang="zh-TW" sz="2400" dirty="0" smtClean="0">
+                <a:solidFill>
+                  <a:schemeClr val="accent3"/>
+                </a:solidFill>
+              </a:rPr>
+              <a:t>Grouped</a:t>
+            </a:r>
+            <a:r>
+              <a:rPr lang="zh-TW" altLang="en-US" sz="2400" dirty="0" smtClean="0"/>
+              <a:t>分组</a:t>
+            </a:r>
+          </a:p>
+          <a:p>
+            <a:pPr marL="342900" indent="-342900">
+              <a:lnSpc>
+                <a:spcPct val="150000"/>
+              </a:lnSpc>
+              <a:buClr>
+                <a:srgbClr val="00FFFF"/>
+              </a:buClr>
+              <a:buFont typeface="Wingdings" charset="2"/>
+              <a:buChar char="Ø"/>
+            </a:pPr>
+            <a:r>
+              <a:rPr lang="zh-TW" altLang="en-US" sz="2400" dirty="0" smtClean="0"/>
+              <a:t>在委托类</a:t>
+            </a:r>
+            <a:r>
+              <a:rPr lang="en-US" altLang="zh-TW" sz="2400" dirty="0"/>
+              <a:t>.h</a:t>
             </a:r>
             <a:r>
               <a:rPr lang="zh-TW" altLang="en-US" sz="2400" dirty="0"/>
-              <a:t>（ </a:t>
+              <a:t>中加入表视图控制器属性</a:t>
+            </a:r>
+          </a:p>
+          <a:p>
+            <a:pPr marL="342900" indent="-342900">
+              <a:lnSpc>
+                <a:spcPct val="150000"/>
+              </a:lnSpc>
+              <a:buClr>
+                <a:srgbClr val="00FFFF"/>
+              </a:buClr>
+              <a:buFont typeface="Wingdings" charset="2"/>
+              <a:buChar char="Ø"/>
+            </a:pPr>
+            <a:r>
+              <a:rPr lang="zh-TW" altLang="en-US" sz="2400" dirty="0" smtClean="0"/>
+              <a:t>在委托类</a:t>
+            </a:r>
+            <a:r>
+              <a:rPr lang="en-US" altLang="zh-TW" sz="2400" dirty="0"/>
+              <a:t>.m</a:t>
+            </a:r>
+            <a:r>
+              <a:rPr lang="zh-TW" altLang="en-US" sz="2400" dirty="0"/>
+              <a:t>中实例化表视图控制器</a:t>
+            </a:r>
+          </a:p>
+          <a:p>
+            <a:pPr marL="342900" indent="-342900">
+              <a:lnSpc>
+                <a:spcPct val="150000"/>
+              </a:lnSpc>
+              <a:buClr>
+                <a:srgbClr val="00FFFF"/>
+              </a:buClr>
+              <a:buFont typeface="Wingdings" charset="2"/>
+              <a:buChar char="Ø"/>
+            </a:pPr>
+            <a:r>
+              <a:rPr lang="zh-TW" altLang="en-US" sz="2400" dirty="0" smtClean="0"/>
+              <a:t>在委托类</a:t>
+            </a:r>
+            <a:r>
+              <a:rPr lang="en-US" altLang="zh-TW" sz="2400" dirty="0"/>
+              <a:t>.m</a:t>
+            </a:r>
+            <a:r>
+              <a:rPr lang="zh-TW" altLang="en-US" sz="2400" dirty="0"/>
+              <a:t>中</a:t>
             </a:r>
             <a:r>
               <a:rPr lang="en-US" altLang="zh-TW" sz="2400" dirty="0" err="1"/>
-              <a:t>UITableViewStyleGrouped</a:t>
+              <a:t>dealloc</a:t>
             </a:r>
             <a:r>
               <a:rPr lang="zh-TW" altLang="en-US" sz="2400" dirty="0"/>
-              <a:t>）</a:t>
-            </a:r>
-          </a:p>
-        </p:txBody>
-      </p:sp>
-      <p:pic>
-        <p:nvPicPr>
-          <p:cNvPr id="5" name="图片 4"/>
-          <p:cNvPicPr>
-            <a:picLocks noChangeAspect="1"/>
-          </p:cNvPicPr>
-          <p:nvPr/>
-        </p:nvPicPr>
-        <p:blipFill>
-          <a:blip r:embed="rId2"/>
-          <a:stretch>
-            <a:fillRect/>
-          </a:stretch>
-        </p:blipFill>
-        <p:spPr>
-          <a:xfrm>
-            <a:off x="611560" y="2492896"/>
-            <a:ext cx="2838672" cy="4249192"/>
-          </a:xfrm>
-          <a:prstGeom prst="rect">
-            <a:avLst/>
-          </a:prstGeom>
-        </p:spPr>
-      </p:pic>
-      <p:pic>
-        <p:nvPicPr>
-          <p:cNvPr id="6" name="图片 5"/>
-          <p:cNvPicPr>
-            <a:picLocks noChangeAspect="1"/>
-          </p:cNvPicPr>
-          <p:nvPr/>
-        </p:nvPicPr>
-        <p:blipFill>
-          <a:blip r:embed="rId3"/>
-          <a:stretch>
-            <a:fillRect/>
-          </a:stretch>
-        </p:blipFill>
-        <p:spPr>
-          <a:xfrm>
-            <a:off x="5148064" y="2420888"/>
-            <a:ext cx="2865264" cy="4288998"/>
-          </a:xfrm>
-          <a:prstGeom prst="rect">
-            <a:avLst/>
-          </a:prstGeom>
-        </p:spPr>
-      </p:pic>
+              <a:t>方法中释放表视图控制器实例</a:t>
+            </a:r>
+          </a:p>
+          <a:p>
+            <a:pPr marL="342900" indent="-342900">
+              <a:lnSpc>
+                <a:spcPct val="150000"/>
+              </a:lnSpc>
+              <a:buClr>
+                <a:srgbClr val="00FFFF"/>
+              </a:buClr>
+              <a:buFont typeface="Wingdings" charset="2"/>
+              <a:buChar char="Ø"/>
+            </a:pPr>
+            <a:r>
+              <a:rPr lang="zh-CN" altLang="pl-PL" sz="2400" dirty="0" smtClean="0">
+                <a:solidFill>
+                  <a:srgbClr val="FFFF00"/>
+                </a:solidFill>
+              </a:rPr>
+              <a:t>演示</a:t>
+            </a:r>
+            <a:r>
+              <a:rPr lang="zh-CN" altLang="pl-PL" sz="2400" dirty="0">
+                <a:solidFill>
+                  <a:srgbClr val="FFFF00"/>
+                </a:solidFill>
+              </a:rPr>
+              <a:t>案例</a:t>
+            </a:r>
+            <a:r>
+              <a:rPr lang="pl-PL" altLang="zh-CN" sz="2400" dirty="0" err="1">
+                <a:solidFill>
+                  <a:srgbClr val="FFFF00"/>
+                </a:solidFill>
+              </a:rPr>
+              <a:t>TableViewControllerDemo</a:t>
+            </a:r>
+            <a:endParaRPr kumimoji="1" lang="zh-CN" altLang="en-US" sz="2400" dirty="0">
+              <a:solidFill>
+                <a:srgbClr val="FFFF00"/>
+              </a:solidFill>
+            </a:endParaRPr>
+          </a:p>
+        </p:txBody>
+      </p:sp>
     </p:spTree>
     <p:extLst>
       <p:ext uri="{BB962C8B-B14F-4D97-AF65-F5344CB8AC3E}">
-        <p14:creationId xmlns:p14="http://schemas.microsoft.com/office/powerpoint/2010/main" val="1212880226"/>
+        <p14:creationId xmlns:p14="http://schemas.microsoft.com/office/powerpoint/2010/main" val="2103606827"/>
       </p:ext>
     </p:extLst>
   </p:cSld>
@@ -12949,15 +14065,19 @@
           <a:p>
             <a:r>
               <a:rPr lang="zh-CN" altLang="en-US" b="0" dirty="0"/>
-              <a:t>单元格样式</a:t>
+              <a:t>表视图控制器案例</a:t>
             </a:r>
             <a:r>
               <a:rPr lang="en-US" altLang="zh-CN" b="0" dirty="0"/>
-              <a:t>1: </a:t>
+              <a:t>(</a:t>
             </a:r>
             <a:r>
               <a:rPr lang="zh-CN" altLang="en-US" b="0" dirty="0"/>
-              <a:t>默认</a:t>
+              <a:t>续</a:t>
+            </a:r>
+            <a:r>
+              <a:rPr lang="en-US" altLang="zh-CN" b="0" dirty="0"/>
+              <a:t>)</a:t>
             </a:r>
             <a:endParaRPr kumimoji="1" lang="zh-CN" altLang="en-US" dirty="0"/>
           </a:p>
@@ -12995,8 +14115,8 @@
         </p:nvSpPr>
         <p:spPr>
           <a:xfrm>
-            <a:off x="179512" y="1268760"/>
-            <a:ext cx="8856984" cy="707886"/>
+            <a:off x="179512" y="1256468"/>
+            <a:ext cx="8712968" cy="4493537"/>
           </a:xfrm>
           <a:prstGeom prst="rect">
             <a:avLst/>
@@ -13010,6 +14130,9 @@
           <a:lstStyle/>
           <a:p>
             <a:pPr marL="342900" indent="-342900">
+              <a:lnSpc>
+                <a:spcPct val="150000"/>
+              </a:lnSpc>
               <a:buClr>
                 <a:srgbClr val="00FFFF"/>
               </a:buClr>
@@ -13017,59 +14140,300 @@
               <a:buChar char="Ø"/>
             </a:pPr>
             <a:r>
-              <a:rPr lang="zh-CN" altLang="en-US" sz="2000" dirty="0" smtClean="0"/>
-              <a:t>分组表</a:t>
-            </a:r>
-            <a:r>
-              <a:rPr lang="zh-CN" altLang="en-US" sz="2000" dirty="0"/>
-              <a:t>格（左）和无格式表格（右）中的默认单元格样式</a:t>
-            </a:r>
-          </a:p>
-          <a:p>
-            <a:r>
-              <a:rPr lang="en-US" altLang="zh-CN" sz="2000" dirty="0" err="1">
+              <a:rPr lang="zh-CN" altLang="en-US" sz="2400" dirty="0" smtClean="0"/>
+              <a:t>准备表视图</a:t>
+            </a:r>
+            <a:r>
+              <a:rPr lang="zh-CN" altLang="en-US" sz="2400" dirty="0"/>
+              <a:t>的数据源</a:t>
+            </a:r>
+          </a:p>
+          <a:p>
+            <a:pPr marL="800100" lvl="1" indent="-342900">
+              <a:lnSpc>
+                <a:spcPct val="150000"/>
+              </a:lnSpc>
+              <a:buClr>
+                <a:srgbClr val="00FFFF"/>
+              </a:buClr>
+              <a:buFont typeface="Wingdings" charset="2"/>
+              <a:buChar char="Ø"/>
+            </a:pPr>
+            <a:r>
+              <a:rPr lang="zh-TW" altLang="en-US" sz="2400" dirty="0" smtClean="0"/>
+              <a:t>在表视图</a:t>
+            </a:r>
+            <a:r>
+              <a:rPr lang="zh-TW" altLang="en-US" sz="2400" dirty="0"/>
+              <a:t>控制器</a:t>
+            </a:r>
+            <a:r>
+              <a:rPr lang="en-US" altLang="zh-TW" sz="2400" dirty="0"/>
+              <a:t>.h</a:t>
+            </a:r>
+            <a:r>
+              <a:rPr lang="zh-TW" altLang="en-US" sz="2400" dirty="0"/>
+              <a:t>中加入</a:t>
+            </a:r>
+            <a:r>
+              <a:rPr lang="en-US" altLang="zh-TW" sz="2400" dirty="0" err="1">
+                <a:solidFill>
+                  <a:srgbClr val="FFFF00"/>
+                </a:solidFill>
+              </a:rPr>
+              <a:t>NSArray</a:t>
+            </a:r>
+            <a:r>
+              <a:rPr lang="en-US" altLang="zh-TW" sz="2400" dirty="0">
+                <a:solidFill>
+                  <a:srgbClr val="FFFF00"/>
+                </a:solidFill>
+              </a:rPr>
+              <a:t> *city</a:t>
+            </a:r>
+            <a:r>
+              <a:rPr lang="en-US" altLang="zh-TW" sz="2400" dirty="0"/>
+              <a:t>;</a:t>
+            </a:r>
+          </a:p>
+          <a:p>
+            <a:pPr marL="342900" indent="-342900">
+              <a:lnSpc>
+                <a:spcPct val="150000"/>
+              </a:lnSpc>
+              <a:buClr>
+                <a:srgbClr val="00FFFF"/>
+              </a:buClr>
+              <a:buFont typeface="Wingdings" charset="2"/>
+              <a:buChar char="Ø"/>
+            </a:pPr>
+            <a:r>
+              <a:rPr lang="zh-CN" altLang="en-US" sz="2400" dirty="0" smtClean="0"/>
+              <a:t>在表视图</a:t>
+            </a:r>
+            <a:r>
+              <a:rPr lang="zh-CN" altLang="en-US" sz="2400" dirty="0"/>
+              <a:t>控制器</a:t>
+            </a:r>
+            <a:r>
+              <a:rPr lang="en-US" altLang="zh-CN" sz="2400" dirty="0"/>
+              <a:t>.m</a:t>
+            </a:r>
+            <a:r>
+              <a:rPr lang="zh-CN" altLang="en-US" sz="2400" dirty="0"/>
+              <a:t>中添加装载数据的方法</a:t>
+            </a:r>
+          </a:p>
+          <a:p>
+            <a:pPr>
+              <a:lnSpc>
+                <a:spcPct val="150000"/>
+              </a:lnSpc>
+            </a:pPr>
+            <a:r>
+              <a:rPr lang="en-US" altLang="zh-CN" sz="2400" dirty="0">
                 <a:solidFill>
                   <a:schemeClr val="accent3"/>
                 </a:solidFill>
               </a:rPr>
-              <a:t>UITableViewCellStyleDefault</a:t>
-            </a:r>
-            <a:endParaRPr kumimoji="1" lang="zh-CN" altLang="en-US" sz="2000" dirty="0">
+              <a:t>-(void)</a:t>
+            </a:r>
+            <a:r>
+              <a:rPr lang="en-US" altLang="zh-CN" sz="2400" dirty="0" err="1">
+                <a:solidFill>
+                  <a:schemeClr val="accent3"/>
+                </a:solidFill>
+              </a:rPr>
+              <a:t>loadData</a:t>
+            </a:r>
+            <a:r>
+              <a:rPr lang="en-US" altLang="zh-CN" sz="2400" dirty="0">
+                <a:solidFill>
+                  <a:schemeClr val="accent3"/>
+                </a:solidFill>
+              </a:rPr>
+              <a:t>{</a:t>
+            </a:r>
+          </a:p>
+          <a:p>
+            <a:pPr>
+              <a:lnSpc>
+                <a:spcPct val="150000"/>
+              </a:lnSpc>
+            </a:pPr>
+            <a:r>
+              <a:rPr lang="en-US" altLang="zh-CN" sz="2400" dirty="0">
+                <a:solidFill>
+                  <a:schemeClr val="accent3"/>
+                </a:solidFill>
+              </a:rPr>
+              <a:t>city=[</a:t>
+            </a:r>
+            <a:r>
+              <a:rPr lang="en-US" altLang="zh-CN" sz="2400" dirty="0" err="1">
+                <a:solidFill>
+                  <a:schemeClr val="accent3"/>
+                </a:solidFill>
+              </a:rPr>
+              <a:t>NSArray</a:t>
+            </a:r>
+            <a:r>
+              <a:rPr lang="en-US" altLang="zh-CN" sz="2400" dirty="0">
+                <a:solidFill>
+                  <a:schemeClr val="accent3"/>
+                </a:solidFill>
+              </a:rPr>
+              <a:t> </a:t>
+            </a:r>
+            <a:r>
+              <a:rPr lang="en-US" altLang="zh-CN" sz="2400" dirty="0" err="1">
+                <a:solidFill>
+                  <a:schemeClr val="accent3"/>
+                </a:solidFill>
+              </a:rPr>
+              <a:t>arrayWithObjects</a:t>
+            </a:r>
+            <a:r>
+              <a:rPr lang="en-US" altLang="zh-CN" sz="2400" dirty="0">
+                <a:solidFill>
+                  <a:schemeClr val="accent3"/>
+                </a:solidFill>
+              </a:rPr>
+              <a:t>:@"</a:t>
+            </a:r>
+            <a:r>
+              <a:rPr lang="zh-CN" altLang="en-US" sz="2400" dirty="0">
+                <a:solidFill>
+                  <a:schemeClr val="accent3"/>
+                </a:solidFill>
+              </a:rPr>
+              <a:t>深圳</a:t>
+            </a:r>
+            <a:r>
+              <a:rPr lang="en-US" altLang="zh-CN" sz="2400" dirty="0">
+                <a:solidFill>
+                  <a:schemeClr val="accent3"/>
+                </a:solidFill>
+              </a:rPr>
+              <a:t>",@"</a:t>
+            </a:r>
+            <a:r>
+              <a:rPr lang="zh-CN" altLang="en-US" sz="2400" dirty="0">
+                <a:solidFill>
+                  <a:schemeClr val="accent3"/>
+                </a:solidFill>
+              </a:rPr>
+              <a:t>北京</a:t>
+            </a:r>
+            <a:r>
+              <a:rPr lang="en-US" altLang="zh-CN" sz="2400" dirty="0">
+                <a:solidFill>
+                  <a:schemeClr val="accent3"/>
+                </a:solidFill>
+              </a:rPr>
+              <a:t>",@"</a:t>
+            </a:r>
+            <a:r>
+              <a:rPr lang="zh-CN" altLang="en-US" sz="2400" dirty="0">
+                <a:solidFill>
+                  <a:schemeClr val="accent3"/>
+                </a:solidFill>
+              </a:rPr>
+              <a:t>上</a:t>
+            </a:r>
+          </a:p>
+          <a:p>
+            <a:pPr>
+              <a:lnSpc>
+                <a:spcPct val="150000"/>
+              </a:lnSpc>
+            </a:pPr>
+            <a:r>
+              <a:rPr lang="zh-CN" altLang="en-US" sz="2400" dirty="0">
+                <a:solidFill>
+                  <a:schemeClr val="accent3"/>
+                </a:solidFill>
+              </a:rPr>
+              <a:t>海</a:t>
+            </a:r>
+            <a:r>
+              <a:rPr lang="en-US" altLang="zh-CN" sz="2400" dirty="0">
+                <a:solidFill>
+                  <a:schemeClr val="accent3"/>
+                </a:solidFill>
+              </a:rPr>
+              <a:t>",nil];</a:t>
+            </a:r>
+          </a:p>
+          <a:p>
+            <a:pPr>
+              <a:lnSpc>
+                <a:spcPct val="150000"/>
+              </a:lnSpc>
+            </a:pPr>
+            <a:r>
+              <a:rPr lang="en-US" altLang="zh-CN" sz="2400" dirty="0">
+                <a:solidFill>
+                  <a:schemeClr val="accent3"/>
+                </a:solidFill>
+              </a:rPr>
+              <a:t>}</a:t>
+            </a:r>
+          </a:p>
+          <a:p>
+            <a:pPr>
+              <a:lnSpc>
+                <a:spcPct val="150000"/>
+              </a:lnSpc>
+            </a:pPr>
+            <a:r>
+              <a:rPr lang="zh-CN" altLang="en-US" sz="2400" dirty="0"/>
+              <a:t>在</a:t>
+            </a:r>
+            <a:r>
+              <a:rPr lang="en-US" altLang="zh-CN" sz="2400" dirty="0" err="1"/>
+              <a:t>initWithStyle</a:t>
+            </a:r>
+            <a:r>
+              <a:rPr lang="zh-CN" altLang="en-US" sz="2400" dirty="0"/>
+              <a:t>方法中调用： </a:t>
+            </a:r>
+            <a:r>
+              <a:rPr lang="en-US" altLang="zh-CN" sz="2400" dirty="0">
+                <a:solidFill>
+                  <a:srgbClr val="FFFF00"/>
+                </a:solidFill>
+              </a:rPr>
+              <a:t>[self </a:t>
+            </a:r>
+            <a:r>
+              <a:rPr lang="en-US" altLang="zh-CN" sz="2400" dirty="0" err="1">
+                <a:solidFill>
+                  <a:srgbClr val="FFFF00"/>
+                </a:solidFill>
+              </a:rPr>
+              <a:t>loadData</a:t>
+            </a:r>
+            <a:r>
+              <a:rPr lang="en-US" altLang="zh-CN" sz="2400" dirty="0">
+                <a:solidFill>
+                  <a:srgbClr val="FFFF00"/>
+                </a:solidFill>
+              </a:rPr>
+              <a:t>];</a:t>
+            </a:r>
+            <a:endParaRPr kumimoji="1" lang="zh-CN" altLang="en-US" sz="2400" dirty="0">
               <a:solidFill>
-                <a:schemeClr val="accent3"/>
+                <a:srgbClr val="FFFF00"/>
               </a:solidFill>
             </a:endParaRPr>
           </a:p>
         </p:txBody>
       </p:sp>
-      <p:pic>
-        <p:nvPicPr>
-          <p:cNvPr id="4" name="图片 3"/>
-          <p:cNvPicPr>
-            <a:picLocks noChangeAspect="1"/>
-          </p:cNvPicPr>
-          <p:nvPr/>
-        </p:nvPicPr>
-        <p:blipFill>
-          <a:blip r:embed="rId2"/>
-          <a:stretch>
-            <a:fillRect/>
-          </a:stretch>
-        </p:blipFill>
-        <p:spPr>
-          <a:xfrm>
-            <a:off x="971600" y="1988840"/>
-            <a:ext cx="6977980" cy="4784334"/>
-          </a:xfrm>
-          <a:prstGeom prst="rect">
-            <a:avLst/>
-          </a:prstGeom>
-        </p:spPr>
-      </p:pic>
     </p:spTree>
     <p:extLst>
       <p:ext uri="{BB962C8B-B14F-4D97-AF65-F5344CB8AC3E}">
-        <p14:creationId xmlns:p14="http://schemas.microsoft.com/office/powerpoint/2010/main" val="2370196897"/>
+        <p14:creationId xmlns:p14="http://schemas.microsoft.com/office/powerpoint/2010/main" val="1021330720"/>
       </p:ext>
     </p:extLst>
   </p:cSld>
@@ -13120,15 +14484,19 @@
           <a:p>
             <a:r>
               <a:rPr lang="zh-CN" altLang="en-US" b="0" dirty="0"/>
-              <a:t>单元格样式</a:t>
+              <a:t>表视图控制器案例</a:t>
             </a:r>
             <a:r>
               <a:rPr lang="en-US" altLang="zh-CN" b="0" dirty="0"/>
-              <a:t>2</a:t>
+              <a:t>(</a:t>
             </a:r>
             <a:r>
               <a:rPr lang="zh-CN" altLang="en-US" b="0" dirty="0"/>
-              <a:t>：副标题</a:t>
+              <a:t>续</a:t>
+            </a:r>
+            <a:r>
+              <a:rPr lang="en-US" altLang="zh-CN" b="0" dirty="0"/>
+              <a:t>)</a:t>
             </a:r>
             <a:endParaRPr kumimoji="1" lang="zh-CN" altLang="en-US" dirty="0"/>
           </a:p>
@@ -13160,14 +14528,14 @@
       </p:sp>
       <p:sp>
         <p:nvSpPr>
-          <p:cNvPr id="4" name="文本框 3"/>
+          <p:cNvPr id="5" name="文本框 4"/>
           <p:cNvSpPr txBox="1"/>
           <p:nvPr/>
         </p:nvSpPr>
         <p:spPr>
           <a:xfrm>
-            <a:off x="179512" y="1340768"/>
-            <a:ext cx="8784976" cy="707886"/>
+            <a:off x="251520" y="1124744"/>
+            <a:ext cx="8496944" cy="5601532"/>
           </a:xfrm>
           <a:prstGeom prst="rect">
             <a:avLst/>
@@ -13181,6 +14549,9 @@
           <a:lstStyle/>
           <a:p>
             <a:pPr marL="342900" indent="-342900">
+              <a:lnSpc>
+                <a:spcPct val="150000"/>
+              </a:lnSpc>
               <a:buClr>
                 <a:srgbClr val="00FFFF"/>
               </a:buClr>
@@ -13188,59 +14559,311 @@
               <a:buChar char="Ø"/>
             </a:pPr>
             <a:r>
-              <a:rPr lang="zh-CN" altLang="en-US" sz="2000" dirty="0" smtClean="0"/>
-              <a:t>分组表</a:t>
-            </a:r>
-            <a:r>
-              <a:rPr lang="zh-CN" altLang="en-US" sz="2000" dirty="0"/>
-              <a:t>格（左）和无格式表格（右）中的副标题单元格样式</a:t>
-            </a:r>
-          </a:p>
-          <a:p>
-            <a:r>
-              <a:rPr lang="en-US" altLang="zh-CN" sz="2000" dirty="0" err="1">
+              <a:rPr lang="zh-CN" altLang="en-US" sz="2400" dirty="0" smtClean="0"/>
+              <a:t>返回块</a:t>
+            </a:r>
+            <a:r>
+              <a:rPr lang="zh-CN" altLang="en-US" sz="2400" dirty="0"/>
+              <a:t>的个数</a:t>
+            </a:r>
+          </a:p>
+          <a:p>
+            <a:pPr>
+              <a:lnSpc>
+                <a:spcPct val="150000"/>
+              </a:lnSpc>
+            </a:pPr>
+            <a:r>
+              <a:rPr lang="en-US" altLang="zh-CN" sz="2400" dirty="0">
                 <a:solidFill>
-                  <a:srgbClr val="FF6700"/>
+                  <a:schemeClr val="accent3"/>
                 </a:solidFill>
               </a:rPr>
-              <a:t>UITableViewCellStyleSubtitle</a:t>
-            </a:r>
-            <a:endParaRPr kumimoji="1" lang="zh-CN" altLang="en-US" sz="2000" dirty="0">
+              <a:t>- (</a:t>
+            </a:r>
+            <a:r>
+              <a:rPr lang="en-US" altLang="zh-CN" sz="2400" dirty="0" err="1">
+                <a:solidFill>
+                  <a:schemeClr val="accent3"/>
+                </a:solidFill>
+              </a:rPr>
+              <a:t>NSInteger</a:t>
+            </a:r>
+            <a:r>
+              <a:rPr lang="en-US" altLang="zh-CN" sz="2400" dirty="0">
+                <a:solidFill>
+                  <a:schemeClr val="accent3"/>
+                </a:solidFill>
+              </a:rPr>
+              <a:t>)</a:t>
+            </a:r>
+            <a:r>
+              <a:rPr lang="en-US" altLang="zh-CN" sz="2400" dirty="0" err="1">
+                <a:solidFill>
+                  <a:schemeClr val="accent3"/>
+                </a:solidFill>
+              </a:rPr>
+              <a:t>numberOfSectionsInTableView</a:t>
+            </a:r>
+            <a:r>
+              <a:rPr lang="en-US" altLang="zh-CN" sz="2400" dirty="0">
+                <a:solidFill>
+                  <a:schemeClr val="accent3"/>
+                </a:solidFill>
+              </a:rPr>
+              <a:t>:(</a:t>
+            </a:r>
+            <a:r>
+              <a:rPr lang="en-US" altLang="zh-CN" sz="2400" dirty="0" err="1">
+                <a:solidFill>
+                  <a:schemeClr val="accent3"/>
+                </a:solidFill>
+              </a:rPr>
+              <a:t>UITableView</a:t>
+            </a:r>
+            <a:endParaRPr lang="en-US" altLang="zh-CN" sz="2400" dirty="0">
               <a:solidFill>
-                <a:srgbClr val="FF6700"/>
+                <a:schemeClr val="accent3"/>
               </a:solidFill>
             </a:endParaRPr>
           </a:p>
-        </p:txBody>
-      </p:sp>
-      <p:pic>
-        <p:nvPicPr>
-          <p:cNvPr id="5" name="图片 4"/>
-          <p:cNvPicPr>
-            <a:picLocks noChangeAspect="1"/>
-          </p:cNvPicPr>
-          <p:nvPr/>
-        </p:nvPicPr>
-        <p:blipFill>
-          <a:blip r:embed="rId2"/>
-          <a:stretch>
-            <a:fillRect/>
-          </a:stretch>
-        </p:blipFill>
-        <p:spPr>
-          <a:xfrm>
-            <a:off x="1043608" y="2073666"/>
-            <a:ext cx="6977980" cy="4784334"/>
-          </a:xfrm>
-          <a:prstGeom prst="rect">
-            <a:avLst/>
-          </a:prstGeom>
-        </p:spPr>
-      </p:pic>
+          <a:p>
+            <a:pPr>
+              <a:lnSpc>
+                <a:spcPct val="150000"/>
+              </a:lnSpc>
+            </a:pPr>
+            <a:r>
+              <a:rPr lang="en-US" altLang="zh-CN" sz="2400" dirty="0">
+                <a:solidFill>
+                  <a:schemeClr val="accent3"/>
+                </a:solidFill>
+              </a:rPr>
+              <a:t>*)</a:t>
+            </a:r>
+            <a:r>
+              <a:rPr lang="en-US" altLang="zh-CN" sz="2400" dirty="0" err="1">
+                <a:solidFill>
+                  <a:schemeClr val="accent3"/>
+                </a:solidFill>
+              </a:rPr>
+              <a:t>tableView</a:t>
+            </a:r>
+            <a:r>
+              <a:rPr lang="en-US" altLang="zh-CN" sz="2400" dirty="0">
+                <a:solidFill>
+                  <a:schemeClr val="accent3"/>
+                </a:solidFill>
+              </a:rPr>
+              <a:t>{</a:t>
+            </a:r>
+          </a:p>
+          <a:p>
+            <a:pPr lvl="1">
+              <a:lnSpc>
+                <a:spcPct val="150000"/>
+              </a:lnSpc>
+            </a:pPr>
+            <a:r>
+              <a:rPr lang="en-US" altLang="zh-CN" sz="2400" dirty="0">
+                <a:solidFill>
+                  <a:schemeClr val="accent3"/>
+                </a:solidFill>
+              </a:rPr>
+              <a:t>return 1;</a:t>
+            </a:r>
+          </a:p>
+          <a:p>
+            <a:pPr>
+              <a:lnSpc>
+                <a:spcPct val="150000"/>
+              </a:lnSpc>
+            </a:pPr>
+            <a:r>
+              <a:rPr lang="en-US" altLang="zh-CN" sz="2400" dirty="0">
+                <a:solidFill>
+                  <a:schemeClr val="accent3"/>
+                </a:solidFill>
+              </a:rPr>
+              <a:t>}</a:t>
+            </a:r>
+          </a:p>
+          <a:p>
+            <a:pPr marL="342900" indent="-342900">
+              <a:lnSpc>
+                <a:spcPct val="150000"/>
+              </a:lnSpc>
+              <a:buClr>
+                <a:srgbClr val="00FFFF"/>
+              </a:buClr>
+              <a:buFont typeface="Wingdings" charset="2"/>
+              <a:buChar char="Ø"/>
+            </a:pPr>
+            <a:r>
+              <a:rPr lang="zh-CN" altLang="en-US" sz="2400" dirty="0" smtClean="0"/>
+              <a:t>返回块中</a:t>
+            </a:r>
+            <a:r>
+              <a:rPr lang="zh-CN" altLang="en-US" sz="2400" dirty="0"/>
+              <a:t>行数</a:t>
+            </a:r>
+          </a:p>
+          <a:p>
+            <a:pPr>
+              <a:lnSpc>
+                <a:spcPct val="150000"/>
+              </a:lnSpc>
+            </a:pPr>
+            <a:r>
+              <a:rPr lang="en-US" altLang="zh-CN" sz="2400" dirty="0">
+                <a:solidFill>
+                  <a:srgbClr val="FFFF00"/>
+                </a:solidFill>
+              </a:rPr>
+              <a:t>- (</a:t>
+            </a:r>
+            <a:r>
+              <a:rPr lang="en-US" altLang="zh-CN" sz="2400" dirty="0" err="1">
+                <a:solidFill>
+                  <a:srgbClr val="FFFF00"/>
+                </a:solidFill>
+              </a:rPr>
+              <a:t>NSInteger</a:t>
+            </a:r>
+            <a:r>
+              <a:rPr lang="en-US" altLang="zh-CN" sz="2400" dirty="0">
+                <a:solidFill>
+                  <a:srgbClr val="FFFF00"/>
+                </a:solidFill>
+              </a:rPr>
+              <a:t>)</a:t>
+            </a:r>
+            <a:r>
+              <a:rPr lang="en-US" altLang="zh-CN" sz="2400" dirty="0" err="1">
+                <a:solidFill>
+                  <a:srgbClr val="FFFF00"/>
+                </a:solidFill>
+              </a:rPr>
+              <a:t>tableView</a:t>
+            </a:r>
+            <a:r>
+              <a:rPr lang="en-US" altLang="zh-CN" sz="2400" dirty="0">
+                <a:solidFill>
+                  <a:srgbClr val="FFFF00"/>
+                </a:solidFill>
+              </a:rPr>
+              <a:t>:(</a:t>
+            </a:r>
+            <a:r>
+              <a:rPr lang="en-US" altLang="zh-CN" sz="2400" dirty="0" err="1">
+                <a:solidFill>
+                  <a:srgbClr val="FFFF00"/>
+                </a:solidFill>
+              </a:rPr>
+              <a:t>UITableView</a:t>
+            </a:r>
+            <a:r>
+              <a:rPr lang="en-US" altLang="zh-CN" sz="2400" dirty="0">
+                <a:solidFill>
+                  <a:srgbClr val="FFFF00"/>
+                </a:solidFill>
+              </a:rPr>
+              <a:t> *)</a:t>
+            </a:r>
+            <a:r>
+              <a:rPr lang="en-US" altLang="zh-CN" sz="2400" dirty="0" err="1">
+                <a:solidFill>
+                  <a:srgbClr val="FFFF00"/>
+                </a:solidFill>
+              </a:rPr>
+              <a:t>tableView</a:t>
+            </a:r>
+            <a:endParaRPr lang="en-US" altLang="zh-CN" sz="2400" dirty="0">
+              <a:solidFill>
+                <a:srgbClr val="FFFF00"/>
+              </a:solidFill>
+            </a:endParaRPr>
+          </a:p>
+          <a:p>
+            <a:pPr>
+              <a:lnSpc>
+                <a:spcPct val="150000"/>
+              </a:lnSpc>
+            </a:pPr>
+            <a:r>
+              <a:rPr lang="en-US" altLang="zh-CN" sz="2400" dirty="0" err="1">
+                <a:solidFill>
+                  <a:srgbClr val="FFFF00"/>
+                </a:solidFill>
+              </a:rPr>
+              <a:t>numberOfRowsInSection</a:t>
+            </a:r>
+            <a:r>
+              <a:rPr lang="en-US" altLang="zh-CN" sz="2400" dirty="0">
+                <a:solidFill>
+                  <a:srgbClr val="FFFF00"/>
+                </a:solidFill>
+              </a:rPr>
+              <a:t>:(</a:t>
+            </a:r>
+            <a:r>
+              <a:rPr lang="en-US" altLang="zh-CN" sz="2400" dirty="0" err="1">
+                <a:solidFill>
+                  <a:srgbClr val="FFFF00"/>
+                </a:solidFill>
+              </a:rPr>
+              <a:t>NSInteger</a:t>
+            </a:r>
+            <a:r>
+              <a:rPr lang="en-US" altLang="zh-CN" sz="2400" dirty="0">
+                <a:solidFill>
+                  <a:srgbClr val="FFFF00"/>
+                </a:solidFill>
+              </a:rPr>
+              <a:t>)section{</a:t>
+            </a:r>
+          </a:p>
+          <a:p>
+            <a:pPr lvl="1">
+              <a:lnSpc>
+                <a:spcPct val="150000"/>
+              </a:lnSpc>
+            </a:pPr>
+            <a:r>
+              <a:rPr lang="en-US" altLang="zh-CN" sz="2400" dirty="0">
+                <a:solidFill>
+                  <a:srgbClr val="FFFF00"/>
+                </a:solidFill>
+              </a:rPr>
+              <a:t>return [city count];</a:t>
+            </a:r>
+          </a:p>
+          <a:p>
+            <a:pPr>
+              <a:lnSpc>
+                <a:spcPct val="150000"/>
+              </a:lnSpc>
+            </a:pPr>
+            <a:r>
+              <a:rPr lang="en-US" altLang="zh-CN" sz="2400" dirty="0">
+                <a:solidFill>
+                  <a:srgbClr val="FFFF00"/>
+                </a:solidFill>
+              </a:rPr>
+              <a:t>}</a:t>
+            </a:r>
+            <a:endParaRPr kumimoji="1" lang="zh-CN" altLang="en-US" sz="2400" dirty="0">
+              <a:solidFill>
+                <a:srgbClr val="FFFF00"/>
+              </a:solidFill>
+            </a:endParaRPr>
+          </a:p>
+        </p:txBody>
+      </p:sp>
     </p:spTree>
     <p:extLst>
       <p:ext uri="{BB962C8B-B14F-4D97-AF65-F5344CB8AC3E}">
-        <p14:creationId xmlns:p14="http://schemas.microsoft.com/office/powerpoint/2010/main" val="3830065932"/>
+        <p14:creationId xmlns:p14="http://schemas.microsoft.com/office/powerpoint/2010/main" val="834987495"/>
       </p:ext>
     </p:extLst>
   </p:cSld>
@@ -13293,6 +14916,18 @@
               <a:rPr lang="zh-CN" altLang="en-US" b="0" dirty="0"/>
               <a:t>表视图控制器案例</a:t>
             </a:r>
+            <a:r>
+              <a:rPr lang="en-US" altLang="zh-CN" b="0" dirty="0"/>
+              <a:t>(</a:t>
+            </a:r>
+            <a:r>
+              <a:rPr lang="zh-CN" altLang="en-US" b="0" dirty="0"/>
+              <a:t>再续</a:t>
+            </a:r>
+            <a:r>
+              <a:rPr lang="en-US" altLang="zh-CN" b="0" dirty="0"/>
+              <a:t>)</a:t>
+            </a:r>
             <a:endParaRPr kumimoji="1" lang="zh-CN" altLang="en-US" dirty="0"/>
           </a:p>
         </p:txBody>
@@ -13323,14 +14958,14 @@
       </p:sp>
       <p:sp>
         <p:nvSpPr>
-          <p:cNvPr id="5" name="文本框 4"/>
+          <p:cNvPr id="4" name="文本框 3"/>
           <p:cNvSpPr txBox="1"/>
           <p:nvPr/>
         </p:nvSpPr>
         <p:spPr>
           <a:xfrm>
-            <a:off x="179512" y="1412776"/>
-            <a:ext cx="8496944" cy="5047535"/>
+            <a:off x="179512" y="1340768"/>
+            <a:ext cx="8712968" cy="5159875"/>
           </a:xfrm>
           <a:prstGeom prst="rect">
             <a:avLst/>
@@ -13345,7 +14980,7 @@
           <a:p>
             <a:pPr marL="342900" indent="-342900">
               <a:lnSpc>
-                <a:spcPct val="150000"/>
+                <a:spcPct val="130000"/>
               </a:lnSpc>
               <a:buClr>
                 <a:srgbClr val="00FFFF"/>
@@ -13354,15 +14989,26 @@
               <a:buChar char="Ø"/>
             </a:pPr>
             <a:r>
-              <a:rPr lang="zh-CN" altLang="en-US" sz="2400" dirty="0" smtClean="0"/>
-              <a:t>新建项目</a:t>
-            </a:r>
-            <a:endParaRPr lang="zh-CN" altLang="en-US" sz="2400" dirty="0"/>
-          </a:p>
-          <a:p>
-            <a:pPr marL="342900" indent="-342900">
+              <a:rPr lang="en-US" altLang="zh-CN" sz="2000" dirty="0" smtClean="0"/>
+              <a:t>/</a:t>
+            </a:r>
+            <a:r>
+              <a:rPr lang="en-US" altLang="zh-CN" sz="2000" dirty="0"/>
+              <a:t>/</a:t>
+            </a:r>
+            <a:r>
+              <a:rPr lang="zh-CN" altLang="en-US" sz="2000" dirty="0"/>
+              <a:t>返回指定块</a:t>
+            </a:r>
+            <a:r>
+              <a:rPr lang="zh-CN" altLang="en-US" dirty="0"/>
+              <a:t>和行的表单元</a:t>
+            </a:r>
+          </a:p>
+          <a:p>
+            <a:pPr marL="285750" indent="-285750">
               <a:lnSpc>
-                <a:spcPct val="150000"/>
+                <a:spcPct val="130000"/>
               </a:lnSpc>
               <a:buClr>
                 <a:srgbClr val="00FFFF"/>
@@ -13371,244 +15017,340 @@
               <a:buChar char="Ø"/>
             </a:pPr>
             <a:r>
-              <a:rPr lang="en-US" altLang="zh-CN" sz="2400" dirty="0" smtClean="0"/>
-              <a:t>New</a:t>
-            </a:r>
-            <a:r>
-              <a:rPr lang="en-US" altLang="zh-CN" sz="2400" dirty="0"/>
-              <a:t>-&gt;File-&gt;</a:t>
-            </a:r>
-            <a:r>
-              <a:rPr lang="en-US" altLang="zh-CN" sz="2400" dirty="0" err="1"/>
-              <a:t>UIViewController</a:t>
-            </a:r>
-            <a:r>
-              <a:rPr lang="en-US" altLang="zh-CN" sz="2400" dirty="0"/>
-              <a:t> subclass-&gt;Subclass of</a:t>
-            </a:r>
+              <a:rPr lang="pl-PL" altLang="zh-CN" dirty="0" smtClean="0"/>
+              <a:t>- </a:t>
+            </a:r>
+            <a:r>
+              <a:rPr lang="pl-PL" altLang="zh-CN" dirty="0"/>
+              <a:t>(</a:t>
+            </a:r>
+            <a:r>
+              <a:rPr lang="pl-PL" altLang="zh-CN" dirty="0" err="1"/>
+              <a:t>UITableViewCell</a:t>
+            </a:r>
+            <a:r>
+              <a:rPr lang="pl-PL" altLang="zh-CN" dirty="0"/>
+              <a:t> *)</a:t>
+            </a:r>
+            <a:r>
+              <a:rPr lang="pl-PL" altLang="zh-CN" dirty="0" err="1"/>
+              <a:t>tableView</a:t>
+            </a:r>
+            <a:r>
+              <a:rPr lang="pl-PL" altLang="zh-CN" dirty="0"/>
+              <a:t>:(</a:t>
+            </a:r>
+            <a:r>
+              <a:rPr lang="pl-PL" altLang="zh-CN" dirty="0" err="1"/>
+              <a:t>UITableView</a:t>
+            </a:r>
+            <a:r>
+              <a:rPr lang="pl-PL" altLang="zh-CN" dirty="0"/>
+              <a:t> *)</a:t>
+            </a:r>
+            <a:r>
+              <a:rPr lang="pl-PL" altLang="zh-CN" dirty="0" err="1"/>
+              <a:t>tableView</a:t>
+            </a:r>
+            <a:endParaRPr lang="pl-PL" altLang="zh-CN" dirty="0"/>
           </a:p>
           <a:p>
             <a:pPr>
               <a:lnSpc>
-                <a:spcPct val="150000"/>
+                <a:spcPct val="130000"/>
               </a:lnSpc>
-              <a:buClr>
-                <a:srgbClr val="00FFFF"/>
-              </a:buClr>
             </a:pPr>
             <a:r>
-              <a:rPr lang="en-US" altLang="zh-CN" sz="2400" dirty="0" err="1"/>
-              <a:t>UITableViewController</a:t>
-            </a:r>
-            <a:endParaRPr lang="en-US" altLang="zh-CN" sz="2400" dirty="0"/>
-          </a:p>
-          <a:p>
-            <a:pPr marL="342900" indent="-342900">
+              <a:rPr lang="pl-PL" altLang="zh-CN" dirty="0" err="1"/>
+              <a:t>cellForRowAtIndexPath</a:t>
+            </a:r>
+            <a:r>
+              <a:rPr lang="pl-PL" altLang="zh-CN" dirty="0"/>
+              <a:t>:(</a:t>
+            </a:r>
+            <a:r>
+              <a:rPr lang="pl-PL" altLang="zh-CN" dirty="0" err="1"/>
+              <a:t>NSIndexPath</a:t>
+            </a:r>
+            <a:r>
+              <a:rPr lang="pl-PL" altLang="zh-CN" dirty="0"/>
+              <a:t> *)</a:t>
+            </a:r>
+            <a:r>
+              <a:rPr lang="pl-PL" altLang="zh-CN" dirty="0" err="1"/>
+              <a:t>indexPath</a:t>
+            </a:r>
+            <a:r>
+              <a:rPr lang="pl-PL" altLang="zh-CN" dirty="0"/>
+              <a:t>{</a:t>
+            </a:r>
+          </a:p>
+          <a:p>
+            <a:pPr lvl="1">
               <a:lnSpc>
-                <a:spcPct val="150000"/>
+                <a:spcPct val="130000"/>
               </a:lnSpc>
-              <a:buClr>
-                <a:srgbClr val="00FFFF"/>
-              </a:buClr>
-              <a:buFont typeface="Wingdings" charset="2"/>
-              <a:buChar char="Ø"/>
             </a:pPr>
             <a:r>
-              <a:rPr lang="zh-CN" altLang="en-US" sz="2400" dirty="0" smtClean="0"/>
-              <a:t>打开</a:t>
-            </a:r>
-            <a:r>
-              <a:rPr lang="en-US" altLang="zh-CN" sz="2400" dirty="0" err="1" smtClean="0"/>
-              <a:t>xib</a:t>
-            </a:r>
-            <a:r>
-              <a:rPr lang="zh-CN" altLang="en-US" sz="2400" dirty="0" smtClean="0"/>
-              <a:t>文件的属性检查器</a:t>
-            </a:r>
-            <a:r>
-              <a:rPr lang="en-US" altLang="zh-CN" sz="2400" dirty="0" smtClean="0"/>
-              <a:t>,</a:t>
-            </a:r>
-            <a:r>
-              <a:rPr lang="zh-CN" altLang="en-US" sz="2400" dirty="0" smtClean="0"/>
-              <a:t>修改表视图的属性</a:t>
-            </a:r>
-          </a:p>
-          <a:p>
-            <a:pPr marL="800100" lvl="1" indent="-342900">
+              <a:rPr lang="pl-PL" altLang="zh-CN" dirty="0" err="1"/>
+              <a:t>static</a:t>
+            </a:r>
+            <a:r>
+              <a:rPr lang="pl-PL" altLang="zh-CN" dirty="0"/>
+              <a:t> </a:t>
+            </a:r>
+            <a:r>
+              <a:rPr lang="pl-PL" altLang="zh-CN" dirty="0" err="1"/>
+              <a:t>NSString</a:t>
+            </a:r>
+            <a:r>
+              <a:rPr lang="pl-PL" altLang="zh-CN" dirty="0"/>
+              <a:t> *</a:t>
+            </a:r>
+            <a:r>
+              <a:rPr lang="pl-PL" altLang="zh-CN" dirty="0" err="1"/>
+              <a:t>CellIdentifier</a:t>
+            </a:r>
+            <a:r>
+              <a:rPr lang="pl-PL" altLang="zh-CN" dirty="0"/>
+              <a:t> = @"Cell";</a:t>
+            </a:r>
+          </a:p>
+          <a:p>
+            <a:pPr lvl="1">
               <a:lnSpc>
-                <a:spcPct val="150000"/>
+                <a:spcPct val="130000"/>
               </a:lnSpc>
-              <a:buClr>
-                <a:srgbClr val="00FFFF"/>
-              </a:buClr>
-              <a:buFont typeface="Wingdings" charset="2"/>
-              <a:buChar char="Ø"/>
             </a:pPr>
             <a:r>
-              <a:rPr lang="en-US" altLang="zh-TW" sz="2400" dirty="0" smtClean="0"/>
-              <a:t>Style</a:t>
-            </a:r>
-            <a:r>
-              <a:rPr lang="zh-TW" altLang="en-US" sz="2400" dirty="0" smtClean="0"/>
-              <a:t>设置视图类型</a:t>
-            </a:r>
-            <a:r>
-              <a:rPr lang="en-US" altLang="zh-TW" sz="2400" dirty="0" smtClean="0"/>
-              <a:t>:</a:t>
-            </a:r>
-            <a:r>
-              <a:rPr lang="en-US" altLang="zh-TW" sz="2400" dirty="0" smtClean="0">
-                <a:solidFill>
-                  <a:srgbClr val="FF6700"/>
-                </a:solidFill>
-              </a:rPr>
-              <a:t>Plain</a:t>
-            </a:r>
-            <a:r>
-              <a:rPr lang="zh-TW" altLang="en-US" sz="2400" dirty="0" smtClean="0"/>
-              <a:t>不分组， </a:t>
-            </a:r>
-            <a:r>
-              <a:rPr lang="en-US" altLang="zh-TW" sz="2400" dirty="0" smtClean="0">
-                <a:solidFill>
-                  <a:schemeClr val="accent3"/>
-                </a:solidFill>
-              </a:rPr>
-              <a:t>Grouped</a:t>
-            </a:r>
-            <a:r>
-              <a:rPr lang="zh-TW" altLang="en-US" sz="2400" dirty="0" smtClean="0"/>
-              <a:t>分组</a:t>
-            </a:r>
-          </a:p>
-          <a:p>
-            <a:pPr marL="342900" indent="-342900">
-              <a:lnSpc>
-                <a:spcPct val="150000"/>
-              </a:lnSpc>
-              <a:buClr>
-                <a:srgbClr val="00FFFF"/>
-              </a:buClr>
-              <a:buFont typeface="Wingdings" charset="2"/>
-              <a:buChar char="Ø"/>
-            </a:pPr>
-            <a:r>
-              <a:rPr lang="zh-TW" altLang="en-US" sz="2400" dirty="0" smtClean="0"/>
-              <a:t>在委托类</a:t>
-            </a:r>
-            <a:r>
-              <a:rPr lang="en-US" altLang="zh-TW" sz="2400" dirty="0"/>
-              <a:t>.h</a:t>
-            </a:r>
-            <a:r>
-              <a:rPr lang="zh-TW" altLang="en-US" sz="2400" dirty="0"/>
-              <a:t>中加入表视图控制器属性</a:t>
-            </a:r>
-          </a:p>
-          <a:p>
-            <a:pPr marL="342900" indent="-342900">
-              <a:lnSpc>
-                <a:spcPct val="150000"/>
-              </a:lnSpc>
-              <a:buClr>
-                <a:srgbClr val="00FFFF"/>
-              </a:buClr>
-              <a:buFont typeface="Wingdings" charset="2"/>
-              <a:buChar char="Ø"/>
-            </a:pPr>
-            <a:r>
-              <a:rPr lang="zh-TW" altLang="en-US" sz="2400" dirty="0" smtClean="0"/>
-              <a:t>在委托类</a:t>
-            </a:r>
-            <a:r>
-              <a:rPr lang="en-US" altLang="zh-TW" sz="2400" dirty="0"/>
-              <a:t>.m</a:t>
-            </a:r>
-            <a:r>
-              <a:rPr lang="zh-TW" altLang="en-US" sz="2400" dirty="0"/>
-              <a:t>中实例化表视图控制器</a:t>
-            </a:r>
-          </a:p>
-          <a:p>
-            <a:pPr marL="342900" indent="-342900">
-              <a:lnSpc>
-                <a:spcPct val="150000"/>
-              </a:lnSpc>
-              <a:buClr>
-                <a:srgbClr val="00FFFF"/>
-              </a:buClr>
-              <a:buFont typeface="Wingdings" charset="2"/>
-              <a:buChar char="Ø"/>
-            </a:pPr>
-            <a:r>
-              <a:rPr lang="zh-TW" altLang="en-US" sz="2400" dirty="0" smtClean="0"/>
-              <a:t>在委托类</a:t>
-            </a:r>
-            <a:r>
-              <a:rPr lang="en-US" altLang="zh-TW" sz="2400" dirty="0"/>
-              <a:t>.m</a:t>
-            </a:r>
-            <a:r>
-              <a:rPr lang="zh-TW" altLang="en-US" sz="2400" dirty="0"/>
-              <a:t>中</a:t>
-            </a:r>
-            <a:r>
-              <a:rPr lang="en-US" altLang="zh-TW" sz="2400" dirty="0" err="1"/>
-              <a:t>dealloc</a:t>
-            </a:r>
-            <a:r>
-              <a:rPr lang="zh-TW" altLang="en-US" sz="2400" dirty="0"/>
-              <a:t>方法中释放表视图控制器实例</a:t>
-            </a:r>
-          </a:p>
-          <a:p>
-            <a:pPr marL="342900" indent="-342900">
-              <a:lnSpc>
-                <a:spcPct val="150000"/>
-              </a:lnSpc>
-              <a:buClr>
-                <a:srgbClr val="00FFFF"/>
-              </a:buClr>
-              <a:buFont typeface="Wingdings" charset="2"/>
-              <a:buChar char="Ø"/>
-            </a:pPr>
-            <a:r>
-              <a:rPr lang="zh-CN" altLang="pl-PL" sz="2400" dirty="0" smtClean="0">
+              <a:rPr lang="pl-PL" altLang="zh-CN" dirty="0" err="1">
                 <a:solidFill>
                   <a:srgbClr val="FFFF00"/>
                 </a:solidFill>
               </a:rPr>
-              <a:t>演示</a:t>
-            </a:r>
-            <a:r>
-              <a:rPr lang="zh-CN" altLang="pl-PL" sz="2400" dirty="0">
+              <a:t>UITableViewCell</a:t>
+            </a:r>
+            <a:r>
+              <a:rPr lang="pl-PL" altLang="zh-CN" dirty="0">
                 <a:solidFill>
                   <a:srgbClr val="FFFF00"/>
                 </a:solidFill>
               </a:rPr>
-              <a:t>案例</a:t>
-            </a:r>
-            <a:r>
-              <a:rPr lang="pl-PL" altLang="zh-CN" sz="2400" dirty="0" err="1">
+              <a:t> *</a:t>
+            </a:r>
+            <a:r>
+              <a:rPr lang="pl-PL" altLang="zh-CN" dirty="0" err="1">
                 <a:solidFill>
                   <a:srgbClr val="FFFF00"/>
                 </a:solidFill>
               </a:rPr>
-              <a:t>TableViewControllerDemo</a:t>
-            </a:r>
-            <a:endParaRPr kumimoji="1" lang="zh-CN" altLang="en-US" sz="2400" dirty="0">
+              <a:t>cell</a:t>
+            </a:r>
+            <a:r>
+              <a:rPr lang="pl-PL" altLang="zh-CN" dirty="0">
+                <a:solidFill>
+                  <a:srgbClr val="FFFF00"/>
+                </a:solidFill>
+              </a:rPr>
+              <a:t> = [</a:t>
+            </a:r>
+            <a:r>
+              <a:rPr lang="pl-PL" altLang="zh-CN" dirty="0" err="1">
+                <a:solidFill>
+                  <a:srgbClr val="FFFF00"/>
+                </a:solidFill>
+              </a:rPr>
+              <a:t>tableView</a:t>
+            </a:r>
+            <a:endParaRPr lang="pl-PL" altLang="zh-CN" dirty="0">
               <a:solidFill>
                 <a:srgbClr val="FFFF00"/>
               </a:solidFill>
             </a:endParaRPr>
           </a:p>
+          <a:p>
+            <a:pPr lvl="1">
+              <a:lnSpc>
+                <a:spcPct val="130000"/>
+              </a:lnSpc>
+            </a:pPr>
+            <a:r>
+              <a:rPr lang="pl-PL" altLang="zh-CN" dirty="0" err="1">
+                <a:solidFill>
+                  <a:srgbClr val="FFFF00"/>
+                </a:solidFill>
+              </a:rPr>
+              <a:t>dequeueReusableCellWithIdentifier:CellIdentifier</a:t>
+            </a:r>
+            <a:r>
+              <a:rPr lang="pl-PL" altLang="zh-CN" dirty="0">
+                <a:solidFill>
+                  <a:srgbClr val="FFFF00"/>
+                </a:solidFill>
+              </a:rPr>
+              <a:t>];</a:t>
+            </a:r>
+          </a:p>
+          <a:p>
+            <a:pPr lvl="1">
+              <a:lnSpc>
+                <a:spcPct val="130000"/>
+              </a:lnSpc>
+            </a:pPr>
+            <a:r>
+              <a:rPr lang="sv-SE" altLang="zh-CN" dirty="0" err="1"/>
+              <a:t>if</a:t>
+            </a:r>
+            <a:r>
+              <a:rPr lang="sv-SE" altLang="zh-CN" dirty="0"/>
+              <a:t> (cell == </a:t>
+            </a:r>
+            <a:r>
+              <a:rPr lang="sv-SE" altLang="zh-CN" dirty="0" err="1"/>
+              <a:t>nil</a:t>
+            </a:r>
+            <a:r>
+              <a:rPr lang="sv-SE" altLang="zh-CN" dirty="0"/>
+              <a:t>) {</a:t>
+            </a:r>
+          </a:p>
+          <a:p>
+            <a:pPr lvl="2">
+              <a:lnSpc>
+                <a:spcPct val="130000"/>
+              </a:lnSpc>
+            </a:pPr>
+            <a:r>
+              <a:rPr lang="sv-SE" altLang="zh-CN" dirty="0"/>
+              <a:t>cell = [[[</a:t>
+            </a:r>
+            <a:r>
+              <a:rPr lang="sv-SE" altLang="zh-CN" dirty="0" err="1"/>
+              <a:t>UITableViewCell</a:t>
+            </a:r>
+            <a:r>
+              <a:rPr lang="sv-SE" altLang="zh-CN" dirty="0"/>
+              <a:t> </a:t>
+            </a:r>
+            <a:r>
+              <a:rPr lang="sv-SE" altLang="zh-CN" dirty="0" err="1"/>
+              <a:t>alloc</a:t>
+            </a:r>
+            <a:r>
+              <a:rPr lang="sv-SE" altLang="zh-CN" dirty="0"/>
+              <a:t>] </a:t>
+            </a:r>
+            <a:r>
+              <a:rPr lang="sv-SE" altLang="zh-CN" dirty="0" err="1"/>
+              <a:t>initWithStyle:UITableViewCellStyleDefault</a:t>
+            </a:r>
+            <a:endParaRPr lang="sv-SE" altLang="zh-CN" dirty="0"/>
+          </a:p>
+          <a:p>
+            <a:pPr lvl="2">
+              <a:lnSpc>
+                <a:spcPct val="130000"/>
+              </a:lnSpc>
+            </a:pPr>
+            <a:r>
+              <a:rPr lang="sv-SE" altLang="zh-CN" dirty="0" err="1"/>
+              <a:t>reuseIdentifier:CellIdentifier</a:t>
+            </a:r>
+            <a:r>
+              <a:rPr lang="sv-SE" altLang="zh-CN" dirty="0"/>
+              <a:t>] autorelease];</a:t>
+            </a:r>
+          </a:p>
+          <a:p>
+            <a:pPr lvl="1">
+              <a:lnSpc>
+                <a:spcPct val="130000"/>
+              </a:lnSpc>
+            </a:pPr>
+            <a:r>
+              <a:rPr lang="sv-SE" altLang="zh-CN" dirty="0"/>
+              <a:t>}</a:t>
+            </a:r>
+          </a:p>
+          <a:p>
+            <a:pPr lvl="1">
+              <a:lnSpc>
+                <a:spcPct val="130000"/>
+              </a:lnSpc>
+            </a:pPr>
+            <a:r>
+              <a:rPr lang="sv-SE" altLang="zh-CN" dirty="0" err="1"/>
+              <a:t>cell.textLabel.text</a:t>
+            </a:r>
+            <a:r>
+              <a:rPr lang="sv-SE" altLang="zh-CN" dirty="0"/>
+              <a:t>=[city </a:t>
+            </a:r>
+            <a:r>
+              <a:rPr lang="sv-SE" altLang="zh-CN" dirty="0" err="1"/>
+              <a:t>objectAtIndex:indexPath.row</a:t>
+            </a:r>
+            <a:r>
+              <a:rPr lang="sv-SE" altLang="zh-CN" dirty="0"/>
+              <a:t>];</a:t>
+            </a:r>
+          </a:p>
+          <a:p>
+            <a:pPr lvl="1">
+              <a:lnSpc>
+                <a:spcPct val="130000"/>
+              </a:lnSpc>
+            </a:pPr>
+            <a:r>
+              <a:rPr lang="sv-SE" altLang="zh-CN" dirty="0" err="1"/>
+              <a:t>cell.detailTextLabel.text</a:t>
+            </a:r>
+            <a:r>
+              <a:rPr lang="sv-SE" altLang="zh-CN" dirty="0"/>
+              <a:t>=@"</a:t>
+            </a:r>
+            <a:r>
+              <a:rPr lang="zh-CN" altLang="sv-SE" dirty="0"/>
+              <a:t>详细信息</a:t>
+            </a:r>
+            <a:r>
+              <a:rPr lang="sv-SE" altLang="zh-CN" dirty="0"/>
+              <a:t>";</a:t>
+            </a:r>
+          </a:p>
+          <a:p>
+            <a:pPr lvl="1">
+              <a:lnSpc>
+                <a:spcPct val="130000"/>
+              </a:lnSpc>
+            </a:pPr>
+            <a:r>
+              <a:rPr lang="sv-SE" altLang="zh-CN" dirty="0" err="1"/>
+              <a:t>return</a:t>
+            </a:r>
+            <a:r>
+              <a:rPr lang="sv-SE" altLang="zh-CN" dirty="0"/>
+              <a:t> cell;</a:t>
+            </a:r>
+          </a:p>
+          <a:p>
+            <a:pPr>
+              <a:lnSpc>
+                <a:spcPct val="130000"/>
+              </a:lnSpc>
+            </a:pPr>
+            <a:r>
+              <a:rPr lang="sv-SE" altLang="zh-CN" dirty="0"/>
+              <a:t>}</a:t>
+            </a:r>
+            <a:endParaRPr kumimoji="1" lang="zh-CN" altLang="en-US" dirty="0"/>
+          </a:p>
         </p:txBody>
       </p:sp>
     </p:spTree>
     <p:extLst>
       <p:ext uri="{BB962C8B-B14F-4D97-AF65-F5344CB8AC3E}">
-        <p14:creationId xmlns:p14="http://schemas.microsoft.com/office/powerpoint/2010/main" val="2103606827"/>
+        <p14:creationId xmlns:p14="http://schemas.microsoft.com/office/powerpoint/2010/main" val="209642116"/>
       </p:ext>
     </p:extLst>
   </p:cSld>
@@ -13654,26 +15396,19 @@
         </p:nvSpPr>
         <p:spPr/>
         <p:txBody>
-          <a:bodyPr/>
+          <a:bodyPr anchor="ctr"/>
           <a:lstStyle/>
           <a:p>
-            <a:r>
-              <a:rPr lang="zh-CN" altLang="en-US" b="0" dirty="0"/>
-              <a:t>表视图控制器案例</a:t>
-            </a:r>
-            <a:r>
-              <a:rPr lang="en-US" altLang="zh-CN" b="0" dirty="0"/>
-              <a:t>(</a:t>
-            </a:r>
-            <a:r>
-              <a:rPr lang="zh-CN" altLang="en-US" b="0" dirty="0"/>
-              <a:t>续</a:t>
-            </a:r>
-            <a:r>
-              <a:rPr lang="en-US" altLang="zh-CN" b="0" dirty="0"/>
-              <a:t>)</a:t>
-            </a:r>
-            <a:endParaRPr kumimoji="1" lang="zh-CN" altLang="en-US" dirty="0"/>
+            <a:pPr marL="342900" indent="-342900">
+              <a:lnSpc>
+                <a:spcPct val="150000"/>
+              </a:lnSpc>
+            </a:pPr>
+            <a:r>
+              <a:rPr lang="zh-CN" altLang="en-US" dirty="0"/>
+              <a:t>集合视图控制器</a:t>
+            </a:r>
+            <a:endParaRPr lang="zh-CN" altLang="en-US" dirty="0"/>
           </a:p>
         </p:txBody>
       </p:sp>
@@ -13703,14 +15438,14 @@
       </p:sp>
       <p:sp>
         <p:nvSpPr>
-          <p:cNvPr id="5" name="文本框 4"/>
+          <p:cNvPr id="10" name="文本框 9"/>
           <p:cNvSpPr txBox="1"/>
           <p:nvPr/>
         </p:nvSpPr>
         <p:spPr>
           <a:xfrm>
-            <a:off x="179512" y="1256468"/>
-            <a:ext cx="8712968" cy="4493537"/>
+            <a:off x="107504" y="1196752"/>
+            <a:ext cx="5400600" cy="5355313"/>
           </a:xfrm>
           <a:prstGeom prst="rect">
             <a:avLst/>
@@ -13723,311 +15458,122 @@
           </a:bodyPr>
           <a:lstStyle/>
           <a:p>
-            <a:pPr marL="342900" indent="-342900">
-              <a:lnSpc>
-                <a:spcPct val="150000"/>
-              </a:lnSpc>
-              <a:buClr>
-                <a:srgbClr val="00FFFF"/>
-              </a:buClr>
-              <a:buFont typeface="Wingdings" charset="2"/>
-              <a:buChar char="Ø"/>
-            </a:pPr>
-            <a:r>
-              <a:rPr lang="zh-CN" altLang="en-US" sz="2400" dirty="0" smtClean="0"/>
-              <a:t>准备表视图</a:t>
-            </a:r>
-            <a:r>
-              <a:rPr lang="zh-CN" altLang="en-US" sz="2400" dirty="0"/>
-              <a:t>的数据源</a:t>
-            </a:r>
-          </a:p>
-          <a:p>
-            <a:pPr marL="800100" lvl="1" indent="-342900">
-              <a:lnSpc>
-                <a:spcPct val="150000"/>
-              </a:lnSpc>
-              <a:buClr>
-                <a:srgbClr val="00FFFF"/>
-              </a:buClr>
-              <a:buFont typeface="Wingdings" charset="2"/>
-              <a:buChar char="Ø"/>
-            </a:pPr>
-            <a:r>
-              <a:rPr lang="zh-TW" altLang="en-US" sz="2400" dirty="0" smtClean="0"/>
-              <a:t>在表视图</a:t>
-            </a:r>
-            <a:r>
-              <a:rPr lang="zh-TW" altLang="en-US" sz="2400" dirty="0"/>
-              <a:t>控制器</a:t>
-            </a:r>
-            <a:r>
-              <a:rPr lang="en-US" altLang="zh-TW" sz="2400" dirty="0"/>
-              <a:t>.h</a:t>
-            </a:r>
-            <a:r>
-              <a:rPr lang="zh-TW" altLang="en-US" sz="2400" dirty="0"/>
-              <a:t>中加入</a:t>
-            </a:r>
-            <a:r>
-              <a:rPr lang="en-US" altLang="zh-TW" sz="2400" dirty="0" err="1">
-                <a:solidFill>
-                  <a:srgbClr val="FFFF00"/>
-                </a:solidFill>
-              </a:rPr>
-              <a:t>NSArray</a:t>
-            </a:r>
-            <a:r>
-              <a:rPr lang="en-US" altLang="zh-TW" sz="2400" dirty="0">
-                <a:solidFill>
-                  <a:srgbClr val="FFFF00"/>
-                </a:solidFill>
-              </a:rPr>
-              <a:t> *city</a:t>
-            </a:r>
-            <a:r>
-              <a:rPr lang="en-US" altLang="zh-TW" sz="2400" dirty="0"/>
-              <a:t>;</a:t>
-            </a:r>
-          </a:p>
-          <a:p>
-            <a:pPr marL="342900" indent="-342900">
-              <a:lnSpc>
-                <a:spcPct val="150000"/>
-              </a:lnSpc>
-              <a:buClr>
-                <a:srgbClr val="00FFFF"/>
-              </a:buClr>
-              <a:buFont typeface="Wingdings" charset="2"/>
-              <a:buChar char="Ø"/>
-            </a:pPr>
-            <a:r>
-              <a:rPr lang="zh-CN" altLang="en-US" sz="2400" dirty="0" smtClean="0"/>
-              <a:t>在表视图</a:t>
-            </a:r>
-            <a:r>
-              <a:rPr lang="zh-CN" altLang="en-US" sz="2400" dirty="0"/>
-              <a:t>控制器</a:t>
-            </a:r>
-            <a:r>
-              <a:rPr lang="en-US" altLang="zh-CN" sz="2400" dirty="0"/>
-              <a:t>.m</a:t>
-            </a:r>
-            <a:r>
-              <a:rPr lang="zh-CN" altLang="en-US" sz="2400" dirty="0"/>
-              <a:t>中添加装载数据的方法</a:t>
-            </a:r>
-          </a:p>
-          <a:p>
             <a:pPr>
               <a:lnSpc>
-                <a:spcPct val="150000"/>
+                <a:spcPct val="130000"/>
               </a:lnSpc>
             </a:pPr>
             <a:r>
-              <a:rPr lang="en-US" altLang="zh-CN" sz="2400" dirty="0">
-                <a:solidFill>
-                  <a:schemeClr val="accent3"/>
-                </a:solidFill>
-              </a:rPr>
-              <a:t>-(void)</a:t>
-            </a:r>
-            <a:r>
-              <a:rPr lang="en-US" altLang="zh-CN" sz="2400" dirty="0" err="1">
-                <a:solidFill>
-                  <a:schemeClr val="accent3"/>
-                </a:solidFill>
-              </a:rPr>
-              <a:t>loadData</a:t>
-            </a:r>
-            <a:r>
-              <a:rPr lang="en-US" altLang="zh-CN" sz="2400" dirty="0">
-                <a:solidFill>
-                  <a:schemeClr val="accent3"/>
-                </a:solidFill>
-              </a:rPr>
-              <a:t>{</a:t>
-            </a:r>
-          </a:p>
-          <a:p>
-            <a:pPr>
-              <a:lnSpc>
-                <a:spcPct val="150000"/>
-              </a:lnSpc>
-            </a:pPr>
-            <a:r>
-              <a:rPr lang="en-US" altLang="zh-CN" sz="2400" dirty="0">
-                <a:solidFill>
-                  <a:schemeClr val="accent3"/>
-                </a:solidFill>
-              </a:rPr>
-              <a:t>city=[</a:t>
-            </a:r>
-            <a:r>
-              <a:rPr lang="en-US" altLang="zh-CN" sz="2400" dirty="0" err="1">
-                <a:solidFill>
-                  <a:schemeClr val="accent3"/>
-                </a:solidFill>
-              </a:rPr>
-              <a:t>NSArray</a:t>
-            </a:r>
-            <a:r>
-              <a:rPr lang="en-US" altLang="zh-CN" sz="2400" dirty="0">
-                <a:solidFill>
-                  <a:schemeClr val="accent3"/>
-                </a:solidFill>
-              </a:rPr>
-              <a:t> </a:t>
-            </a:r>
-            <a:r>
-              <a:rPr lang="en-US" altLang="zh-CN" sz="2400" dirty="0" err="1">
-                <a:solidFill>
-                  <a:schemeClr val="accent3"/>
-                </a:solidFill>
-              </a:rPr>
-              <a:t>arrayWithObjects</a:t>
-            </a:r>
-            <a:r>
-              <a:rPr lang="en-US" altLang="zh-CN" sz="2400" dirty="0">
-                <a:solidFill>
-                  <a:schemeClr val="accent3"/>
-                </a:solidFill>
-              </a:rPr>
-              <a:t>:@"</a:t>
-            </a:r>
-            <a:r>
-              <a:rPr lang="zh-CN" altLang="en-US" sz="2400" dirty="0">
-                <a:solidFill>
-                  <a:schemeClr val="accent3"/>
-                </a:solidFill>
-              </a:rPr>
-              <a:t>深圳</a:t>
-            </a:r>
-            <a:r>
-              <a:rPr lang="en-US" altLang="zh-CN" sz="2400" dirty="0">
-                <a:solidFill>
-                  <a:schemeClr val="accent3"/>
-                </a:solidFill>
-              </a:rPr>
-              <a:t>",@"</a:t>
-            </a:r>
-            <a:r>
-              <a:rPr lang="zh-CN" altLang="en-US" sz="2400" dirty="0">
-                <a:solidFill>
-                  <a:schemeClr val="accent3"/>
-                </a:solidFill>
-              </a:rPr>
-              <a:t>北京</a:t>
-            </a:r>
-            <a:r>
-              <a:rPr lang="en-US" altLang="zh-CN" sz="2400" dirty="0">
-                <a:solidFill>
-                  <a:schemeClr val="accent3"/>
-                </a:solidFill>
-              </a:rPr>
-              <a:t>",@"</a:t>
-            </a:r>
-            <a:r>
-              <a:rPr lang="zh-CN" altLang="en-US" sz="2400" dirty="0">
-                <a:solidFill>
-                  <a:schemeClr val="accent3"/>
-                </a:solidFill>
-              </a:rPr>
-              <a:t>上</a:t>
-            </a:r>
-          </a:p>
-          <a:p>
-            <a:pPr>
-              <a:lnSpc>
-                <a:spcPct val="150000"/>
-              </a:lnSpc>
-            </a:pPr>
-            <a:r>
-              <a:rPr lang="zh-CN" altLang="en-US" sz="2400" dirty="0">
-                <a:solidFill>
-                  <a:schemeClr val="accent3"/>
-                </a:solidFill>
-              </a:rPr>
-              <a:t>海</a:t>
-            </a:r>
-            <a:r>
-              <a:rPr lang="en-US" altLang="zh-CN" sz="2400" dirty="0">
-                <a:solidFill>
-                  <a:schemeClr val="accent3"/>
-                </a:solidFill>
-              </a:rPr>
-              <a:t>",nil];</a:t>
-            </a:r>
-          </a:p>
-          <a:p>
-            <a:pPr>
-              <a:lnSpc>
-                <a:spcPct val="150000"/>
-              </a:lnSpc>
-            </a:pPr>
-            <a:r>
-              <a:rPr lang="en-US" altLang="zh-CN" sz="2400" dirty="0">
-                <a:solidFill>
-                  <a:schemeClr val="accent3"/>
-                </a:solidFill>
-              </a:rPr>
-              <a:t>}</a:t>
-            </a:r>
-          </a:p>
-          <a:p>
-            <a:pPr>
-              <a:lnSpc>
-                <a:spcPct val="150000"/>
-              </a:lnSpc>
-            </a:pPr>
-            <a:r>
-              <a:rPr lang="zh-CN" altLang="en-US" sz="2400" dirty="0"/>
-              <a:t>在</a:t>
-            </a:r>
-            <a:r>
-              <a:rPr lang="en-US" altLang="zh-CN" sz="2400" dirty="0" err="1"/>
-              <a:t>initWithStyle</a:t>
-            </a:r>
-            <a:r>
-              <a:rPr lang="zh-CN" altLang="en-US" sz="2400" dirty="0"/>
-              <a:t>方法中调用： </a:t>
-            </a:r>
-            <a:r>
-              <a:rPr lang="en-US" altLang="zh-CN" sz="2400" dirty="0">
-                <a:solidFill>
-                  <a:srgbClr val="FFFF00"/>
-                </a:solidFill>
-              </a:rPr>
-              <a:t>[self </a:t>
-            </a:r>
-            <a:r>
-              <a:rPr lang="en-US" altLang="zh-CN" sz="2400" dirty="0" err="1">
-                <a:solidFill>
-                  <a:srgbClr val="FFFF00"/>
-                </a:solidFill>
-              </a:rPr>
-              <a:t>loadData</a:t>
-            </a:r>
-            <a:r>
-              <a:rPr lang="en-US" altLang="zh-CN" sz="2400" dirty="0">
-                <a:solidFill>
-                  <a:srgbClr val="FFFF00"/>
-                </a:solidFill>
-              </a:rPr>
-              <a:t>];</a:t>
-            </a:r>
-            <a:endParaRPr kumimoji="1" lang="zh-CN" altLang="en-US" sz="2400" dirty="0">
-              <a:solidFill>
-                <a:srgbClr val="FFFF00"/>
-              </a:solidFill>
-            </a:endParaRPr>
-          </a:p>
-        </p:txBody>
-      </p:sp>
+              <a:rPr kumimoji="1" lang="en-US" altLang="zh-CN" sz="2400" dirty="0" err="1" smtClean="0"/>
+              <a:t>U</a:t>
+            </a:r>
+            <a:r>
+              <a:rPr kumimoji="1" lang="en-US" altLang="zh-CN" sz="2400" dirty="0" err="1" smtClean="0"/>
+              <a:t>ICollectionView</a:t>
+            </a:r>
+            <a:r>
+              <a:rPr kumimoji="1" lang="zh-CN" altLang="en-US" sz="2400" dirty="0"/>
+              <a:t>是一种新的数据展示方式，简单来说可以把他理解成多列的</a:t>
+            </a:r>
+            <a:r>
+              <a:rPr kumimoji="1" lang="en-US" altLang="zh-CN" sz="2400" dirty="0" err="1"/>
+              <a:t>UITableView</a:t>
+            </a:r>
+            <a:r>
+              <a:rPr kumimoji="1" lang="en-US" altLang="zh-CN" sz="2400" dirty="0"/>
+              <a:t>(</a:t>
+            </a:r>
+            <a:r>
+              <a:rPr kumimoji="1" lang="zh-CN" altLang="en-US" sz="2400" dirty="0"/>
+              <a:t>请一定注意这是</a:t>
+            </a:r>
+            <a:r>
+              <a:rPr kumimoji="1" lang="en-US" altLang="zh-CN" sz="2400" dirty="0" err="1"/>
+              <a:t>UICollectionView</a:t>
+            </a:r>
+            <a:r>
+              <a:rPr kumimoji="1" lang="zh-CN" altLang="en-US" sz="2400" dirty="0"/>
+              <a:t>的最最简单的形式</a:t>
+            </a:r>
+            <a:r>
+              <a:rPr kumimoji="1" lang="en-US" altLang="zh-CN" sz="2400" dirty="0"/>
+              <a:t>)</a:t>
+            </a:r>
+            <a:r>
+              <a:rPr kumimoji="1" lang="zh-CN" altLang="en-US" sz="2400" dirty="0"/>
+              <a:t>。如果你用过</a:t>
+            </a:r>
+            <a:r>
+              <a:rPr kumimoji="1" lang="en-US" altLang="zh-CN" sz="2400" dirty="0" err="1"/>
+              <a:t>iBooks</a:t>
+            </a:r>
+            <a:r>
+              <a:rPr kumimoji="1" lang="zh-CN" altLang="en-US" sz="2400" dirty="0"/>
+              <a:t>的话，可能你还对书架布局有一定印象：一个虚拟书架上放着你下载和购买的各类图书，整齐排列。其实这就是一个</a:t>
+            </a:r>
+            <a:r>
+              <a:rPr kumimoji="1" lang="en-US" altLang="zh-CN" sz="2400" dirty="0" err="1"/>
+              <a:t>UICollectionView</a:t>
+            </a:r>
+            <a:r>
+              <a:rPr kumimoji="1" lang="zh-CN" altLang="en-US" sz="2400" dirty="0"/>
+              <a:t>的表现形式，或者</a:t>
+            </a:r>
+            <a:r>
+              <a:rPr kumimoji="1" lang="en-US" altLang="zh-CN" sz="2400" dirty="0" err="1"/>
+              <a:t>iPad</a:t>
+            </a:r>
+            <a:r>
+              <a:rPr kumimoji="1" lang="zh-CN" altLang="en-US" sz="2400" dirty="0"/>
+              <a:t>的</a:t>
+            </a:r>
+            <a:r>
+              <a:rPr kumimoji="1" lang="en-US" altLang="zh-CN" sz="2400" dirty="0"/>
+              <a:t>iOS6</a:t>
+            </a:r>
+            <a:r>
+              <a:rPr kumimoji="1" lang="zh-CN" altLang="en-US" sz="2400" dirty="0"/>
+              <a:t>中的原生时钟应用中的各个时钟，也是</a:t>
+            </a:r>
+            <a:r>
+              <a:rPr kumimoji="1" lang="en-US" altLang="zh-CN" sz="2400" dirty="0" err="1"/>
+              <a:t>UICollectionView</a:t>
+            </a:r>
+            <a:r>
+              <a:rPr kumimoji="1" lang="zh-CN" altLang="en-US" sz="2400" dirty="0"/>
+              <a:t>的最简单的一个布局</a:t>
+            </a:r>
+          </a:p>
+        </p:txBody>
+      </p:sp>
+      <p:pic>
+        <p:nvPicPr>
+          <p:cNvPr id="11" name="图片 10"/>
+          <p:cNvPicPr>
+            <a:picLocks noChangeAspect="1"/>
+          </p:cNvPicPr>
+          <p:nvPr/>
+        </p:nvPicPr>
+        <p:blipFill>
+          <a:blip r:embed="rId2"/>
+          <a:stretch>
+            <a:fillRect/>
+          </a:stretch>
+        </p:blipFill>
+        <p:spPr>
+          <a:xfrm>
+            <a:off x="5670894" y="1412776"/>
+            <a:ext cx="3473106" cy="3378324"/>
+          </a:xfrm>
+          <a:prstGeom prst="rect">
+            <a:avLst/>
+          </a:prstGeom>
+        </p:spPr>
+      </p:pic>
     </p:spTree>
     <p:extLst>
       <p:ext uri="{BB962C8B-B14F-4D97-AF65-F5344CB8AC3E}">
-        <p14:creationId xmlns:p14="http://schemas.microsoft.com/office/powerpoint/2010/main" val="1021330720"/>
+        <p14:creationId xmlns:p14="http://schemas.microsoft.com/office/powerpoint/2010/main" val="895125341"/>
       </p:ext>
     </p:extLst>
   </p:cSld>
@@ -14073,26 +15619,19 @@
         </p:nvSpPr>
         <p:spPr/>
         <p:txBody>
-          <a:bodyPr/>
+          <a:bodyPr anchor="ctr"/>
           <a:lstStyle/>
           <a:p>
-            <a:r>
-              <a:rPr lang="zh-CN" altLang="en-US" b="0" dirty="0"/>
-              <a:t>表视图控制器案例</a:t>
-            </a:r>
-            <a:r>
-              <a:rPr lang="en-US" altLang="zh-CN" b="0" dirty="0"/>
-              <a:t>(</a:t>
-            </a:r>
-            <a:r>
-              <a:rPr lang="zh-CN" altLang="en-US" b="0" dirty="0"/>
-              <a:t>续</a:t>
-            </a:r>
-            <a:r>
-              <a:rPr lang="en-US" altLang="zh-CN" b="0" dirty="0"/>
-              <a:t>)</a:t>
-            </a:r>
-            <a:endParaRPr kumimoji="1" lang="zh-CN" altLang="en-US" dirty="0"/>
+            <a:pPr marL="342900" indent="-342900">
+              <a:lnSpc>
+                <a:spcPct val="150000"/>
+              </a:lnSpc>
+            </a:pPr>
+            <a:r>
+              <a:rPr lang="zh-CN" altLang="en-US" dirty="0"/>
+              <a:t>集合视图控制器</a:t>
+            </a:r>
+            <a:endParaRPr lang="zh-CN" altLang="en-US" dirty="0"/>
           </a:p>
         </p:txBody>
       </p:sp>
@@ -14122,14 +15661,14 @@
       </p:sp>
       <p:sp>
         <p:nvSpPr>
-          <p:cNvPr id="5" name="文本框 4"/>
+          <p:cNvPr id="10" name="文本框 9"/>
           <p:cNvSpPr txBox="1"/>
           <p:nvPr/>
         </p:nvSpPr>
         <p:spPr>
           <a:xfrm>
-            <a:off x="251520" y="1124744"/>
-            <a:ext cx="8496944" cy="5601532"/>
+            <a:off x="179512" y="1268760"/>
+            <a:ext cx="8856984" cy="5398400"/>
           </a:xfrm>
           <a:prstGeom prst="rect">
             <a:avLst/>
@@ -14144,7 +15683,7 @@
           <a:p>
             <a:pPr marL="342900" indent="-342900">
               <a:lnSpc>
-                <a:spcPct val="150000"/>
+                <a:spcPct val="120000"/>
               </a:lnSpc>
               <a:buClr>
                 <a:srgbClr val="00FFFF"/>
@@ -14153,139 +15692,91 @@
               <a:buChar char="Ø"/>
             </a:pPr>
             <a:r>
-              <a:rPr lang="zh-CN" altLang="en-US" sz="2400" dirty="0" smtClean="0"/>
-              <a:t>返回块</a:t>
-            </a:r>
-            <a:r>
-              <a:rPr lang="zh-CN" altLang="en-US" sz="2400" dirty="0"/>
-              <a:t>的个数</a:t>
-            </a:r>
+              <a:rPr kumimoji="1" lang="zh-CN" altLang="en-US" sz="2400" dirty="0"/>
+              <a:t>实现一个</a:t>
+            </a:r>
+            <a:r>
+              <a:rPr kumimoji="1" lang="en-US" altLang="zh-CN" sz="2400" dirty="0" err="1"/>
+              <a:t>UICollectionView</a:t>
+            </a:r>
+            <a:r>
+              <a:rPr kumimoji="1" lang="zh-CN" altLang="en-US" sz="2400" dirty="0"/>
+              <a:t>和实现一个</a:t>
+            </a:r>
+            <a:r>
+              <a:rPr kumimoji="1" lang="en-US" altLang="zh-CN" sz="2400" dirty="0" err="1"/>
+              <a:t>UITableView</a:t>
+            </a:r>
+            <a:r>
+              <a:rPr kumimoji="1" lang="zh-CN" altLang="en-US" sz="2400" dirty="0"/>
+              <a:t>基本没有什么大区别，它们都同样是</a:t>
+            </a:r>
+            <a:r>
+              <a:rPr kumimoji="1" lang="en-US" altLang="zh-CN" sz="2400" dirty="0" err="1"/>
+              <a:t>datasource</a:t>
+            </a:r>
+            <a:r>
+              <a:rPr kumimoji="1" lang="zh-CN" altLang="en-US" sz="2400" dirty="0"/>
+              <a:t>和</a:t>
+            </a:r>
+            <a:r>
+              <a:rPr kumimoji="1" lang="en-US" altLang="zh-CN" sz="2400" dirty="0"/>
+              <a:t>delegate</a:t>
+            </a:r>
+            <a:r>
+              <a:rPr kumimoji="1" lang="zh-CN" altLang="en-US" sz="2400" dirty="0"/>
+              <a:t>设计模式的：</a:t>
+            </a:r>
+            <a:r>
+              <a:rPr kumimoji="1" lang="en-US" altLang="zh-CN" sz="2400" dirty="0" err="1"/>
+              <a:t>datasource</a:t>
+            </a:r>
+            <a:r>
+              <a:rPr kumimoji="1" lang="zh-CN" altLang="en-US" sz="2400" dirty="0"/>
+              <a:t>为</a:t>
+            </a:r>
+            <a:r>
+              <a:rPr kumimoji="1" lang="en-US" altLang="zh-CN" sz="2400" dirty="0"/>
+              <a:t>view</a:t>
+            </a:r>
+            <a:r>
+              <a:rPr kumimoji="1" lang="zh-CN" altLang="en-US" sz="2400" dirty="0"/>
+              <a:t>提供数据源，告诉</a:t>
+            </a:r>
+            <a:r>
+              <a:rPr kumimoji="1" lang="en-US" altLang="zh-CN" sz="2400" dirty="0"/>
+              <a:t>view</a:t>
+            </a:r>
+            <a:r>
+              <a:rPr kumimoji="1" lang="zh-CN" altLang="en-US" sz="2400" dirty="0"/>
+              <a:t>要显示些什么东西以及如何显示它们，</a:t>
+            </a:r>
+            <a:r>
+              <a:rPr kumimoji="1" lang="en-US" altLang="zh-CN" sz="2400" dirty="0"/>
+              <a:t>delegate</a:t>
+            </a:r>
+            <a:r>
+              <a:rPr kumimoji="1" lang="zh-CN" altLang="en-US" sz="2400" dirty="0"/>
+              <a:t>提供一些样式的小细节以及用户交互的相应</a:t>
+            </a:r>
+            <a:r>
+              <a:rPr kumimoji="1" lang="zh-CN" altLang="en-US" sz="2400" dirty="0" smtClean="0"/>
+              <a:t>。</a:t>
+            </a:r>
+            <a:endParaRPr kumimoji="1" lang="en-US" altLang="zh-CN" sz="2400" dirty="0" smtClean="0"/>
           </a:p>
           <a:p>
             <a:pPr>
               <a:lnSpc>
-                <a:spcPct val="150000"/>
+                <a:spcPct val="120000"/>
               </a:lnSpc>
             </a:pPr>
-            <a:r>
-              <a:rPr lang="en-US" altLang="zh-CN" sz="2400" dirty="0">
-                <a:solidFill>
-                  <a:schemeClr val="accent3"/>
-                </a:solidFill>
-              </a:rPr>
-              <a:t>- (</a:t>
-            </a:r>
-            <a:r>
-              <a:rPr lang="en-US" altLang="zh-CN" sz="2400" dirty="0" err="1">
-                <a:solidFill>
-                  <a:schemeClr val="accent3"/>
-                </a:solidFill>
-              </a:rPr>
-              <a:t>NSInteger</a:t>
-            </a:r>
-            <a:r>
-              <a:rPr lang="en-US" altLang="zh-CN" sz="2400" dirty="0">
-                <a:solidFill>
-                  <a:schemeClr val="accent3"/>
-                </a:solidFill>
-              </a:rPr>
-              <a:t>)</a:t>
-            </a:r>
-            <a:r>
-              <a:rPr lang="en-US" altLang="zh-CN" sz="2400" dirty="0" err="1">
-                <a:solidFill>
-                  <a:schemeClr val="accent3"/>
-                </a:solidFill>
-              </a:rPr>
-              <a:t>numberOfSectionsInTableView</a:t>
-            </a:r>
-            <a:r>
-              <a:rPr lang="en-US" altLang="zh-CN" sz="2400" dirty="0">
-                <a:solidFill>
-                  <a:schemeClr val="accent3"/>
-                </a:solidFill>
-              </a:rPr>
-              <a:t>:(</a:t>
-            </a:r>
-            <a:r>
-              <a:rPr lang="en-US" altLang="zh-CN" sz="2400" dirty="0" err="1">
-                <a:solidFill>
-                  <a:schemeClr val="accent3"/>
-                </a:solidFill>
-              </a:rPr>
-              <a:t>UITableView</a:t>
-            </a:r>
-            <a:endParaRPr lang="en-US" altLang="zh-CN" sz="2400" dirty="0">
-              <a:solidFill>
-                <a:schemeClr val="accent3"/>
-              </a:solidFill>
-            </a:endParaRPr>
-          </a:p>
-          <a:p>
-            <a:pPr>
-              <a:lnSpc>
-                <a:spcPct val="150000"/>
-              </a:lnSpc>
-            </a:pPr>
-            <a:r>
-              <a:rPr lang="en-US" altLang="zh-CN" sz="2400" dirty="0">
-                <a:solidFill>
-                  <a:schemeClr val="accent3"/>
-                </a:solidFill>
-              </a:rPr>
-              <a:t>*)</a:t>
-            </a:r>
-            <a:r>
-              <a:rPr lang="en-US" altLang="zh-CN" sz="2400" dirty="0" err="1">
-                <a:solidFill>
-                  <a:schemeClr val="accent3"/>
-                </a:solidFill>
-              </a:rPr>
-              <a:t>tableView</a:t>
-            </a:r>
-            <a:r>
-              <a:rPr lang="en-US" altLang="zh-CN" sz="2400" dirty="0">
-                <a:solidFill>
-                  <a:schemeClr val="accent3"/>
-                </a:solidFill>
-              </a:rPr>
-              <a:t>{</a:t>
-            </a:r>
-          </a:p>
-          <a:p>
-            <a:pPr lvl="1">
-              <a:lnSpc>
-                <a:spcPct val="150000"/>
-              </a:lnSpc>
-            </a:pPr>
-            <a:r>
-              <a:rPr lang="en-US" altLang="zh-CN" sz="2400" dirty="0">
-                <a:solidFill>
-                  <a:schemeClr val="accent3"/>
-                </a:solidFill>
-              </a:rPr>
-              <a:t>return 1;</a:t>
-            </a:r>
-          </a:p>
-          <a:p>
-            <a:pPr>
-              <a:lnSpc>
-                <a:spcPct val="150000"/>
-              </a:lnSpc>
-            </a:pPr>
-            <a:r>
-              <a:rPr lang="en-US" altLang="zh-CN" sz="2400" dirty="0">
-                <a:solidFill>
-                  <a:schemeClr val="accent3"/>
-                </a:solidFill>
-              </a:rPr>
-              <a:t>}</a:t>
-            </a:r>
+            <a:endParaRPr kumimoji="1" lang="en-US" altLang="zh-CN" sz="2400" dirty="0"/>
           </a:p>
           <a:p>
             <a:pPr marL="342900" indent="-342900">
               <a:lnSpc>
-                <a:spcPct val="150000"/>
+                <a:spcPct val="120000"/>
               </a:lnSpc>
               <a:buClr>
                 <a:srgbClr val="00FFFF"/>
@@ -14294,170 +15785,122 @@
               <a:buChar char="Ø"/>
             </a:pPr>
             <a:r>
-              <a:rPr lang="zh-CN" altLang="en-US" sz="2400" dirty="0" smtClean="0"/>
-              <a:t>返回块中</a:t>
-            </a:r>
-            <a:r>
-              <a:rPr lang="zh-CN" altLang="en-US" sz="2400" dirty="0"/>
-              <a:t>行数</a:t>
-            </a:r>
-          </a:p>
-          <a:p>
-            <a:pPr>
+              <a:rPr kumimoji="1" lang="en-US" altLang="zh-CN" sz="2400" dirty="0" err="1" smtClean="0"/>
+              <a:t>UICollectionViewDataSource</a:t>
+            </a:r>
+            <a:endParaRPr kumimoji="1" lang="en-US" altLang="zh-CN" sz="2400" dirty="0"/>
+          </a:p>
+          <a:p>
+            <a:pPr marL="800100" lvl="1" indent="-342900">
               <a:lnSpc>
-                <a:spcPct val="150000"/>
+                <a:spcPct val="120000"/>
               </a:lnSpc>
+              <a:buClr>
+                <a:srgbClr val="00FFFF"/>
+              </a:buClr>
+              <a:buFont typeface="Wingdings" charset="2"/>
+              <a:buChar char="Ø"/>
             </a:pPr>
             <a:r>
-              <a:rPr lang="en-US" altLang="zh-CN" sz="2400" dirty="0">
-                <a:solidFill>
-                  <a:srgbClr val="FFFF00"/>
-                </a:solidFill>
-              </a:rPr>
-              <a:t>- (</a:t>
-            </a:r>
-            <a:r>
-              <a:rPr lang="en-US" altLang="zh-CN" sz="2400" dirty="0" err="1">
-                <a:solidFill>
-                  <a:srgbClr val="FFFF00"/>
-                </a:solidFill>
-              </a:rPr>
-              <a:t>NSInteger</a:t>
-            </a:r>
-            <a:r>
-              <a:rPr lang="en-US" altLang="zh-CN" sz="2400" dirty="0">
-                <a:solidFill>
-                  <a:srgbClr val="FFFF00"/>
-                </a:solidFill>
-              </a:rPr>
-              <a:t>)</a:t>
-            </a:r>
-            <a:r>
-              <a:rPr lang="en-US" altLang="zh-CN" sz="2400" dirty="0" err="1">
-                <a:solidFill>
-                  <a:srgbClr val="FFFF00"/>
-                </a:solidFill>
-              </a:rPr>
-              <a:t>tableView</a:t>
-            </a:r>
-            <a:r>
-              <a:rPr lang="en-US" altLang="zh-CN" sz="2400" dirty="0">
-                <a:solidFill>
-                  <a:srgbClr val="FFFF00"/>
-                </a:solidFill>
-              </a:rPr>
-              <a:t>:(</a:t>
-            </a:r>
-            <a:r>
-              <a:rPr lang="en-US" altLang="zh-CN" sz="2400" dirty="0" err="1">
-                <a:solidFill>
-                  <a:srgbClr val="FFFF00"/>
-                </a:solidFill>
-              </a:rPr>
-              <a:t>UITableView</a:t>
-            </a:r>
-            <a:r>
-              <a:rPr lang="en-US" altLang="zh-CN" sz="2400" dirty="0">
-                <a:solidFill>
-                  <a:srgbClr val="FFFF00"/>
-                </a:solidFill>
-              </a:rPr>
-              <a:t> *)</a:t>
-            </a:r>
-            <a:r>
-              <a:rPr lang="en-US" altLang="zh-CN" sz="2400" dirty="0" err="1">
-                <a:solidFill>
-                  <a:srgbClr val="FFFF00"/>
-                </a:solidFill>
-              </a:rPr>
-              <a:t>tableView</a:t>
-            </a:r>
-            <a:endParaRPr lang="en-US" altLang="zh-CN" sz="2400" dirty="0">
-              <a:solidFill>
-                <a:srgbClr val="FFFF00"/>
-              </a:solidFill>
-            </a:endParaRPr>
-          </a:p>
-          <a:p>
-            <a:pPr>
+              <a:rPr kumimoji="1" lang="en-US" altLang="zh-CN" sz="2400" dirty="0"/>
+              <a:t>section</a:t>
+            </a:r>
+            <a:r>
+              <a:rPr kumimoji="1" lang="zh-CN" altLang="en-US" sz="2400" dirty="0"/>
+              <a:t>的数量 ￼</a:t>
+            </a:r>
+            <a:r>
+              <a:rPr kumimoji="1" lang="en-US" altLang="zh-CN" sz="2400" dirty="0"/>
+              <a:t>-</a:t>
+            </a:r>
+            <a:r>
+              <a:rPr kumimoji="1" lang="en-US" altLang="zh-CN" sz="2400" dirty="0" err="1"/>
+              <a:t>numberOfSectionsInCollection</a:t>
+            </a:r>
+            <a:r>
+              <a:rPr kumimoji="1" lang="en-US" altLang="zh-CN" sz="2400" dirty="0"/>
+              <a:t>:</a:t>
+            </a:r>
+          </a:p>
+          <a:p>
+            <a:pPr marL="800100" lvl="1" indent="-342900">
               <a:lnSpc>
-                <a:spcPct val="150000"/>
+                <a:spcPct val="120000"/>
               </a:lnSpc>
+              <a:buClr>
+                <a:srgbClr val="00FFFF"/>
+              </a:buClr>
+              <a:buFont typeface="Wingdings" charset="2"/>
+              <a:buChar char="Ø"/>
             </a:pPr>
             <a:r>
-              <a:rPr lang="en-US" altLang="zh-CN" sz="2400" dirty="0" err="1">
-                <a:solidFill>
-                  <a:srgbClr val="FFFF00"/>
-                </a:solidFill>
-              </a:rPr>
-              <a:t>numberOfRowsInSection</a:t>
-            </a:r>
-            <a:r>
-              <a:rPr lang="en-US" altLang="zh-CN" sz="2400" dirty="0">
-                <a:solidFill>
-                  <a:srgbClr val="FFFF00"/>
-                </a:solidFill>
-              </a:rPr>
-              <a:t>:(</a:t>
-            </a:r>
-            <a:r>
-              <a:rPr lang="en-US" altLang="zh-CN" sz="2400" dirty="0" err="1">
-                <a:solidFill>
-                  <a:srgbClr val="FFFF00"/>
-                </a:solidFill>
-              </a:rPr>
-              <a:t>NSInteger</a:t>
-            </a:r>
-            <a:r>
-              <a:rPr lang="en-US" altLang="zh-CN" sz="2400" dirty="0">
-                <a:solidFill>
-                  <a:srgbClr val="FFFF00"/>
-                </a:solidFill>
-              </a:rPr>
-              <a:t>)section{</a:t>
-            </a:r>
-          </a:p>
-          <a:p>
-            <a:pPr lvl="1">
+              <a:rPr kumimoji="1" lang="zh-CN" altLang="en-US" sz="2400" dirty="0"/>
+              <a:t>某个</a:t>
+            </a:r>
+            <a:r>
+              <a:rPr kumimoji="1" lang="en-US" altLang="zh-CN" sz="2400" dirty="0"/>
+              <a:t>section</a:t>
+            </a:r>
+            <a:r>
+              <a:rPr kumimoji="1" lang="zh-CN" altLang="en-US" sz="2400" dirty="0"/>
+              <a:t>里有多少个</a:t>
+            </a:r>
+            <a:r>
+              <a:rPr kumimoji="1" lang="en-US" altLang="zh-CN" sz="2400" dirty="0"/>
+              <a:t>item </a:t>
+            </a:r>
+            <a:r>
+              <a:rPr kumimoji="1" lang="en-US" altLang="zh-CN" sz="2400" dirty="0" smtClean="0"/>
+              <a:t>-</a:t>
+            </a:r>
+            <a:r>
+              <a:rPr kumimoji="1" lang="en-US" altLang="zh-CN" sz="2400" dirty="0" err="1"/>
+              <a:t>collectionView:numberOfItemsInSection</a:t>
+            </a:r>
+            <a:r>
+              <a:rPr kumimoji="1" lang="en-US" altLang="zh-CN" sz="2400" dirty="0"/>
+              <a:t>:</a:t>
+            </a:r>
+          </a:p>
+          <a:p>
+            <a:pPr marL="800100" lvl="1" indent="-342900">
               <a:lnSpc>
-                <a:spcPct val="150000"/>
+                <a:spcPct val="120000"/>
               </a:lnSpc>
+              <a:buClr>
+                <a:srgbClr val="00FFFF"/>
+              </a:buClr>
+              <a:buFont typeface="Wingdings" charset="2"/>
+              <a:buChar char="Ø"/>
             </a:pPr>
             <a:r>
-              <a:rPr lang="en-US" altLang="zh-CN" sz="2400" dirty="0">
-                <a:solidFill>
-                  <a:srgbClr val="FFFF00"/>
-                </a:solidFill>
-              </a:rPr>
-              <a:t>return [city count];</a:t>
-            </a:r>
-          </a:p>
-          <a:p>
-            <a:pPr>
-              <a:lnSpc>
-                <a:spcPct val="150000"/>
-              </a:lnSpc>
-            </a:pPr>
-            <a:r>
-              <a:rPr lang="en-US" altLang="zh-CN" sz="2400" dirty="0">
-                <a:solidFill>
-                  <a:srgbClr val="FFFF00"/>
-                </a:solidFill>
-              </a:rPr>
-              <a:t>}</a:t>
-            </a:r>
-            <a:endParaRPr kumimoji="1" lang="zh-CN" altLang="en-US" sz="2400" dirty="0">
-              <a:solidFill>
-                <a:srgbClr val="FFFF00"/>
-              </a:solidFill>
-            </a:endParaRPr>
+              <a:rPr kumimoji="1" lang="zh-CN" altLang="en-US" sz="2400" dirty="0"/>
+              <a:t>对于某个位置应该显示什么样的</a:t>
+            </a:r>
+            <a:r>
+              <a:rPr kumimoji="1" lang="en-US" altLang="zh-CN" sz="2400" dirty="0"/>
+              <a:t>cell </a:t>
+            </a:r>
+            <a:r>
+              <a:rPr kumimoji="1" lang="en-US" altLang="zh-CN" sz="2400" dirty="0" smtClean="0"/>
+              <a:t>-</a:t>
+            </a:r>
+            <a:r>
+              <a:rPr kumimoji="1" lang="en-US" altLang="zh-CN" sz="2400" dirty="0" err="1"/>
+              <a:t>collectionView:cellForItemAtIndexPath</a:t>
+            </a:r>
+            <a:r>
+              <a:rPr kumimoji="1" lang="en-US" altLang="zh-CN" sz="2400" dirty="0"/>
+              <a:t>:</a:t>
+            </a:r>
+            <a:endParaRPr kumimoji="1" lang="zh-CN" altLang="en-US" sz="2400" dirty="0"/>
           </a:p>
         </p:txBody>
       </p:sp>
     </p:spTree>
     <p:extLst>
       <p:ext uri="{BB962C8B-B14F-4D97-AF65-F5344CB8AC3E}">
-        <p14:creationId xmlns:p14="http://schemas.microsoft.com/office/powerpoint/2010/main" val="834987495"/>
+        <p14:creationId xmlns:p14="http://schemas.microsoft.com/office/powerpoint/2010/main" val="568175635"/>
       </p:ext>
     </p:extLst>
   </p:cSld>
